--- a/Class Presentations/Day3 JS Class.pptx
+++ b/Class Presentations/Day3 JS Class.pptx
@@ -10,7 +10,7 @@
   <p:sldIdLst>
     <p:sldId id="256" r:id="rId2"/>
     <p:sldId id="257" r:id="rId3"/>
-    <p:sldId id="275" r:id="rId4"/>
+    <p:sldId id="347" r:id="rId4"/>
     <p:sldId id="290" r:id="rId5"/>
     <p:sldId id="291" r:id="rId6"/>
     <p:sldId id="340" r:id="rId7"/>
@@ -369,7 +369,7 @@
   </p:defaultTextStyle>
   <p:extLst>
     <p:ext uri="{EFAFB233-063F-42B5-8137-9DF3F51BA10A}">
-      <p15:sldGuideLst xmlns:p15="http://schemas.microsoft.com/office/powerpoint/2012/main" xmlns=""/>
+      <p15:sldGuideLst xmlns="" xmlns:p15="http://schemas.microsoft.com/office/powerpoint/2012/main"/>
     </p:ext>
   </p:extLst>
 </p:presentation>
@@ -607,14 +607,14 @@
           <a:bodyPr/>
           <a:lstStyle/>
           <a:p>
-            <a:endParaRPr lang="en-US"/>
+            <a:endParaRPr lang="en-US" dirty="0"/>
           </a:p>
         </p:txBody>
       </p:sp>
     </p:spTree>
     <p:extLst>
       <p:ext uri="{BB962C8B-B14F-4D97-AF65-F5344CB8AC3E}">
-        <p14:creationId xmlns:p14="http://schemas.microsoft.com/office/powerpoint/2010/main" val="1901313438"/>
+        <p14:creationId xmlns:p14="http://schemas.microsoft.com/office/powerpoint/2010/main" val="1432864476"/>
       </p:ext>
     </p:extLst>
   </p:cSld>
@@ -10245,7 +10245,7 @@
       </p:sp>
       <p:sp>
         <p:nvSpPr>
-          <p:cNvPr id="3" name="Text Placeholder 2"/>
+          <p:cNvPr id="9" name="Text Placeholder 2"/>
           <p:cNvSpPr>
             <a:spLocks noGrp="1"/>
           </p:cNvSpPr>
@@ -10255,38 +10255,48 @@
         </p:nvSpPr>
         <p:spPr>
           <a:xfrm>
-            <a:off x="952500" y="2895600"/>
-            <a:ext cx="11099800" cy="4297680"/>
+            <a:off x="952500" y="2590799"/>
+            <a:ext cx="11099800" cy="4993341"/>
           </a:xfrm>
         </p:spPr>
         <p:txBody>
-          <a:bodyPr anchor="t"/>
-          <a:lstStyle/>
-          <a:p>
-            <a:r>
-              <a:rPr lang="en-US" dirty="0" smtClean="0"/>
+          <a:bodyPr anchor="t">
+            <a:normAutofit lnSpcReduction="10000"/>
+          </a:bodyPr>
+          <a:lstStyle/>
+          <a:p>
+            <a:r>
+              <a:rPr lang="en-US" dirty="0"/>
               <a:t>HTML Semantics</a:t>
             </a:r>
           </a:p>
           <a:p>
             <a:r>
-              <a:rPr lang="en-US" dirty="0" smtClean="0"/>
+              <a:rPr lang="en-US" dirty="0"/>
+              <a:t>Iterative Development</a:t>
+            </a:r>
+          </a:p>
+          <a:p>
+            <a:r>
+              <a:rPr lang="en-US" dirty="0"/>
               <a:t>Images</a:t>
             </a:r>
           </a:p>
           <a:p>
             <a:r>
-              <a:rPr lang="en-US" dirty="0" smtClean="0"/>
+              <a:rPr lang="en-US" dirty="0"/>
               <a:t>Input and Buttons</a:t>
             </a:r>
           </a:p>
           <a:p>
             <a:r>
-              <a:rPr lang="en-US" dirty="0" smtClean="0"/>
-              <a:t>Page Navigation</a:t>
-            </a:r>
-          </a:p>
-          <a:p>
+              <a:rPr lang="en-US" dirty="0"/>
+              <a:t>Page </a:t>
+            </a:r>
+            <a:r>
+              <a:rPr lang="en-US" dirty="0" smtClean="0"/>
+              <a:t>Navigation</a:t>
+            </a:r>
             <a:endParaRPr lang="en-US" dirty="0"/>
           </a:p>
         </p:txBody>
@@ -10294,7 +10304,7 @@
     </p:spTree>
     <p:extLst>
       <p:ext uri="{BB962C8B-B14F-4D97-AF65-F5344CB8AC3E}">
-        <p14:creationId xmlns:p14="http://schemas.microsoft.com/office/powerpoint/2010/main" val="2008578489"/>
+        <p14:creationId xmlns:p14="http://schemas.microsoft.com/office/powerpoint/2010/main" val="1407874016"/>
       </p:ext>
     </p:extLst>
   </p:cSld>
@@ -10305,7 +10315,81 @@
   <p:timing>
     <p:tnLst>
       <p:par>
-        <p:cTn xmlns:p14="http://schemas.microsoft.com/office/powerpoint/2010/main" id="1" dur="indefinite" restart="never" nodeType="tmRoot"/>
+        <p:cTn xmlns:p14="http://schemas.microsoft.com/office/powerpoint/2010/main" id="1" dur="indefinite" restart="never" nodeType="tmRoot">
+          <p:childTnLst>
+            <p:seq concurrent="1" nextAc="seek">
+              <p:cTn id="2" dur="indefinite" nodeType="mainSeq">
+                <p:childTnLst>
+                  <p:par>
+                    <p:cTn id="3" fill="hold">
+                      <p:stCondLst>
+                        <p:cond delay="indefinite"/>
+                        <p:cond evt="onBegin" delay="0">
+                          <p:tn val="2"/>
+                        </p:cond>
+                      </p:stCondLst>
+                      <p:childTnLst>
+                        <p:par>
+                          <p:cTn id="4" fill="hold">
+                            <p:stCondLst>
+                              <p:cond delay="0"/>
+                            </p:stCondLst>
+                            <p:childTnLst>
+                              <p:par>
+                                <p:cTn id="5" presetID="15" presetClass="emph" presetSubtype="0" nodeType="withEffect">
+                                  <p:stCondLst>
+                                    <p:cond delay="0"/>
+                                  </p:stCondLst>
+                                  <p:iterate type="lt">
+                                    <p:tmAbs val="25"/>
+                                  </p:iterate>
+                                  <p:childTnLst>
+                                    <p:set>
+                                      <p:cBhvr override="childStyle">
+                                        <p:cTn id="6" dur="indefinite"/>
+                                        <p:tgtEl>
+                                          <p:spTgt spid="9">
+                                            <p:txEl>
+                                              <p:pRg st="4" end="4"/>
+                                            </p:txEl>
+                                          </p:spTgt>
+                                        </p:tgtEl>
+                                        <p:attrNameLst>
+                                          <p:attrName>style.fontWeight</p:attrName>
+                                        </p:attrNameLst>
+                                      </p:cBhvr>
+                                      <p:to>
+                                        <p:strVal val="bold"/>
+                                      </p:to>
+                                    </p:set>
+                                  </p:childTnLst>
+                                </p:cTn>
+                              </p:par>
+                            </p:childTnLst>
+                          </p:cTn>
+                        </p:par>
+                      </p:childTnLst>
+                    </p:cTn>
+                  </p:par>
+                </p:childTnLst>
+              </p:cTn>
+              <p:prevCondLst>
+                <p:cond evt="onPrev" delay="0">
+                  <p:tgtEl>
+                    <p:sldTgt/>
+                  </p:tgtEl>
+                </p:cond>
+              </p:prevCondLst>
+              <p:nextCondLst>
+                <p:cond evt="onNext" delay="0">
+                  <p:tgtEl>
+                    <p:sldTgt/>
+                  </p:tgtEl>
+                </p:cond>
+              </p:nextCondLst>
+            </p:seq>
+          </p:childTnLst>
+        </p:cTn>
       </p:par>
     </p:tnLst>
   </p:timing>
@@ -16691,7 +16775,7 @@
   <a:extraClrSchemeLst/>
   <a:extLst>
     <a:ext uri="{05A4C25C-085E-4340-85A3-A5531E510DB2}">
-      <thm15:themeFamily xmlns:thm15="http://schemas.microsoft.com/office/thememl/2012/main" xmlns="" name="Day3 JS Class" id="{D4F05966-464E-784D-BF29-31F7893CCB96}" vid="{C32FFA51-6A7F-6940-8C20-C86CE7F3094E}"/>
+      <thm15:themeFamily xmlns="" xmlns:thm15="http://schemas.microsoft.com/office/thememl/2012/main" name="Day3 JS Class" id="{D4F05966-464E-784D-BF29-31F7893CCB96}" vid="{C32FFA51-6A7F-6940-8C20-C86CE7F3094E}"/>
     </a:ext>
   </a:extLst>
 </a:theme>

--- a/Class Presentations/Day3 JS Class.pptx
+++ b/Class Presentations/Day3 JS Class.pptx
@@ -369,7 +369,7 @@
   </p:defaultTextStyle>
   <p:extLst>
     <p:ext uri="{EFAFB233-063F-42B5-8137-9DF3F51BA10A}">
-      <p15:sldGuideLst xmlns="" xmlns:p15="http://schemas.microsoft.com/office/powerpoint/2012/main"/>
+      <p15:sldGuideLst xmlns:p15="http://schemas.microsoft.com/office/powerpoint/2012/main" xmlns=""/>
     </p:ext>
   </p:extLst>
 </p:presentation>
@@ -2872,6 +2872,14 @@
           <a:bodyPr/>
           <a:lstStyle/>
           <a:p>
+            <a:r>
+              <a:rPr lang="en-US" dirty="0" smtClean="0"/>
+              <a:t>We’re going to</a:t>
+            </a:r>
+            <a:r>
+              <a:rPr lang="en-US" baseline="0" dirty="0" smtClean="0"/>
+              <a:t> go through the next steps together and develop a site.</a:t>
+            </a:r>
             <a:endParaRPr lang="en-US" dirty="0"/>
           </a:p>
         </p:txBody>
@@ -5761,6 +5769,83 @@
           </a:p>
         </p:txBody>
       </p:sp>
+      <p:sp>
+        <p:nvSpPr>
+          <p:cNvPr id="5" name="PB"/>
+          <p:cNvSpPr/>
+          <p:nvPr/>
+        </p:nvSpPr>
+        <p:spPr>
+          <a:xfrm>
+            <a:off x="0" y="9601200"/>
+            <a:ext cx="224221" cy="152400"/>
+          </a:xfrm>
+          <a:prstGeom prst="rect">
+            <a:avLst/>
+          </a:prstGeom>
+          <a:blipFill rotWithShape="1">
+            <a:blip r:embed="rId2"/>
+            <a:srcRect/>
+            <a:tile tx="0" ty="0" sx="100000" sy="100000" flip="none" algn="tl"/>
+          </a:blipFill>
+          <a:ln w="12700" cap="flat">
+            <a:noFill/>
+            <a:miter lim="400000"/>
+          </a:ln>
+          <a:effectLst/>
+          <a:sp3d/>
+        </p:spPr>
+        <p:style>
+          <a:lnRef idx="0">
+            <a:scrgbClr r="0" g="0" b="0"/>
+          </a:lnRef>
+          <a:fillRef idx="0">
+            <a:scrgbClr r="0" g="0" b="0"/>
+          </a:fillRef>
+          <a:effectRef idx="0">
+            <a:scrgbClr r="0" g="0" b="0"/>
+          </a:effectRef>
+          <a:fontRef idx="none"/>
+        </p:style>
+        <p:txBody>
+          <a:bodyPr rot="0" spcFirstLastPara="1" vertOverflow="overflow" horzOverflow="overflow" vert="horz" wrap="square" lIns="50800" tIns="50800" rIns="50800" bIns="50800" numCol="1" spcCol="38100" rtlCol="0" anchor="ctr">
+            <a:spAutoFit/>
+          </a:bodyPr>
+          <a:lstStyle/>
+          <a:p>
+            <a:pPr marL="0" marR="0" indent="0" algn="ctr" defTabSz="584200" rtl="0" fontAlgn="auto" latinLnBrk="0" hangingPunct="0">
+              <a:lnSpc>
+                <a:spcPct val="100000"/>
+              </a:lnSpc>
+              <a:spcBef>
+                <a:spcPts val="0"/>
+              </a:spcBef>
+              <a:spcAft>
+                <a:spcPts val="0"/>
+              </a:spcAft>
+              <a:buClrTx/>
+              <a:buSzTx/>
+              <a:buFontTx/>
+              <a:buNone/>
+              <a:tabLst/>
+            </a:pPr>
+            <a:endParaRPr kumimoji="0" lang="en-US" sz="2600" b="0" i="0" u="none" strike="noStrike" cap="none" spc="0" normalizeH="0" baseline="0">
+              <a:ln>
+                <a:noFill/>
+              </a:ln>
+              <a:solidFill>
+                <a:srgbClr val="FFFFFF"/>
+              </a:solidFill>
+              <a:effectLst/>
+              <a:uFillTx/>
+              <a:latin typeface="+mn-lt"/>
+              <a:ea typeface="+mn-ea"/>
+              <a:cs typeface="+mn-cs"/>
+              <a:sym typeface="Helvetica Light"/>
+            </a:endParaRPr>
+          </a:p>
+        </p:txBody>
+      </p:sp>
     </p:spTree>
   </p:cSld>
   <p:clrMapOvr>
@@ -5878,6 +5963,83 @@
               <a:rPr lang="en-US" sz="5400" b="1" dirty="0" smtClean="0"/>
               <a:t>Ctrl + S</a:t>
             </a:r>
+          </a:p>
+        </p:txBody>
+      </p:sp>
+      <p:sp>
+        <p:nvSpPr>
+          <p:cNvPr id="7" name="PB"/>
+          <p:cNvSpPr/>
+          <p:nvPr/>
+        </p:nvSpPr>
+        <p:spPr>
+          <a:xfrm>
+            <a:off x="0" y="9601200"/>
+            <a:ext cx="2242207" cy="152400"/>
+          </a:xfrm>
+          <a:prstGeom prst="rect">
+            <a:avLst/>
+          </a:prstGeom>
+          <a:blipFill rotWithShape="1">
+            <a:blip r:embed="rId3"/>
+            <a:srcRect/>
+            <a:tile tx="0" ty="0" sx="100000" sy="100000" flip="none" algn="tl"/>
+          </a:blipFill>
+          <a:ln w="12700" cap="flat">
+            <a:noFill/>
+            <a:miter lim="400000"/>
+          </a:ln>
+          <a:effectLst/>
+          <a:sp3d/>
+        </p:spPr>
+        <p:style>
+          <a:lnRef idx="0">
+            <a:scrgbClr r="0" g="0" b="0"/>
+          </a:lnRef>
+          <a:fillRef idx="0">
+            <a:scrgbClr r="0" g="0" b="0"/>
+          </a:fillRef>
+          <a:effectRef idx="0">
+            <a:scrgbClr r="0" g="0" b="0"/>
+          </a:effectRef>
+          <a:fontRef idx="none"/>
+        </p:style>
+        <p:txBody>
+          <a:bodyPr rot="0" spcFirstLastPara="1" vertOverflow="overflow" horzOverflow="overflow" vert="horz" wrap="square" lIns="50800" tIns="50800" rIns="50800" bIns="50800" numCol="1" spcCol="38100" rtlCol="0" anchor="ctr">
+            <a:spAutoFit/>
+          </a:bodyPr>
+          <a:lstStyle/>
+          <a:p>
+            <a:pPr marL="0" marR="0" indent="0" algn="ctr" defTabSz="584200" rtl="0" fontAlgn="auto" latinLnBrk="0" hangingPunct="0">
+              <a:lnSpc>
+                <a:spcPct val="100000"/>
+              </a:lnSpc>
+              <a:spcBef>
+                <a:spcPts val="0"/>
+              </a:spcBef>
+              <a:spcAft>
+                <a:spcPts val="0"/>
+              </a:spcAft>
+              <a:buClrTx/>
+              <a:buSzTx/>
+              <a:buFontTx/>
+              <a:buNone/>
+              <a:tabLst/>
+            </a:pPr>
+            <a:endParaRPr kumimoji="0" lang="en-US" sz="2600" b="0" i="0" u="none" strike="noStrike" cap="none" spc="0" normalizeH="0" baseline="0">
+              <a:ln>
+                <a:noFill/>
+              </a:ln>
+              <a:solidFill>
+                <a:srgbClr val="FFFFFF"/>
+              </a:solidFill>
+              <a:effectLst/>
+              <a:uFillTx/>
+              <a:latin typeface="+mn-lt"/>
+              <a:ea typeface="+mn-ea"/>
+              <a:cs typeface="+mn-cs"/>
+              <a:sym typeface="Helvetica Light"/>
+            </a:endParaRPr>
           </a:p>
         </p:txBody>
       </p:sp>
@@ -6078,6 +6240,83 @@
           </a:p>
         </p:txBody>
       </p:sp>
+      <p:sp>
+        <p:nvSpPr>
+          <p:cNvPr id="7" name="PB"/>
+          <p:cNvSpPr/>
+          <p:nvPr/>
+        </p:nvSpPr>
+        <p:spPr>
+          <a:xfrm>
+            <a:off x="0" y="9601200"/>
+            <a:ext cx="2466428" cy="152400"/>
+          </a:xfrm>
+          <a:prstGeom prst="rect">
+            <a:avLst/>
+          </a:prstGeom>
+          <a:blipFill rotWithShape="1">
+            <a:blip r:embed="rId3"/>
+            <a:srcRect/>
+            <a:tile tx="0" ty="0" sx="100000" sy="100000" flip="none" algn="tl"/>
+          </a:blipFill>
+          <a:ln w="12700" cap="flat">
+            <a:noFill/>
+            <a:miter lim="400000"/>
+          </a:ln>
+          <a:effectLst/>
+          <a:sp3d/>
+        </p:spPr>
+        <p:style>
+          <a:lnRef idx="0">
+            <a:scrgbClr r="0" g="0" b="0"/>
+          </a:lnRef>
+          <a:fillRef idx="0">
+            <a:scrgbClr r="0" g="0" b="0"/>
+          </a:fillRef>
+          <a:effectRef idx="0">
+            <a:scrgbClr r="0" g="0" b="0"/>
+          </a:effectRef>
+          <a:fontRef idx="none"/>
+        </p:style>
+        <p:txBody>
+          <a:bodyPr rot="0" spcFirstLastPara="1" vertOverflow="overflow" horzOverflow="overflow" vert="horz" wrap="square" lIns="50800" tIns="50800" rIns="50800" bIns="50800" numCol="1" spcCol="38100" rtlCol="0" anchor="ctr">
+            <a:spAutoFit/>
+          </a:bodyPr>
+          <a:lstStyle/>
+          <a:p>
+            <a:pPr marL="0" marR="0" indent="0" algn="ctr" defTabSz="584200" rtl="0" fontAlgn="auto" latinLnBrk="0" hangingPunct="0">
+              <a:lnSpc>
+                <a:spcPct val="100000"/>
+              </a:lnSpc>
+              <a:spcBef>
+                <a:spcPts val="0"/>
+              </a:spcBef>
+              <a:spcAft>
+                <a:spcPts val="0"/>
+              </a:spcAft>
+              <a:buClrTx/>
+              <a:buSzTx/>
+              <a:buFontTx/>
+              <a:buNone/>
+              <a:tabLst/>
+            </a:pPr>
+            <a:endParaRPr kumimoji="0" lang="en-US" sz="2600" b="0" i="0" u="none" strike="noStrike" cap="none" spc="0" normalizeH="0" baseline="0">
+              <a:ln>
+                <a:noFill/>
+              </a:ln>
+              <a:solidFill>
+                <a:srgbClr val="FFFFFF"/>
+              </a:solidFill>
+              <a:effectLst/>
+              <a:uFillTx/>
+              <a:latin typeface="+mn-lt"/>
+              <a:ea typeface="+mn-ea"/>
+              <a:cs typeface="+mn-cs"/>
+              <a:sym typeface="Helvetica Light"/>
+            </a:endParaRPr>
+          </a:p>
+        </p:txBody>
+      </p:sp>
     </p:spTree>
     <p:extLst>
       <p:ext uri="{BB962C8B-B14F-4D97-AF65-F5344CB8AC3E}">
@@ -6364,6 +6603,83 @@
           </a:p>
         </p:txBody>
       </p:sp>
+      <p:sp>
+        <p:nvSpPr>
+          <p:cNvPr id="8" name="PB"/>
+          <p:cNvSpPr/>
+          <p:nvPr/>
+        </p:nvSpPr>
+        <p:spPr>
+          <a:xfrm>
+            <a:off x="0" y="9601200"/>
+            <a:ext cx="2690648" cy="152400"/>
+          </a:xfrm>
+          <a:prstGeom prst="rect">
+            <a:avLst/>
+          </a:prstGeom>
+          <a:blipFill rotWithShape="1">
+            <a:blip r:embed="rId3"/>
+            <a:srcRect/>
+            <a:tile tx="0" ty="0" sx="100000" sy="100000" flip="none" algn="tl"/>
+          </a:blipFill>
+          <a:ln w="12700" cap="flat">
+            <a:noFill/>
+            <a:miter lim="400000"/>
+          </a:ln>
+          <a:effectLst/>
+          <a:sp3d/>
+        </p:spPr>
+        <p:style>
+          <a:lnRef idx="0">
+            <a:scrgbClr r="0" g="0" b="0"/>
+          </a:lnRef>
+          <a:fillRef idx="0">
+            <a:scrgbClr r="0" g="0" b="0"/>
+          </a:fillRef>
+          <a:effectRef idx="0">
+            <a:scrgbClr r="0" g="0" b="0"/>
+          </a:effectRef>
+          <a:fontRef idx="none"/>
+        </p:style>
+        <p:txBody>
+          <a:bodyPr rot="0" spcFirstLastPara="1" vertOverflow="overflow" horzOverflow="overflow" vert="horz" wrap="square" lIns="50800" tIns="50800" rIns="50800" bIns="50800" numCol="1" spcCol="38100" rtlCol="0" anchor="ctr">
+            <a:spAutoFit/>
+          </a:bodyPr>
+          <a:lstStyle/>
+          <a:p>
+            <a:pPr marL="0" marR="0" indent="0" algn="ctr" defTabSz="584200" rtl="0" fontAlgn="auto" latinLnBrk="0" hangingPunct="0">
+              <a:lnSpc>
+                <a:spcPct val="100000"/>
+              </a:lnSpc>
+              <a:spcBef>
+                <a:spcPts val="0"/>
+              </a:spcBef>
+              <a:spcAft>
+                <a:spcPts val="0"/>
+              </a:spcAft>
+              <a:buClrTx/>
+              <a:buSzTx/>
+              <a:buFontTx/>
+              <a:buNone/>
+              <a:tabLst/>
+            </a:pPr>
+            <a:endParaRPr kumimoji="0" lang="en-US" sz="2600" b="0" i="0" u="none" strike="noStrike" cap="none" spc="0" normalizeH="0" baseline="0">
+              <a:ln>
+                <a:noFill/>
+              </a:ln>
+              <a:solidFill>
+                <a:srgbClr val="FFFFFF"/>
+              </a:solidFill>
+              <a:effectLst/>
+              <a:uFillTx/>
+              <a:latin typeface="+mn-lt"/>
+              <a:ea typeface="+mn-ea"/>
+              <a:cs typeface="+mn-cs"/>
+              <a:sym typeface="Helvetica Light"/>
+            </a:endParaRPr>
+          </a:p>
+        </p:txBody>
+      </p:sp>
     </p:spTree>
     <p:extLst>
       <p:ext uri="{BB962C8B-B14F-4D97-AF65-F5344CB8AC3E}">
@@ -6594,6 +6910,83 @@
           </a:p>
         </p:txBody>
       </p:sp>
+      <p:sp>
+        <p:nvSpPr>
+          <p:cNvPr id="8" name="PB"/>
+          <p:cNvSpPr/>
+          <p:nvPr/>
+        </p:nvSpPr>
+        <p:spPr>
+          <a:xfrm>
+            <a:off x="0" y="9601200"/>
+            <a:ext cx="2914869" cy="152400"/>
+          </a:xfrm>
+          <a:prstGeom prst="rect">
+            <a:avLst/>
+          </a:prstGeom>
+          <a:blipFill rotWithShape="1">
+            <a:blip r:embed="rId3"/>
+            <a:srcRect/>
+            <a:tile tx="0" ty="0" sx="100000" sy="100000" flip="none" algn="tl"/>
+          </a:blipFill>
+          <a:ln w="12700" cap="flat">
+            <a:noFill/>
+            <a:miter lim="400000"/>
+          </a:ln>
+          <a:effectLst/>
+          <a:sp3d/>
+        </p:spPr>
+        <p:style>
+          <a:lnRef idx="0">
+            <a:scrgbClr r="0" g="0" b="0"/>
+          </a:lnRef>
+          <a:fillRef idx="0">
+            <a:scrgbClr r="0" g="0" b="0"/>
+          </a:fillRef>
+          <a:effectRef idx="0">
+            <a:scrgbClr r="0" g="0" b="0"/>
+          </a:effectRef>
+          <a:fontRef idx="none"/>
+        </p:style>
+        <p:txBody>
+          <a:bodyPr rot="0" spcFirstLastPara="1" vertOverflow="overflow" horzOverflow="overflow" vert="horz" wrap="square" lIns="50800" tIns="50800" rIns="50800" bIns="50800" numCol="1" spcCol="38100" rtlCol="0" anchor="ctr">
+            <a:spAutoFit/>
+          </a:bodyPr>
+          <a:lstStyle/>
+          <a:p>
+            <a:pPr marL="0" marR="0" indent="0" algn="ctr" defTabSz="584200" rtl="0" fontAlgn="auto" latinLnBrk="0" hangingPunct="0">
+              <a:lnSpc>
+                <a:spcPct val="100000"/>
+              </a:lnSpc>
+              <a:spcBef>
+                <a:spcPts val="0"/>
+              </a:spcBef>
+              <a:spcAft>
+                <a:spcPts val="0"/>
+              </a:spcAft>
+              <a:buClrTx/>
+              <a:buSzTx/>
+              <a:buFontTx/>
+              <a:buNone/>
+              <a:tabLst/>
+            </a:pPr>
+            <a:endParaRPr kumimoji="0" lang="en-US" sz="2600" b="0" i="0" u="none" strike="noStrike" cap="none" spc="0" normalizeH="0" baseline="0">
+              <a:ln>
+                <a:noFill/>
+              </a:ln>
+              <a:solidFill>
+                <a:srgbClr val="FFFFFF"/>
+              </a:solidFill>
+              <a:effectLst/>
+              <a:uFillTx/>
+              <a:latin typeface="+mn-lt"/>
+              <a:ea typeface="+mn-ea"/>
+              <a:cs typeface="+mn-cs"/>
+              <a:sym typeface="Helvetica Light"/>
+            </a:endParaRPr>
+          </a:p>
+        </p:txBody>
+      </p:sp>
     </p:spTree>
     <p:extLst>
       <p:ext uri="{BB962C8B-B14F-4D97-AF65-F5344CB8AC3E}">
@@ -6799,6 +7192,83 @@
           </a:p>
         </p:txBody>
       </p:sp>
+      <p:sp>
+        <p:nvSpPr>
+          <p:cNvPr id="8" name="PB"/>
+          <p:cNvSpPr/>
+          <p:nvPr/>
+        </p:nvSpPr>
+        <p:spPr>
+          <a:xfrm>
+            <a:off x="0" y="9601200"/>
+            <a:ext cx="3139090" cy="152400"/>
+          </a:xfrm>
+          <a:prstGeom prst="rect">
+            <a:avLst/>
+          </a:prstGeom>
+          <a:blipFill rotWithShape="1">
+            <a:blip r:embed="rId3"/>
+            <a:srcRect/>
+            <a:tile tx="0" ty="0" sx="100000" sy="100000" flip="none" algn="tl"/>
+          </a:blipFill>
+          <a:ln w="12700" cap="flat">
+            <a:noFill/>
+            <a:miter lim="400000"/>
+          </a:ln>
+          <a:effectLst/>
+          <a:sp3d/>
+        </p:spPr>
+        <p:style>
+          <a:lnRef idx="0">
+            <a:scrgbClr r="0" g="0" b="0"/>
+          </a:lnRef>
+          <a:fillRef idx="0">
+            <a:scrgbClr r="0" g="0" b="0"/>
+          </a:fillRef>
+          <a:effectRef idx="0">
+            <a:scrgbClr r="0" g="0" b="0"/>
+          </a:effectRef>
+          <a:fontRef idx="none"/>
+        </p:style>
+        <p:txBody>
+          <a:bodyPr rot="0" spcFirstLastPara="1" vertOverflow="overflow" horzOverflow="overflow" vert="horz" wrap="square" lIns="50800" tIns="50800" rIns="50800" bIns="50800" numCol="1" spcCol="38100" rtlCol="0" anchor="ctr">
+            <a:spAutoFit/>
+          </a:bodyPr>
+          <a:lstStyle/>
+          <a:p>
+            <a:pPr marL="0" marR="0" indent="0" algn="ctr" defTabSz="584200" rtl="0" fontAlgn="auto" latinLnBrk="0" hangingPunct="0">
+              <a:lnSpc>
+                <a:spcPct val="100000"/>
+              </a:lnSpc>
+              <a:spcBef>
+                <a:spcPts val="0"/>
+              </a:spcBef>
+              <a:spcAft>
+                <a:spcPts val="0"/>
+              </a:spcAft>
+              <a:buClrTx/>
+              <a:buSzTx/>
+              <a:buFontTx/>
+              <a:buNone/>
+              <a:tabLst/>
+            </a:pPr>
+            <a:endParaRPr kumimoji="0" lang="en-US" sz="2600" b="0" i="0" u="none" strike="noStrike" cap="none" spc="0" normalizeH="0" baseline="0">
+              <a:ln>
+                <a:noFill/>
+              </a:ln>
+              <a:solidFill>
+                <a:srgbClr val="FFFFFF"/>
+              </a:solidFill>
+              <a:effectLst/>
+              <a:uFillTx/>
+              <a:latin typeface="+mn-lt"/>
+              <a:ea typeface="+mn-ea"/>
+              <a:cs typeface="+mn-cs"/>
+              <a:sym typeface="Helvetica Light"/>
+            </a:endParaRPr>
+          </a:p>
+        </p:txBody>
+      </p:sp>
     </p:spTree>
     <p:extLst>
       <p:ext uri="{BB962C8B-B14F-4D97-AF65-F5344CB8AC3E}">
@@ -6810,6 +7280,13 @@
     <a:masterClrMapping/>
   </p:clrMapOvr>
   <p:transition xmlns:p14="http://schemas.microsoft.com/office/powerpoint/2010/main" spd="med"/>
+  <p:timing>
+    <p:tnLst>
+      <p:par>
+        <p:cTn xmlns:p14="http://schemas.microsoft.com/office/powerpoint/2010/main" id="1" dur="indefinite" restart="never" nodeType="tmRoot"/>
+      </p:par>
+    </p:tnLst>
+  </p:timing>
 </p:sld>
 </file>
 
@@ -6987,6 +7464,83 @@
           </a:p>
         </p:txBody>
       </p:sp>
+      <p:sp>
+        <p:nvSpPr>
+          <p:cNvPr id="8" name="PB"/>
+          <p:cNvSpPr/>
+          <p:nvPr/>
+        </p:nvSpPr>
+        <p:spPr>
+          <a:xfrm>
+            <a:off x="0" y="9601200"/>
+            <a:ext cx="3363310" cy="152400"/>
+          </a:xfrm>
+          <a:prstGeom prst="rect">
+            <a:avLst/>
+          </a:prstGeom>
+          <a:blipFill rotWithShape="1">
+            <a:blip r:embed="rId3"/>
+            <a:srcRect/>
+            <a:tile tx="0" ty="0" sx="100000" sy="100000" flip="none" algn="tl"/>
+          </a:blipFill>
+          <a:ln w="12700" cap="flat">
+            <a:noFill/>
+            <a:miter lim="400000"/>
+          </a:ln>
+          <a:effectLst/>
+          <a:sp3d/>
+        </p:spPr>
+        <p:style>
+          <a:lnRef idx="0">
+            <a:scrgbClr r="0" g="0" b="0"/>
+          </a:lnRef>
+          <a:fillRef idx="0">
+            <a:scrgbClr r="0" g="0" b="0"/>
+          </a:fillRef>
+          <a:effectRef idx="0">
+            <a:scrgbClr r="0" g="0" b="0"/>
+          </a:effectRef>
+          <a:fontRef idx="none"/>
+        </p:style>
+        <p:txBody>
+          <a:bodyPr rot="0" spcFirstLastPara="1" vertOverflow="overflow" horzOverflow="overflow" vert="horz" wrap="square" lIns="50800" tIns="50800" rIns="50800" bIns="50800" numCol="1" spcCol="38100" rtlCol="0" anchor="ctr">
+            <a:spAutoFit/>
+          </a:bodyPr>
+          <a:lstStyle/>
+          <a:p>
+            <a:pPr marL="0" marR="0" indent="0" algn="ctr" defTabSz="584200" rtl="0" fontAlgn="auto" latinLnBrk="0" hangingPunct="0">
+              <a:lnSpc>
+                <a:spcPct val="100000"/>
+              </a:lnSpc>
+              <a:spcBef>
+                <a:spcPts val="0"/>
+              </a:spcBef>
+              <a:spcAft>
+                <a:spcPts val="0"/>
+              </a:spcAft>
+              <a:buClrTx/>
+              <a:buSzTx/>
+              <a:buFontTx/>
+              <a:buNone/>
+              <a:tabLst/>
+            </a:pPr>
+            <a:endParaRPr kumimoji="0" lang="en-US" sz="2600" b="0" i="0" u="none" strike="noStrike" cap="none" spc="0" normalizeH="0" baseline="0">
+              <a:ln>
+                <a:noFill/>
+              </a:ln>
+              <a:solidFill>
+                <a:srgbClr val="FFFFFF"/>
+              </a:solidFill>
+              <a:effectLst/>
+              <a:uFillTx/>
+              <a:latin typeface="+mn-lt"/>
+              <a:ea typeface="+mn-ea"/>
+              <a:cs typeface="+mn-cs"/>
+              <a:sym typeface="Helvetica Light"/>
+            </a:endParaRPr>
+          </a:p>
+        </p:txBody>
+      </p:sp>
     </p:spTree>
     <p:extLst>
       <p:ext uri="{BB962C8B-B14F-4D97-AF65-F5344CB8AC3E}">
@@ -6998,6 +7552,13 @@
     <a:masterClrMapping/>
   </p:clrMapOvr>
   <p:transition xmlns:p14="http://schemas.microsoft.com/office/powerpoint/2010/main" spd="med"/>
+  <p:timing>
+    <p:tnLst>
+      <p:par>
+        <p:cTn xmlns:p14="http://schemas.microsoft.com/office/powerpoint/2010/main" id="1" dur="indefinite" restart="never" nodeType="tmRoot"/>
+      </p:par>
+    </p:tnLst>
+  </p:timing>
 </p:sld>
 </file>
 
@@ -7217,6 +7778,83 @@
           </a:p>
         </p:txBody>
       </p:sp>
+      <p:sp>
+        <p:nvSpPr>
+          <p:cNvPr id="8" name="PB"/>
+          <p:cNvSpPr/>
+          <p:nvPr/>
+        </p:nvSpPr>
+        <p:spPr>
+          <a:xfrm>
+            <a:off x="0" y="9601200"/>
+            <a:ext cx="3587531" cy="152400"/>
+          </a:xfrm>
+          <a:prstGeom prst="rect">
+            <a:avLst/>
+          </a:prstGeom>
+          <a:blipFill rotWithShape="1">
+            <a:blip r:embed="rId3"/>
+            <a:srcRect/>
+            <a:tile tx="0" ty="0" sx="100000" sy="100000" flip="none" algn="tl"/>
+          </a:blipFill>
+          <a:ln w="12700" cap="flat">
+            <a:noFill/>
+            <a:miter lim="400000"/>
+          </a:ln>
+          <a:effectLst/>
+          <a:sp3d/>
+        </p:spPr>
+        <p:style>
+          <a:lnRef idx="0">
+            <a:scrgbClr r="0" g="0" b="0"/>
+          </a:lnRef>
+          <a:fillRef idx="0">
+            <a:scrgbClr r="0" g="0" b="0"/>
+          </a:fillRef>
+          <a:effectRef idx="0">
+            <a:scrgbClr r="0" g="0" b="0"/>
+          </a:effectRef>
+          <a:fontRef idx="none"/>
+        </p:style>
+        <p:txBody>
+          <a:bodyPr rot="0" spcFirstLastPara="1" vertOverflow="overflow" horzOverflow="overflow" vert="horz" wrap="square" lIns="50800" tIns="50800" rIns="50800" bIns="50800" numCol="1" spcCol="38100" rtlCol="0" anchor="ctr">
+            <a:spAutoFit/>
+          </a:bodyPr>
+          <a:lstStyle/>
+          <a:p>
+            <a:pPr marL="0" marR="0" indent="0" algn="ctr" defTabSz="584200" rtl="0" fontAlgn="auto" latinLnBrk="0" hangingPunct="0">
+              <a:lnSpc>
+                <a:spcPct val="100000"/>
+              </a:lnSpc>
+              <a:spcBef>
+                <a:spcPts val="0"/>
+              </a:spcBef>
+              <a:spcAft>
+                <a:spcPts val="0"/>
+              </a:spcAft>
+              <a:buClrTx/>
+              <a:buSzTx/>
+              <a:buFontTx/>
+              <a:buNone/>
+              <a:tabLst/>
+            </a:pPr>
+            <a:endParaRPr kumimoji="0" lang="en-US" sz="2600" b="0" i="0" u="none" strike="noStrike" cap="none" spc="0" normalizeH="0" baseline="0">
+              <a:ln>
+                <a:noFill/>
+              </a:ln>
+              <a:solidFill>
+                <a:srgbClr val="FFFFFF"/>
+              </a:solidFill>
+              <a:effectLst/>
+              <a:uFillTx/>
+              <a:latin typeface="+mn-lt"/>
+              <a:ea typeface="+mn-ea"/>
+              <a:cs typeface="+mn-cs"/>
+              <a:sym typeface="Helvetica Light"/>
+            </a:endParaRPr>
+          </a:p>
+        </p:txBody>
+      </p:sp>
     </p:spTree>
     <p:extLst>
       <p:ext uri="{BB962C8B-B14F-4D97-AF65-F5344CB8AC3E}">
@@ -7228,6 +7866,13 @@
     <a:masterClrMapping/>
   </p:clrMapOvr>
   <p:transition xmlns:p14="http://schemas.microsoft.com/office/powerpoint/2010/main" spd="med"/>
+  <p:timing>
+    <p:tnLst>
+      <p:par>
+        <p:cTn xmlns:p14="http://schemas.microsoft.com/office/powerpoint/2010/main" id="1" dur="indefinite" restart="never" nodeType="tmRoot"/>
+      </p:par>
+    </p:tnLst>
+  </p:timing>
 </p:sld>
 </file>
 
@@ -7503,6 +8148,83 @@
           </a:p>
         </p:txBody>
       </p:sp>
+      <p:sp>
+        <p:nvSpPr>
+          <p:cNvPr id="8" name="PB"/>
+          <p:cNvSpPr/>
+          <p:nvPr/>
+        </p:nvSpPr>
+        <p:spPr>
+          <a:xfrm>
+            <a:off x="0" y="9601200"/>
+            <a:ext cx="3811752" cy="152400"/>
+          </a:xfrm>
+          <a:prstGeom prst="rect">
+            <a:avLst/>
+          </a:prstGeom>
+          <a:blipFill rotWithShape="1">
+            <a:blip r:embed="rId3"/>
+            <a:srcRect/>
+            <a:tile tx="0" ty="0" sx="100000" sy="100000" flip="none" algn="tl"/>
+          </a:blipFill>
+          <a:ln w="12700" cap="flat">
+            <a:noFill/>
+            <a:miter lim="400000"/>
+          </a:ln>
+          <a:effectLst/>
+          <a:sp3d/>
+        </p:spPr>
+        <p:style>
+          <a:lnRef idx="0">
+            <a:scrgbClr r="0" g="0" b="0"/>
+          </a:lnRef>
+          <a:fillRef idx="0">
+            <a:scrgbClr r="0" g="0" b="0"/>
+          </a:fillRef>
+          <a:effectRef idx="0">
+            <a:scrgbClr r="0" g="0" b="0"/>
+          </a:effectRef>
+          <a:fontRef idx="none"/>
+        </p:style>
+        <p:txBody>
+          <a:bodyPr rot="0" spcFirstLastPara="1" vertOverflow="overflow" horzOverflow="overflow" vert="horz" wrap="square" lIns="50800" tIns="50800" rIns="50800" bIns="50800" numCol="1" spcCol="38100" rtlCol="0" anchor="ctr">
+            <a:spAutoFit/>
+          </a:bodyPr>
+          <a:lstStyle/>
+          <a:p>
+            <a:pPr marL="0" marR="0" indent="0" algn="ctr" defTabSz="584200" rtl="0" fontAlgn="auto" latinLnBrk="0" hangingPunct="0">
+              <a:lnSpc>
+                <a:spcPct val="100000"/>
+              </a:lnSpc>
+              <a:spcBef>
+                <a:spcPts val="0"/>
+              </a:spcBef>
+              <a:spcAft>
+                <a:spcPts val="0"/>
+              </a:spcAft>
+              <a:buClrTx/>
+              <a:buSzTx/>
+              <a:buFontTx/>
+              <a:buNone/>
+              <a:tabLst/>
+            </a:pPr>
+            <a:endParaRPr kumimoji="0" lang="en-US" sz="2600" b="0" i="0" u="none" strike="noStrike" cap="none" spc="0" normalizeH="0" baseline="0">
+              <a:ln>
+                <a:noFill/>
+              </a:ln>
+              <a:solidFill>
+                <a:srgbClr val="FFFFFF"/>
+              </a:solidFill>
+              <a:effectLst/>
+              <a:uFillTx/>
+              <a:latin typeface="+mn-lt"/>
+              <a:ea typeface="+mn-ea"/>
+              <a:cs typeface="+mn-cs"/>
+              <a:sym typeface="Helvetica Light"/>
+            </a:endParaRPr>
+          </a:p>
+        </p:txBody>
+      </p:sp>
     </p:spTree>
     <p:extLst>
       <p:ext uri="{BB962C8B-B14F-4D97-AF65-F5344CB8AC3E}">
@@ -7514,6 +8236,13 @@
     <a:masterClrMapping/>
   </p:clrMapOvr>
   <p:transition xmlns:p14="http://schemas.microsoft.com/office/powerpoint/2010/main" spd="med"/>
+  <p:timing>
+    <p:tnLst>
+      <p:par>
+        <p:cTn xmlns:p14="http://schemas.microsoft.com/office/powerpoint/2010/main" id="1" dur="indefinite" restart="never" nodeType="tmRoot"/>
+      </p:par>
+    </p:tnLst>
+  </p:timing>
 </p:sld>
 </file>
 
@@ -7815,6 +8544,83 @@
           </a:p>
         </p:txBody>
       </p:sp>
+      <p:sp>
+        <p:nvSpPr>
+          <p:cNvPr id="8" name="PB"/>
+          <p:cNvSpPr/>
+          <p:nvPr/>
+        </p:nvSpPr>
+        <p:spPr>
+          <a:xfrm>
+            <a:off x="0" y="9601200"/>
+            <a:ext cx="4035972" cy="152400"/>
+          </a:xfrm>
+          <a:prstGeom prst="rect">
+            <a:avLst/>
+          </a:prstGeom>
+          <a:blipFill rotWithShape="1">
+            <a:blip r:embed="rId3"/>
+            <a:srcRect/>
+            <a:tile tx="0" ty="0" sx="100000" sy="100000" flip="none" algn="tl"/>
+          </a:blipFill>
+          <a:ln w="12700" cap="flat">
+            <a:noFill/>
+            <a:miter lim="400000"/>
+          </a:ln>
+          <a:effectLst/>
+          <a:sp3d/>
+        </p:spPr>
+        <p:style>
+          <a:lnRef idx="0">
+            <a:scrgbClr r="0" g="0" b="0"/>
+          </a:lnRef>
+          <a:fillRef idx="0">
+            <a:scrgbClr r="0" g="0" b="0"/>
+          </a:fillRef>
+          <a:effectRef idx="0">
+            <a:scrgbClr r="0" g="0" b="0"/>
+          </a:effectRef>
+          <a:fontRef idx="none"/>
+        </p:style>
+        <p:txBody>
+          <a:bodyPr rot="0" spcFirstLastPara="1" vertOverflow="overflow" horzOverflow="overflow" vert="horz" wrap="square" lIns="50800" tIns="50800" rIns="50800" bIns="50800" numCol="1" spcCol="38100" rtlCol="0" anchor="ctr">
+            <a:spAutoFit/>
+          </a:bodyPr>
+          <a:lstStyle/>
+          <a:p>
+            <a:pPr marL="0" marR="0" indent="0" algn="ctr" defTabSz="584200" rtl="0" fontAlgn="auto" latinLnBrk="0" hangingPunct="0">
+              <a:lnSpc>
+                <a:spcPct val="100000"/>
+              </a:lnSpc>
+              <a:spcBef>
+                <a:spcPts val="0"/>
+              </a:spcBef>
+              <a:spcAft>
+                <a:spcPts val="0"/>
+              </a:spcAft>
+              <a:buClrTx/>
+              <a:buSzTx/>
+              <a:buFontTx/>
+              <a:buNone/>
+              <a:tabLst/>
+            </a:pPr>
+            <a:endParaRPr kumimoji="0" lang="en-US" sz="2600" b="0" i="0" u="none" strike="noStrike" cap="none" spc="0" normalizeH="0" baseline="0">
+              <a:ln>
+                <a:noFill/>
+              </a:ln>
+              <a:solidFill>
+                <a:srgbClr val="FFFFFF"/>
+              </a:solidFill>
+              <a:effectLst/>
+              <a:uFillTx/>
+              <a:latin typeface="+mn-lt"/>
+              <a:ea typeface="+mn-ea"/>
+              <a:cs typeface="+mn-cs"/>
+              <a:sym typeface="Helvetica Light"/>
+            </a:endParaRPr>
+          </a:p>
+        </p:txBody>
+      </p:sp>
     </p:spTree>
     <p:extLst>
       <p:ext uri="{BB962C8B-B14F-4D97-AF65-F5344CB8AC3E}">
@@ -7826,6 +8632,13 @@
     <a:masterClrMapping/>
   </p:clrMapOvr>
   <p:transition xmlns:p14="http://schemas.microsoft.com/office/powerpoint/2010/main" spd="med"/>
+  <p:timing>
+    <p:tnLst>
+      <p:par>
+        <p:cTn xmlns:p14="http://schemas.microsoft.com/office/powerpoint/2010/main" id="1" dur="indefinite" restart="never" nodeType="tmRoot"/>
+      </p:par>
+    </p:tnLst>
+  </p:timing>
 </p:sld>
 </file>
 
@@ -7946,6 +8759,83 @@
           </a:p>
         </p:txBody>
       </p:sp>
+      <p:sp>
+        <p:nvSpPr>
+          <p:cNvPr id="7" name="PB"/>
+          <p:cNvSpPr/>
+          <p:nvPr/>
+        </p:nvSpPr>
+        <p:spPr>
+          <a:xfrm>
+            <a:off x="0" y="9601200"/>
+            <a:ext cx="4260193" cy="152400"/>
+          </a:xfrm>
+          <a:prstGeom prst="rect">
+            <a:avLst/>
+          </a:prstGeom>
+          <a:blipFill rotWithShape="1">
+            <a:blip r:embed="rId3"/>
+            <a:srcRect/>
+            <a:tile tx="0" ty="0" sx="100000" sy="100000" flip="none" algn="tl"/>
+          </a:blipFill>
+          <a:ln w="12700" cap="flat">
+            <a:noFill/>
+            <a:miter lim="400000"/>
+          </a:ln>
+          <a:effectLst/>
+          <a:sp3d/>
+        </p:spPr>
+        <p:style>
+          <a:lnRef idx="0">
+            <a:scrgbClr r="0" g="0" b="0"/>
+          </a:lnRef>
+          <a:fillRef idx="0">
+            <a:scrgbClr r="0" g="0" b="0"/>
+          </a:fillRef>
+          <a:effectRef idx="0">
+            <a:scrgbClr r="0" g="0" b="0"/>
+          </a:effectRef>
+          <a:fontRef idx="none"/>
+        </p:style>
+        <p:txBody>
+          <a:bodyPr rot="0" spcFirstLastPara="1" vertOverflow="overflow" horzOverflow="overflow" vert="horz" wrap="square" lIns="50800" tIns="50800" rIns="50800" bIns="50800" numCol="1" spcCol="38100" rtlCol="0" anchor="ctr">
+            <a:spAutoFit/>
+          </a:bodyPr>
+          <a:lstStyle/>
+          <a:p>
+            <a:pPr marL="0" marR="0" indent="0" algn="ctr" defTabSz="584200" rtl="0" fontAlgn="auto" latinLnBrk="0" hangingPunct="0">
+              <a:lnSpc>
+                <a:spcPct val="100000"/>
+              </a:lnSpc>
+              <a:spcBef>
+                <a:spcPts val="0"/>
+              </a:spcBef>
+              <a:spcAft>
+                <a:spcPts val="0"/>
+              </a:spcAft>
+              <a:buClrTx/>
+              <a:buSzTx/>
+              <a:buFontTx/>
+              <a:buNone/>
+              <a:tabLst/>
+            </a:pPr>
+            <a:endParaRPr kumimoji="0" lang="en-US" sz="2600" b="0" i="0" u="none" strike="noStrike" cap="none" spc="0" normalizeH="0" baseline="0">
+              <a:ln>
+                <a:noFill/>
+              </a:ln>
+              <a:solidFill>
+                <a:srgbClr val="FFFFFF"/>
+              </a:solidFill>
+              <a:effectLst/>
+              <a:uFillTx/>
+              <a:latin typeface="+mn-lt"/>
+              <a:ea typeface="+mn-ea"/>
+              <a:cs typeface="+mn-cs"/>
+              <a:sym typeface="Helvetica Light"/>
+            </a:endParaRPr>
+          </a:p>
+        </p:txBody>
+      </p:sp>
     </p:spTree>
     <p:extLst>
       <p:ext uri="{BB962C8B-B14F-4D97-AF65-F5344CB8AC3E}">
@@ -7957,6 +8847,13 @@
     <a:masterClrMapping/>
   </p:clrMapOvr>
   <p:transition xmlns:p14="http://schemas.microsoft.com/office/powerpoint/2010/main" spd="med"/>
+  <p:timing>
+    <p:tnLst>
+      <p:par>
+        <p:cTn xmlns:p14="http://schemas.microsoft.com/office/powerpoint/2010/main" id="1" dur="indefinite" restart="never" nodeType="tmRoot"/>
+      </p:par>
+    </p:tnLst>
+  </p:timing>
 </p:sld>
 </file>
 
@@ -8000,6 +8897,83 @@
               <a:rPr dirty="0"/>
               <a:t>Welcome!</a:t>
             </a:r>
+          </a:p>
+        </p:txBody>
+      </p:sp>
+      <p:sp>
+        <p:nvSpPr>
+          <p:cNvPr id="5" name="PB"/>
+          <p:cNvSpPr/>
+          <p:nvPr/>
+        </p:nvSpPr>
+        <p:spPr>
+          <a:xfrm>
+            <a:off x="0" y="9601200"/>
+            <a:ext cx="448441" cy="152400"/>
+          </a:xfrm>
+          <a:prstGeom prst="rect">
+            <a:avLst/>
+          </a:prstGeom>
+          <a:blipFill rotWithShape="1">
+            <a:blip r:embed="rId2"/>
+            <a:srcRect/>
+            <a:tile tx="0" ty="0" sx="100000" sy="100000" flip="none" algn="tl"/>
+          </a:blipFill>
+          <a:ln w="12700" cap="flat">
+            <a:noFill/>
+            <a:miter lim="400000"/>
+          </a:ln>
+          <a:effectLst/>
+          <a:sp3d/>
+        </p:spPr>
+        <p:style>
+          <a:lnRef idx="0">
+            <a:scrgbClr r="0" g="0" b="0"/>
+          </a:lnRef>
+          <a:fillRef idx="0">
+            <a:scrgbClr r="0" g="0" b="0"/>
+          </a:fillRef>
+          <a:effectRef idx="0">
+            <a:scrgbClr r="0" g="0" b="0"/>
+          </a:effectRef>
+          <a:fontRef idx="none"/>
+        </p:style>
+        <p:txBody>
+          <a:bodyPr rot="0" spcFirstLastPara="1" vertOverflow="overflow" horzOverflow="overflow" vert="horz" wrap="square" lIns="50800" tIns="50800" rIns="50800" bIns="50800" numCol="1" spcCol="38100" rtlCol="0" anchor="ctr">
+            <a:spAutoFit/>
+          </a:bodyPr>
+          <a:lstStyle/>
+          <a:p>
+            <a:pPr marL="0" marR="0" indent="0" algn="ctr" defTabSz="584200" rtl="0" fontAlgn="auto" latinLnBrk="0" hangingPunct="0">
+              <a:lnSpc>
+                <a:spcPct val="100000"/>
+              </a:lnSpc>
+              <a:spcBef>
+                <a:spcPts val="0"/>
+              </a:spcBef>
+              <a:spcAft>
+                <a:spcPts val="0"/>
+              </a:spcAft>
+              <a:buClrTx/>
+              <a:buSzTx/>
+              <a:buFontTx/>
+              <a:buNone/>
+              <a:tabLst/>
+            </a:pPr>
+            <a:endParaRPr kumimoji="0" lang="en-US" sz="2600" b="0" i="0" u="none" strike="noStrike" cap="none" spc="0" normalizeH="0" baseline="0">
+              <a:ln>
+                <a:noFill/>
+              </a:ln>
+              <a:solidFill>
+                <a:srgbClr val="FFFFFF"/>
+              </a:solidFill>
+              <a:effectLst/>
+              <a:uFillTx/>
+              <a:latin typeface="+mn-lt"/>
+              <a:ea typeface="+mn-ea"/>
+              <a:cs typeface="+mn-cs"/>
+              <a:sym typeface="Helvetica Light"/>
+            </a:endParaRPr>
           </a:p>
         </p:txBody>
       </p:sp>
@@ -8131,6 +9105,83 @@
           </a:p>
         </p:txBody>
       </p:sp>
+      <p:sp>
+        <p:nvSpPr>
+          <p:cNvPr id="7" name="PB"/>
+          <p:cNvSpPr/>
+          <p:nvPr/>
+        </p:nvSpPr>
+        <p:spPr>
+          <a:xfrm>
+            <a:off x="0" y="9601200"/>
+            <a:ext cx="4484414" cy="152400"/>
+          </a:xfrm>
+          <a:prstGeom prst="rect">
+            <a:avLst/>
+          </a:prstGeom>
+          <a:blipFill rotWithShape="1">
+            <a:blip r:embed="rId3"/>
+            <a:srcRect/>
+            <a:tile tx="0" ty="0" sx="100000" sy="100000" flip="none" algn="tl"/>
+          </a:blipFill>
+          <a:ln w="12700" cap="flat">
+            <a:noFill/>
+            <a:miter lim="400000"/>
+          </a:ln>
+          <a:effectLst/>
+          <a:sp3d/>
+        </p:spPr>
+        <p:style>
+          <a:lnRef idx="0">
+            <a:scrgbClr r="0" g="0" b="0"/>
+          </a:lnRef>
+          <a:fillRef idx="0">
+            <a:scrgbClr r="0" g="0" b="0"/>
+          </a:fillRef>
+          <a:effectRef idx="0">
+            <a:scrgbClr r="0" g="0" b="0"/>
+          </a:effectRef>
+          <a:fontRef idx="none"/>
+        </p:style>
+        <p:txBody>
+          <a:bodyPr rot="0" spcFirstLastPara="1" vertOverflow="overflow" horzOverflow="overflow" vert="horz" wrap="square" lIns="50800" tIns="50800" rIns="50800" bIns="50800" numCol="1" spcCol="38100" rtlCol="0" anchor="ctr">
+            <a:spAutoFit/>
+          </a:bodyPr>
+          <a:lstStyle/>
+          <a:p>
+            <a:pPr marL="0" marR="0" indent="0" algn="ctr" defTabSz="584200" rtl="0" fontAlgn="auto" latinLnBrk="0" hangingPunct="0">
+              <a:lnSpc>
+                <a:spcPct val="100000"/>
+              </a:lnSpc>
+              <a:spcBef>
+                <a:spcPts val="0"/>
+              </a:spcBef>
+              <a:spcAft>
+                <a:spcPts val="0"/>
+              </a:spcAft>
+              <a:buClrTx/>
+              <a:buSzTx/>
+              <a:buFontTx/>
+              <a:buNone/>
+              <a:tabLst/>
+            </a:pPr>
+            <a:endParaRPr kumimoji="0" lang="en-US" sz="2600" b="0" i="0" u="none" strike="noStrike" cap="none" spc="0" normalizeH="0" baseline="0">
+              <a:ln>
+                <a:noFill/>
+              </a:ln>
+              <a:solidFill>
+                <a:srgbClr val="FFFFFF"/>
+              </a:solidFill>
+              <a:effectLst/>
+              <a:uFillTx/>
+              <a:latin typeface="+mn-lt"/>
+              <a:ea typeface="+mn-ea"/>
+              <a:cs typeface="+mn-cs"/>
+              <a:sym typeface="Helvetica Light"/>
+            </a:endParaRPr>
+          </a:p>
+        </p:txBody>
+      </p:sp>
     </p:spTree>
     <p:extLst>
       <p:ext uri="{BB962C8B-B14F-4D97-AF65-F5344CB8AC3E}">
@@ -8142,6 +9193,13 @@
     <a:masterClrMapping/>
   </p:clrMapOvr>
   <p:transition xmlns:p14="http://schemas.microsoft.com/office/powerpoint/2010/main" spd="med"/>
+  <p:timing>
+    <p:tnLst>
+      <p:par>
+        <p:cTn xmlns:p14="http://schemas.microsoft.com/office/powerpoint/2010/main" id="1" dur="indefinite" restart="never" nodeType="tmRoot"/>
+      </p:par>
+    </p:tnLst>
+  </p:timing>
 </p:sld>
 </file>
 
@@ -8401,6 +9459,83 @@
           </a:p>
         </p:txBody>
       </p:sp>
+      <p:sp>
+        <p:nvSpPr>
+          <p:cNvPr id="8" name="PB"/>
+          <p:cNvSpPr/>
+          <p:nvPr/>
+        </p:nvSpPr>
+        <p:spPr>
+          <a:xfrm>
+            <a:off x="0" y="9601200"/>
+            <a:ext cx="4708634" cy="152400"/>
+          </a:xfrm>
+          <a:prstGeom prst="rect">
+            <a:avLst/>
+          </a:prstGeom>
+          <a:blipFill rotWithShape="1">
+            <a:blip r:embed="rId3"/>
+            <a:srcRect/>
+            <a:tile tx="0" ty="0" sx="100000" sy="100000" flip="none" algn="tl"/>
+          </a:blipFill>
+          <a:ln w="12700" cap="flat">
+            <a:noFill/>
+            <a:miter lim="400000"/>
+          </a:ln>
+          <a:effectLst/>
+          <a:sp3d/>
+        </p:spPr>
+        <p:style>
+          <a:lnRef idx="0">
+            <a:scrgbClr r="0" g="0" b="0"/>
+          </a:lnRef>
+          <a:fillRef idx="0">
+            <a:scrgbClr r="0" g="0" b="0"/>
+          </a:fillRef>
+          <a:effectRef idx="0">
+            <a:scrgbClr r="0" g="0" b="0"/>
+          </a:effectRef>
+          <a:fontRef idx="none"/>
+        </p:style>
+        <p:txBody>
+          <a:bodyPr rot="0" spcFirstLastPara="1" vertOverflow="overflow" horzOverflow="overflow" vert="horz" wrap="square" lIns="50800" tIns="50800" rIns="50800" bIns="50800" numCol="1" spcCol="38100" rtlCol="0" anchor="ctr">
+            <a:spAutoFit/>
+          </a:bodyPr>
+          <a:lstStyle/>
+          <a:p>
+            <a:pPr marL="0" marR="0" indent="0" algn="ctr" defTabSz="584200" rtl="0" fontAlgn="auto" latinLnBrk="0" hangingPunct="0">
+              <a:lnSpc>
+                <a:spcPct val="100000"/>
+              </a:lnSpc>
+              <a:spcBef>
+                <a:spcPts val="0"/>
+              </a:spcBef>
+              <a:spcAft>
+                <a:spcPts val="0"/>
+              </a:spcAft>
+              <a:buClrTx/>
+              <a:buSzTx/>
+              <a:buFontTx/>
+              <a:buNone/>
+              <a:tabLst/>
+            </a:pPr>
+            <a:endParaRPr kumimoji="0" lang="en-US" sz="2600" b="0" i="0" u="none" strike="noStrike" cap="none" spc="0" normalizeH="0" baseline="0">
+              <a:ln>
+                <a:noFill/>
+              </a:ln>
+              <a:solidFill>
+                <a:srgbClr val="FFFFFF"/>
+              </a:solidFill>
+              <a:effectLst/>
+              <a:uFillTx/>
+              <a:latin typeface="+mn-lt"/>
+              <a:ea typeface="+mn-ea"/>
+              <a:cs typeface="+mn-cs"/>
+              <a:sym typeface="Helvetica Light"/>
+            </a:endParaRPr>
+          </a:p>
+        </p:txBody>
+      </p:sp>
     </p:spTree>
     <p:extLst>
       <p:ext uri="{BB962C8B-B14F-4D97-AF65-F5344CB8AC3E}">
@@ -8412,6 +9547,13 @@
     <a:masterClrMapping/>
   </p:clrMapOvr>
   <p:transition xmlns:p14="http://schemas.microsoft.com/office/powerpoint/2010/main" spd="med"/>
+  <p:timing>
+    <p:tnLst>
+      <p:par>
+        <p:cTn xmlns:p14="http://schemas.microsoft.com/office/powerpoint/2010/main" id="1" dur="indefinite" restart="never" nodeType="tmRoot"/>
+      </p:par>
+    </p:tnLst>
+  </p:timing>
 </p:sld>
 </file>
 
@@ -8501,6 +9643,83 @@
           </a:p>
           <a:p>
             <a:endParaRPr lang="en-US" dirty="0"/>
+          </a:p>
+        </p:txBody>
+      </p:sp>
+      <p:sp>
+        <p:nvSpPr>
+          <p:cNvPr id="7" name="PB"/>
+          <p:cNvSpPr/>
+          <p:nvPr/>
+        </p:nvSpPr>
+        <p:spPr>
+          <a:xfrm>
+            <a:off x="0" y="9601200"/>
+            <a:ext cx="4932855" cy="152400"/>
+          </a:xfrm>
+          <a:prstGeom prst="rect">
+            <a:avLst/>
+          </a:prstGeom>
+          <a:blipFill rotWithShape="1">
+            <a:blip r:embed="rId3"/>
+            <a:srcRect/>
+            <a:tile tx="0" ty="0" sx="100000" sy="100000" flip="none" algn="tl"/>
+          </a:blipFill>
+          <a:ln w="12700" cap="flat">
+            <a:noFill/>
+            <a:miter lim="400000"/>
+          </a:ln>
+          <a:effectLst/>
+          <a:sp3d/>
+        </p:spPr>
+        <p:style>
+          <a:lnRef idx="0">
+            <a:scrgbClr r="0" g="0" b="0"/>
+          </a:lnRef>
+          <a:fillRef idx="0">
+            <a:scrgbClr r="0" g="0" b="0"/>
+          </a:fillRef>
+          <a:effectRef idx="0">
+            <a:scrgbClr r="0" g="0" b="0"/>
+          </a:effectRef>
+          <a:fontRef idx="none"/>
+        </p:style>
+        <p:txBody>
+          <a:bodyPr rot="0" spcFirstLastPara="1" vertOverflow="overflow" horzOverflow="overflow" vert="horz" wrap="square" lIns="50800" tIns="50800" rIns="50800" bIns="50800" numCol="1" spcCol="38100" rtlCol="0" anchor="ctr">
+            <a:spAutoFit/>
+          </a:bodyPr>
+          <a:lstStyle/>
+          <a:p>
+            <a:pPr marL="0" marR="0" indent="0" algn="ctr" defTabSz="584200" rtl="0" fontAlgn="auto" latinLnBrk="0" hangingPunct="0">
+              <a:lnSpc>
+                <a:spcPct val="100000"/>
+              </a:lnSpc>
+              <a:spcBef>
+                <a:spcPts val="0"/>
+              </a:spcBef>
+              <a:spcAft>
+                <a:spcPts val="0"/>
+              </a:spcAft>
+              <a:buClrTx/>
+              <a:buSzTx/>
+              <a:buFontTx/>
+              <a:buNone/>
+              <a:tabLst/>
+            </a:pPr>
+            <a:endParaRPr kumimoji="0" lang="en-US" sz="2600" b="0" i="0" u="none" strike="noStrike" cap="none" spc="0" normalizeH="0" baseline="0">
+              <a:ln>
+                <a:noFill/>
+              </a:ln>
+              <a:solidFill>
+                <a:srgbClr val="FFFFFF"/>
+              </a:solidFill>
+              <a:effectLst/>
+              <a:uFillTx/>
+              <a:latin typeface="+mn-lt"/>
+              <a:ea typeface="+mn-ea"/>
+              <a:cs typeface="+mn-cs"/>
+              <a:sym typeface="Helvetica Light"/>
+            </a:endParaRPr>
           </a:p>
         </p:txBody>
       </p:sp>
@@ -8779,6 +9998,83 @@
           </a:p>
         </p:txBody>
       </p:sp>
+      <p:sp>
+        <p:nvSpPr>
+          <p:cNvPr id="5" name="PB"/>
+          <p:cNvSpPr/>
+          <p:nvPr/>
+        </p:nvSpPr>
+        <p:spPr>
+          <a:xfrm>
+            <a:off x="0" y="9601200"/>
+            <a:ext cx="5157076" cy="152400"/>
+          </a:xfrm>
+          <a:prstGeom prst="rect">
+            <a:avLst/>
+          </a:prstGeom>
+          <a:blipFill rotWithShape="1">
+            <a:blip r:embed="rId2"/>
+            <a:srcRect/>
+            <a:tile tx="0" ty="0" sx="100000" sy="100000" flip="none" algn="tl"/>
+          </a:blipFill>
+          <a:ln w="12700" cap="flat">
+            <a:noFill/>
+            <a:miter lim="400000"/>
+          </a:ln>
+          <a:effectLst/>
+          <a:sp3d/>
+        </p:spPr>
+        <p:style>
+          <a:lnRef idx="0">
+            <a:scrgbClr r="0" g="0" b="0"/>
+          </a:lnRef>
+          <a:fillRef idx="0">
+            <a:scrgbClr r="0" g="0" b="0"/>
+          </a:fillRef>
+          <a:effectRef idx="0">
+            <a:scrgbClr r="0" g="0" b="0"/>
+          </a:effectRef>
+          <a:fontRef idx="none"/>
+        </p:style>
+        <p:txBody>
+          <a:bodyPr rot="0" spcFirstLastPara="1" vertOverflow="overflow" horzOverflow="overflow" vert="horz" wrap="square" lIns="50800" tIns="50800" rIns="50800" bIns="50800" numCol="1" spcCol="38100" rtlCol="0" anchor="ctr">
+            <a:spAutoFit/>
+          </a:bodyPr>
+          <a:lstStyle/>
+          <a:p>
+            <a:pPr marL="0" marR="0" indent="0" algn="ctr" defTabSz="584200" rtl="0" fontAlgn="auto" latinLnBrk="0" hangingPunct="0">
+              <a:lnSpc>
+                <a:spcPct val="100000"/>
+              </a:lnSpc>
+              <a:spcBef>
+                <a:spcPts val="0"/>
+              </a:spcBef>
+              <a:spcAft>
+                <a:spcPts val="0"/>
+              </a:spcAft>
+              <a:buClrTx/>
+              <a:buSzTx/>
+              <a:buFontTx/>
+              <a:buNone/>
+              <a:tabLst/>
+            </a:pPr>
+            <a:endParaRPr kumimoji="0" lang="en-US" sz="2600" b="0" i="0" u="none" strike="noStrike" cap="none" spc="0" normalizeH="0" baseline="0">
+              <a:ln>
+                <a:noFill/>
+              </a:ln>
+              <a:solidFill>
+                <a:srgbClr val="FFFFFF"/>
+              </a:solidFill>
+              <a:effectLst/>
+              <a:uFillTx/>
+              <a:latin typeface="+mn-lt"/>
+              <a:ea typeface="+mn-ea"/>
+              <a:cs typeface="+mn-cs"/>
+              <a:sym typeface="Helvetica Light"/>
+            </a:endParaRPr>
+          </a:p>
+        </p:txBody>
+      </p:sp>
     </p:spTree>
   </p:cSld>
   <p:clrMapOvr>
@@ -9140,6 +10436,83 @@
               <a:t>&gt;</a:t>
             </a:r>
             <a:endParaRPr kumimoji="0" lang="en-US" sz="3600" b="0" i="0" u="none" strike="noStrike" cap="none" spc="0" normalizeH="0" baseline="0" dirty="0">
+              <a:ln>
+                <a:noFill/>
+              </a:ln>
+              <a:solidFill>
+                <a:srgbClr val="FFFFFF"/>
+              </a:solidFill>
+              <a:effectLst/>
+              <a:uFillTx/>
+              <a:latin typeface="+mn-lt"/>
+              <a:ea typeface="+mn-ea"/>
+              <a:cs typeface="+mn-cs"/>
+              <a:sym typeface="Helvetica Light"/>
+            </a:endParaRPr>
+          </a:p>
+        </p:txBody>
+      </p:sp>
+      <p:sp>
+        <p:nvSpPr>
+          <p:cNvPr id="8" name="PB"/>
+          <p:cNvSpPr/>
+          <p:nvPr/>
+        </p:nvSpPr>
+        <p:spPr>
+          <a:xfrm>
+            <a:off x="0" y="9601200"/>
+            <a:ext cx="5381297" cy="152400"/>
+          </a:xfrm>
+          <a:prstGeom prst="rect">
+            <a:avLst/>
+          </a:prstGeom>
+          <a:blipFill rotWithShape="1">
+            <a:blip r:embed="rId2"/>
+            <a:srcRect/>
+            <a:tile tx="0" ty="0" sx="100000" sy="100000" flip="none" algn="tl"/>
+          </a:blipFill>
+          <a:ln w="12700" cap="flat">
+            <a:noFill/>
+            <a:miter lim="400000"/>
+          </a:ln>
+          <a:effectLst/>
+          <a:sp3d/>
+        </p:spPr>
+        <p:style>
+          <a:lnRef idx="0">
+            <a:scrgbClr r="0" g="0" b="0"/>
+          </a:lnRef>
+          <a:fillRef idx="0">
+            <a:scrgbClr r="0" g="0" b="0"/>
+          </a:fillRef>
+          <a:effectRef idx="0">
+            <a:scrgbClr r="0" g="0" b="0"/>
+          </a:effectRef>
+          <a:fontRef idx="none"/>
+        </p:style>
+        <p:txBody>
+          <a:bodyPr rot="0" spcFirstLastPara="1" vertOverflow="overflow" horzOverflow="overflow" vert="horz" wrap="square" lIns="50800" tIns="50800" rIns="50800" bIns="50800" numCol="1" spcCol="38100" rtlCol="0" anchor="ctr">
+            <a:spAutoFit/>
+          </a:bodyPr>
+          <a:lstStyle/>
+          <a:p>
+            <a:pPr marL="0" marR="0" indent="0" algn="ctr" defTabSz="584200" rtl="0" fontAlgn="auto" latinLnBrk="0" hangingPunct="0">
+              <a:lnSpc>
+                <a:spcPct val="100000"/>
+              </a:lnSpc>
+              <a:spcBef>
+                <a:spcPts val="0"/>
+              </a:spcBef>
+              <a:spcAft>
+                <a:spcPts val="0"/>
+              </a:spcAft>
+              <a:buClrTx/>
+              <a:buSzTx/>
+              <a:buFontTx/>
+              <a:buNone/>
+              <a:tabLst/>
+            </a:pPr>
+            <a:endParaRPr kumimoji="0" lang="en-US" sz="2600" b="0" i="0" u="none" strike="noStrike" cap="none" spc="0" normalizeH="0" baseline="0">
               <a:ln>
                 <a:noFill/>
               </a:ln>
@@ -9267,6 +10640,83 @@
           </a:p>
         </p:txBody>
       </p:sp>
+      <p:sp>
+        <p:nvSpPr>
+          <p:cNvPr id="7" name="PB"/>
+          <p:cNvSpPr/>
+          <p:nvPr/>
+        </p:nvSpPr>
+        <p:spPr>
+          <a:xfrm>
+            <a:off x="0" y="9601200"/>
+            <a:ext cx="5605517" cy="152400"/>
+          </a:xfrm>
+          <a:prstGeom prst="rect">
+            <a:avLst/>
+          </a:prstGeom>
+          <a:blipFill rotWithShape="1">
+            <a:blip r:embed="rId2"/>
+            <a:srcRect/>
+            <a:tile tx="0" ty="0" sx="100000" sy="100000" flip="none" algn="tl"/>
+          </a:blipFill>
+          <a:ln w="12700" cap="flat">
+            <a:noFill/>
+            <a:miter lim="400000"/>
+          </a:ln>
+          <a:effectLst/>
+          <a:sp3d/>
+        </p:spPr>
+        <p:style>
+          <a:lnRef idx="0">
+            <a:scrgbClr r="0" g="0" b="0"/>
+          </a:lnRef>
+          <a:fillRef idx="0">
+            <a:scrgbClr r="0" g="0" b="0"/>
+          </a:fillRef>
+          <a:effectRef idx="0">
+            <a:scrgbClr r="0" g="0" b="0"/>
+          </a:effectRef>
+          <a:fontRef idx="none"/>
+        </p:style>
+        <p:txBody>
+          <a:bodyPr rot="0" spcFirstLastPara="1" vertOverflow="overflow" horzOverflow="overflow" vert="horz" wrap="square" lIns="50800" tIns="50800" rIns="50800" bIns="50800" numCol="1" spcCol="38100" rtlCol="0" anchor="ctr">
+            <a:spAutoFit/>
+          </a:bodyPr>
+          <a:lstStyle/>
+          <a:p>
+            <a:pPr marL="0" marR="0" indent="0" algn="ctr" defTabSz="584200" rtl="0" fontAlgn="auto" latinLnBrk="0" hangingPunct="0">
+              <a:lnSpc>
+                <a:spcPct val="100000"/>
+              </a:lnSpc>
+              <a:spcBef>
+                <a:spcPts val="0"/>
+              </a:spcBef>
+              <a:spcAft>
+                <a:spcPts val="0"/>
+              </a:spcAft>
+              <a:buClrTx/>
+              <a:buSzTx/>
+              <a:buFontTx/>
+              <a:buNone/>
+              <a:tabLst/>
+            </a:pPr>
+            <a:endParaRPr kumimoji="0" lang="en-US" sz="2600" b="0" i="0" u="none" strike="noStrike" cap="none" spc="0" normalizeH="0" baseline="0">
+              <a:ln>
+                <a:noFill/>
+              </a:ln>
+              <a:solidFill>
+                <a:srgbClr val="FFFFFF"/>
+              </a:solidFill>
+              <a:effectLst/>
+              <a:uFillTx/>
+              <a:latin typeface="+mn-lt"/>
+              <a:ea typeface="+mn-ea"/>
+              <a:cs typeface="+mn-cs"/>
+              <a:sym typeface="Helvetica Light"/>
+            </a:endParaRPr>
+          </a:p>
+        </p:txBody>
+      </p:sp>
     </p:spTree>
     <p:extLst>
       <p:ext uri="{BB962C8B-B14F-4D97-AF65-F5344CB8AC3E}">
@@ -9403,6 +10853,83 @@
           </a:p>
         </p:txBody>
       </p:sp>
+      <p:sp>
+        <p:nvSpPr>
+          <p:cNvPr id="7" name="PB"/>
+          <p:cNvSpPr/>
+          <p:nvPr/>
+        </p:nvSpPr>
+        <p:spPr>
+          <a:xfrm>
+            <a:off x="0" y="9601200"/>
+            <a:ext cx="5829738" cy="152400"/>
+          </a:xfrm>
+          <a:prstGeom prst="rect">
+            <a:avLst/>
+          </a:prstGeom>
+          <a:blipFill rotWithShape="1">
+            <a:blip r:embed="rId3"/>
+            <a:srcRect/>
+            <a:tile tx="0" ty="0" sx="100000" sy="100000" flip="none" algn="tl"/>
+          </a:blipFill>
+          <a:ln w="12700" cap="flat">
+            <a:noFill/>
+            <a:miter lim="400000"/>
+          </a:ln>
+          <a:effectLst/>
+          <a:sp3d/>
+        </p:spPr>
+        <p:style>
+          <a:lnRef idx="0">
+            <a:scrgbClr r="0" g="0" b="0"/>
+          </a:lnRef>
+          <a:fillRef idx="0">
+            <a:scrgbClr r="0" g="0" b="0"/>
+          </a:fillRef>
+          <a:effectRef idx="0">
+            <a:scrgbClr r="0" g="0" b="0"/>
+          </a:effectRef>
+          <a:fontRef idx="none"/>
+        </p:style>
+        <p:txBody>
+          <a:bodyPr rot="0" spcFirstLastPara="1" vertOverflow="overflow" horzOverflow="overflow" vert="horz" wrap="square" lIns="50800" tIns="50800" rIns="50800" bIns="50800" numCol="1" spcCol="38100" rtlCol="0" anchor="ctr">
+            <a:spAutoFit/>
+          </a:bodyPr>
+          <a:lstStyle/>
+          <a:p>
+            <a:pPr marL="0" marR="0" indent="0" algn="ctr" defTabSz="584200" rtl="0" fontAlgn="auto" latinLnBrk="0" hangingPunct="0">
+              <a:lnSpc>
+                <a:spcPct val="100000"/>
+              </a:lnSpc>
+              <a:spcBef>
+                <a:spcPts val="0"/>
+              </a:spcBef>
+              <a:spcAft>
+                <a:spcPts val="0"/>
+              </a:spcAft>
+              <a:buClrTx/>
+              <a:buSzTx/>
+              <a:buFontTx/>
+              <a:buNone/>
+              <a:tabLst/>
+            </a:pPr>
+            <a:endParaRPr kumimoji="0" lang="en-US" sz="2600" b="0" i="0" u="none" strike="noStrike" cap="none" spc="0" normalizeH="0" baseline="0">
+              <a:ln>
+                <a:noFill/>
+              </a:ln>
+              <a:solidFill>
+                <a:srgbClr val="FFFFFF"/>
+              </a:solidFill>
+              <a:effectLst/>
+              <a:uFillTx/>
+              <a:latin typeface="+mn-lt"/>
+              <a:ea typeface="+mn-ea"/>
+              <a:cs typeface="+mn-cs"/>
+              <a:sym typeface="Helvetica Light"/>
+            </a:endParaRPr>
+          </a:p>
+        </p:txBody>
+      </p:sp>
     </p:spTree>
     <p:extLst>
       <p:ext uri="{BB962C8B-B14F-4D97-AF65-F5344CB8AC3E}">
@@ -9525,6 +11052,83 @@
           </a:p>
         </p:txBody>
       </p:sp>
+      <p:sp>
+        <p:nvSpPr>
+          <p:cNvPr id="7" name="PB"/>
+          <p:cNvSpPr/>
+          <p:nvPr/>
+        </p:nvSpPr>
+        <p:spPr>
+          <a:xfrm>
+            <a:off x="0" y="9601200"/>
+            <a:ext cx="6053959" cy="152400"/>
+          </a:xfrm>
+          <a:prstGeom prst="rect">
+            <a:avLst/>
+          </a:prstGeom>
+          <a:blipFill rotWithShape="1">
+            <a:blip r:embed="rId2"/>
+            <a:srcRect/>
+            <a:tile tx="0" ty="0" sx="100000" sy="100000" flip="none" algn="tl"/>
+          </a:blipFill>
+          <a:ln w="12700" cap="flat">
+            <a:noFill/>
+            <a:miter lim="400000"/>
+          </a:ln>
+          <a:effectLst/>
+          <a:sp3d/>
+        </p:spPr>
+        <p:style>
+          <a:lnRef idx="0">
+            <a:scrgbClr r="0" g="0" b="0"/>
+          </a:lnRef>
+          <a:fillRef idx="0">
+            <a:scrgbClr r="0" g="0" b="0"/>
+          </a:fillRef>
+          <a:effectRef idx="0">
+            <a:scrgbClr r="0" g="0" b="0"/>
+          </a:effectRef>
+          <a:fontRef idx="none"/>
+        </p:style>
+        <p:txBody>
+          <a:bodyPr rot="0" spcFirstLastPara="1" vertOverflow="overflow" horzOverflow="overflow" vert="horz" wrap="square" lIns="50800" tIns="50800" rIns="50800" bIns="50800" numCol="1" spcCol="38100" rtlCol="0" anchor="ctr">
+            <a:spAutoFit/>
+          </a:bodyPr>
+          <a:lstStyle/>
+          <a:p>
+            <a:pPr marL="0" marR="0" indent="0" algn="ctr" defTabSz="584200" rtl="0" fontAlgn="auto" latinLnBrk="0" hangingPunct="0">
+              <a:lnSpc>
+                <a:spcPct val="100000"/>
+              </a:lnSpc>
+              <a:spcBef>
+                <a:spcPts val="0"/>
+              </a:spcBef>
+              <a:spcAft>
+                <a:spcPts val="0"/>
+              </a:spcAft>
+              <a:buClrTx/>
+              <a:buSzTx/>
+              <a:buFontTx/>
+              <a:buNone/>
+              <a:tabLst/>
+            </a:pPr>
+            <a:endParaRPr kumimoji="0" lang="en-US" sz="2600" b="0" i="0" u="none" strike="noStrike" cap="none" spc="0" normalizeH="0" baseline="0">
+              <a:ln>
+                <a:noFill/>
+              </a:ln>
+              <a:solidFill>
+                <a:srgbClr val="FFFFFF"/>
+              </a:solidFill>
+              <a:effectLst/>
+              <a:uFillTx/>
+              <a:latin typeface="+mn-lt"/>
+              <a:ea typeface="+mn-ea"/>
+              <a:cs typeface="+mn-cs"/>
+              <a:sym typeface="Helvetica Light"/>
+            </a:endParaRPr>
+          </a:p>
+        </p:txBody>
+      </p:sp>
     </p:spTree>
     <p:extLst>
       <p:ext uri="{BB962C8B-B14F-4D97-AF65-F5344CB8AC3E}">
@@ -9670,6 +11274,83 @@
               <a:t>helloWorld.HTML</a:t>
             </a:r>
             <a:endParaRPr lang="en-US" dirty="0" smtClean="0"/>
+          </a:p>
+        </p:txBody>
+      </p:sp>
+      <p:sp>
+        <p:nvSpPr>
+          <p:cNvPr id="7" name="PB"/>
+          <p:cNvSpPr/>
+          <p:nvPr/>
+        </p:nvSpPr>
+        <p:spPr>
+          <a:xfrm>
+            <a:off x="0" y="9601200"/>
+            <a:ext cx="6278179" cy="152400"/>
+          </a:xfrm>
+          <a:prstGeom prst="rect">
+            <a:avLst/>
+          </a:prstGeom>
+          <a:blipFill rotWithShape="1">
+            <a:blip r:embed="rId3"/>
+            <a:srcRect/>
+            <a:tile tx="0" ty="0" sx="100000" sy="100000" flip="none" algn="tl"/>
+          </a:blipFill>
+          <a:ln w="12700" cap="flat">
+            <a:noFill/>
+            <a:miter lim="400000"/>
+          </a:ln>
+          <a:effectLst/>
+          <a:sp3d/>
+        </p:spPr>
+        <p:style>
+          <a:lnRef idx="0">
+            <a:scrgbClr r="0" g="0" b="0"/>
+          </a:lnRef>
+          <a:fillRef idx="0">
+            <a:scrgbClr r="0" g="0" b="0"/>
+          </a:fillRef>
+          <a:effectRef idx="0">
+            <a:scrgbClr r="0" g="0" b="0"/>
+          </a:effectRef>
+          <a:fontRef idx="none"/>
+        </p:style>
+        <p:txBody>
+          <a:bodyPr rot="0" spcFirstLastPara="1" vertOverflow="overflow" horzOverflow="overflow" vert="horz" wrap="square" lIns="50800" tIns="50800" rIns="50800" bIns="50800" numCol="1" spcCol="38100" rtlCol="0" anchor="ctr">
+            <a:spAutoFit/>
+          </a:bodyPr>
+          <a:lstStyle/>
+          <a:p>
+            <a:pPr marL="0" marR="0" indent="0" algn="ctr" defTabSz="584200" rtl="0" fontAlgn="auto" latinLnBrk="0" hangingPunct="0">
+              <a:lnSpc>
+                <a:spcPct val="100000"/>
+              </a:lnSpc>
+              <a:spcBef>
+                <a:spcPts val="0"/>
+              </a:spcBef>
+              <a:spcAft>
+                <a:spcPts val="0"/>
+              </a:spcAft>
+              <a:buClrTx/>
+              <a:buSzTx/>
+              <a:buFontTx/>
+              <a:buNone/>
+              <a:tabLst/>
+            </a:pPr>
+            <a:endParaRPr kumimoji="0" lang="en-US" sz="2600" b="0" i="0" u="none" strike="noStrike" cap="none" spc="0" normalizeH="0" baseline="0">
+              <a:ln>
+                <a:noFill/>
+              </a:ln>
+              <a:solidFill>
+                <a:srgbClr val="FFFFFF"/>
+              </a:solidFill>
+              <a:effectLst/>
+              <a:uFillTx/>
+              <a:latin typeface="+mn-lt"/>
+              <a:ea typeface="+mn-ea"/>
+              <a:cs typeface="+mn-cs"/>
+              <a:sym typeface="Helvetica Light"/>
+            </a:endParaRPr>
           </a:p>
         </p:txBody>
       </p:sp>
@@ -10182,6 +11863,83 @@
           </a:p>
         </p:txBody>
       </p:sp>
+      <p:sp>
+        <p:nvSpPr>
+          <p:cNvPr id="8" name="PB"/>
+          <p:cNvSpPr/>
+          <p:nvPr/>
+        </p:nvSpPr>
+        <p:spPr>
+          <a:xfrm>
+            <a:off x="0" y="9601200"/>
+            <a:ext cx="6502400" cy="152400"/>
+          </a:xfrm>
+          <a:prstGeom prst="rect">
+            <a:avLst/>
+          </a:prstGeom>
+          <a:blipFill rotWithShape="1">
+            <a:blip r:embed="rId3"/>
+            <a:srcRect/>
+            <a:tile tx="0" ty="0" sx="100000" sy="100000" flip="none" algn="tl"/>
+          </a:blipFill>
+          <a:ln w="12700" cap="flat">
+            <a:noFill/>
+            <a:miter lim="400000"/>
+          </a:ln>
+          <a:effectLst/>
+          <a:sp3d/>
+        </p:spPr>
+        <p:style>
+          <a:lnRef idx="0">
+            <a:scrgbClr r="0" g="0" b="0"/>
+          </a:lnRef>
+          <a:fillRef idx="0">
+            <a:scrgbClr r="0" g="0" b="0"/>
+          </a:fillRef>
+          <a:effectRef idx="0">
+            <a:scrgbClr r="0" g="0" b="0"/>
+          </a:effectRef>
+          <a:fontRef idx="none"/>
+        </p:style>
+        <p:txBody>
+          <a:bodyPr rot="0" spcFirstLastPara="1" vertOverflow="overflow" horzOverflow="overflow" vert="horz" wrap="square" lIns="50800" tIns="50800" rIns="50800" bIns="50800" numCol="1" spcCol="38100" rtlCol="0" anchor="ctr">
+            <a:spAutoFit/>
+          </a:bodyPr>
+          <a:lstStyle/>
+          <a:p>
+            <a:pPr marL="0" marR="0" indent="0" algn="ctr" defTabSz="584200" rtl="0" fontAlgn="auto" latinLnBrk="0" hangingPunct="0">
+              <a:lnSpc>
+                <a:spcPct val="100000"/>
+              </a:lnSpc>
+              <a:spcBef>
+                <a:spcPts val="0"/>
+              </a:spcBef>
+              <a:spcAft>
+                <a:spcPts val="0"/>
+              </a:spcAft>
+              <a:buClrTx/>
+              <a:buSzTx/>
+              <a:buFontTx/>
+              <a:buNone/>
+              <a:tabLst/>
+            </a:pPr>
+            <a:endParaRPr kumimoji="0" lang="en-US" sz="2600" b="0" i="0" u="none" strike="noStrike" cap="none" spc="0" normalizeH="0" baseline="0">
+              <a:ln>
+                <a:noFill/>
+              </a:ln>
+              <a:solidFill>
+                <a:srgbClr val="FFFFFF"/>
+              </a:solidFill>
+              <a:effectLst/>
+              <a:uFillTx/>
+              <a:latin typeface="+mn-lt"/>
+              <a:ea typeface="+mn-ea"/>
+              <a:cs typeface="+mn-cs"/>
+              <a:sym typeface="Helvetica Light"/>
+            </a:endParaRPr>
+          </a:p>
+        </p:txBody>
+      </p:sp>
     </p:spTree>
     <p:extLst>
       <p:ext uri="{BB962C8B-B14F-4D97-AF65-F5344CB8AC3E}">
@@ -10298,6 +12056,83 @@
               <a:t>Navigation</a:t>
             </a:r>
             <a:endParaRPr lang="en-US" dirty="0"/>
+          </a:p>
+        </p:txBody>
+      </p:sp>
+      <p:sp>
+        <p:nvSpPr>
+          <p:cNvPr id="6" name="PB"/>
+          <p:cNvSpPr/>
+          <p:nvPr/>
+        </p:nvSpPr>
+        <p:spPr>
+          <a:xfrm>
+            <a:off x="0" y="9601200"/>
+            <a:ext cx="672662" cy="152400"/>
+          </a:xfrm>
+          <a:prstGeom prst="rect">
+            <a:avLst/>
+          </a:prstGeom>
+          <a:blipFill rotWithShape="1">
+            <a:blip r:embed="rId3"/>
+            <a:srcRect/>
+            <a:tile tx="0" ty="0" sx="100000" sy="100000" flip="none" algn="tl"/>
+          </a:blipFill>
+          <a:ln w="12700" cap="flat">
+            <a:noFill/>
+            <a:miter lim="400000"/>
+          </a:ln>
+          <a:effectLst/>
+          <a:sp3d/>
+        </p:spPr>
+        <p:style>
+          <a:lnRef idx="0">
+            <a:scrgbClr r="0" g="0" b="0"/>
+          </a:lnRef>
+          <a:fillRef idx="0">
+            <a:scrgbClr r="0" g="0" b="0"/>
+          </a:fillRef>
+          <a:effectRef idx="0">
+            <a:scrgbClr r="0" g="0" b="0"/>
+          </a:effectRef>
+          <a:fontRef idx="none"/>
+        </p:style>
+        <p:txBody>
+          <a:bodyPr rot="0" spcFirstLastPara="1" vertOverflow="overflow" horzOverflow="overflow" vert="horz" wrap="square" lIns="50800" tIns="50800" rIns="50800" bIns="50800" numCol="1" spcCol="38100" rtlCol="0" anchor="ctr">
+            <a:spAutoFit/>
+          </a:bodyPr>
+          <a:lstStyle/>
+          <a:p>
+            <a:pPr marL="0" marR="0" indent="0" algn="ctr" defTabSz="584200" rtl="0" fontAlgn="auto" latinLnBrk="0" hangingPunct="0">
+              <a:lnSpc>
+                <a:spcPct val="100000"/>
+              </a:lnSpc>
+              <a:spcBef>
+                <a:spcPts val="0"/>
+              </a:spcBef>
+              <a:spcAft>
+                <a:spcPts val="0"/>
+              </a:spcAft>
+              <a:buClrTx/>
+              <a:buSzTx/>
+              <a:buFontTx/>
+              <a:buNone/>
+              <a:tabLst/>
+            </a:pPr>
+            <a:endParaRPr kumimoji="0" lang="en-US" sz="2600" b="0" i="0" u="none" strike="noStrike" cap="none" spc="0" normalizeH="0" baseline="0">
+              <a:ln>
+                <a:noFill/>
+              </a:ln>
+              <a:solidFill>
+                <a:srgbClr val="FFFFFF"/>
+              </a:solidFill>
+              <a:effectLst/>
+              <a:uFillTx/>
+              <a:latin typeface="+mn-lt"/>
+              <a:ea typeface="+mn-ea"/>
+              <a:cs typeface="+mn-cs"/>
+              <a:sym typeface="Helvetica Light"/>
+            </a:endParaRPr>
           </a:p>
         </p:txBody>
       </p:sp>
@@ -10485,6 +12320,83 @@
           </a:p>
         </p:txBody>
       </p:sp>
+      <p:sp>
+        <p:nvSpPr>
+          <p:cNvPr id="7" name="PB"/>
+          <p:cNvSpPr/>
+          <p:nvPr/>
+        </p:nvSpPr>
+        <p:spPr>
+          <a:xfrm>
+            <a:off x="0" y="9601200"/>
+            <a:ext cx="6726620" cy="152400"/>
+          </a:xfrm>
+          <a:prstGeom prst="rect">
+            <a:avLst/>
+          </a:prstGeom>
+          <a:blipFill rotWithShape="1">
+            <a:blip r:embed="rId3"/>
+            <a:srcRect/>
+            <a:tile tx="0" ty="0" sx="100000" sy="100000" flip="none" algn="tl"/>
+          </a:blipFill>
+          <a:ln w="12700" cap="flat">
+            <a:noFill/>
+            <a:miter lim="400000"/>
+          </a:ln>
+          <a:effectLst/>
+          <a:sp3d/>
+        </p:spPr>
+        <p:style>
+          <a:lnRef idx="0">
+            <a:scrgbClr r="0" g="0" b="0"/>
+          </a:lnRef>
+          <a:fillRef idx="0">
+            <a:scrgbClr r="0" g="0" b="0"/>
+          </a:fillRef>
+          <a:effectRef idx="0">
+            <a:scrgbClr r="0" g="0" b="0"/>
+          </a:effectRef>
+          <a:fontRef idx="none"/>
+        </p:style>
+        <p:txBody>
+          <a:bodyPr rot="0" spcFirstLastPara="1" vertOverflow="overflow" horzOverflow="overflow" vert="horz" wrap="square" lIns="50800" tIns="50800" rIns="50800" bIns="50800" numCol="1" spcCol="38100" rtlCol="0" anchor="ctr">
+            <a:spAutoFit/>
+          </a:bodyPr>
+          <a:lstStyle/>
+          <a:p>
+            <a:pPr marL="0" marR="0" indent="0" algn="ctr" defTabSz="584200" rtl="0" fontAlgn="auto" latinLnBrk="0" hangingPunct="0">
+              <a:lnSpc>
+                <a:spcPct val="100000"/>
+              </a:lnSpc>
+              <a:spcBef>
+                <a:spcPts val="0"/>
+              </a:spcBef>
+              <a:spcAft>
+                <a:spcPts val="0"/>
+              </a:spcAft>
+              <a:buClrTx/>
+              <a:buSzTx/>
+              <a:buFontTx/>
+              <a:buNone/>
+              <a:tabLst/>
+            </a:pPr>
+            <a:endParaRPr kumimoji="0" lang="en-US" sz="2600" b="0" i="0" u="none" strike="noStrike" cap="none" spc="0" normalizeH="0" baseline="0">
+              <a:ln>
+                <a:noFill/>
+              </a:ln>
+              <a:solidFill>
+                <a:srgbClr val="FFFFFF"/>
+              </a:solidFill>
+              <a:effectLst/>
+              <a:uFillTx/>
+              <a:latin typeface="+mn-lt"/>
+              <a:ea typeface="+mn-ea"/>
+              <a:cs typeface="+mn-cs"/>
+              <a:sym typeface="Helvetica Light"/>
+            </a:endParaRPr>
+          </a:p>
+        </p:txBody>
+      </p:sp>
     </p:spTree>
     <p:extLst>
       <p:ext uri="{BB962C8B-B14F-4D97-AF65-F5344CB8AC3E}">
@@ -10620,6 +12532,83 @@
           </a:p>
         </p:txBody>
       </p:sp>
+      <p:sp>
+        <p:nvSpPr>
+          <p:cNvPr id="6" name="PB"/>
+          <p:cNvSpPr/>
+          <p:nvPr/>
+        </p:nvSpPr>
+        <p:spPr>
+          <a:xfrm>
+            <a:off x="0" y="9601200"/>
+            <a:ext cx="6950842" cy="152400"/>
+          </a:xfrm>
+          <a:prstGeom prst="rect">
+            <a:avLst/>
+          </a:prstGeom>
+          <a:blipFill rotWithShape="1">
+            <a:blip r:embed="rId2"/>
+            <a:srcRect/>
+            <a:tile tx="0" ty="0" sx="100000" sy="100000" flip="none" algn="tl"/>
+          </a:blipFill>
+          <a:ln w="12700" cap="flat">
+            <a:noFill/>
+            <a:miter lim="400000"/>
+          </a:ln>
+          <a:effectLst/>
+          <a:sp3d/>
+        </p:spPr>
+        <p:style>
+          <a:lnRef idx="0">
+            <a:scrgbClr r="0" g="0" b="0"/>
+          </a:lnRef>
+          <a:fillRef idx="0">
+            <a:scrgbClr r="0" g="0" b="0"/>
+          </a:fillRef>
+          <a:effectRef idx="0">
+            <a:scrgbClr r="0" g="0" b="0"/>
+          </a:effectRef>
+          <a:fontRef idx="none"/>
+        </p:style>
+        <p:txBody>
+          <a:bodyPr rot="0" spcFirstLastPara="1" vertOverflow="overflow" horzOverflow="overflow" vert="horz" wrap="square" lIns="50800" tIns="50800" rIns="50800" bIns="50800" numCol="1" spcCol="38100" rtlCol="0" anchor="ctr">
+            <a:spAutoFit/>
+          </a:bodyPr>
+          <a:lstStyle/>
+          <a:p>
+            <a:pPr marL="0" marR="0" indent="0" algn="ctr" defTabSz="584200" rtl="0" fontAlgn="auto" latinLnBrk="0" hangingPunct="0">
+              <a:lnSpc>
+                <a:spcPct val="100000"/>
+              </a:lnSpc>
+              <a:spcBef>
+                <a:spcPts val="0"/>
+              </a:spcBef>
+              <a:spcAft>
+                <a:spcPts val="0"/>
+              </a:spcAft>
+              <a:buClrTx/>
+              <a:buSzTx/>
+              <a:buFontTx/>
+              <a:buNone/>
+              <a:tabLst/>
+            </a:pPr>
+            <a:endParaRPr kumimoji="0" lang="en-US" sz="2600" b="0" i="0" u="none" strike="noStrike" cap="none" spc="0" normalizeH="0" baseline="0">
+              <a:ln>
+                <a:noFill/>
+              </a:ln>
+              <a:solidFill>
+                <a:srgbClr val="FFFFFF"/>
+              </a:solidFill>
+              <a:effectLst/>
+              <a:uFillTx/>
+              <a:latin typeface="+mn-lt"/>
+              <a:ea typeface="+mn-ea"/>
+              <a:cs typeface="+mn-cs"/>
+              <a:sym typeface="Helvetica Light"/>
+            </a:endParaRPr>
+          </a:p>
+        </p:txBody>
+      </p:sp>
     </p:spTree>
     <p:extLst>
       <p:ext uri="{BB962C8B-B14F-4D97-AF65-F5344CB8AC3E}">
@@ -10722,6 +12711,83 @@
           </a:p>
         </p:txBody>
       </p:sp>
+      <p:sp>
+        <p:nvSpPr>
+          <p:cNvPr id="7" name="PB"/>
+          <p:cNvSpPr/>
+          <p:nvPr/>
+        </p:nvSpPr>
+        <p:spPr>
+          <a:xfrm>
+            <a:off x="0" y="9601200"/>
+            <a:ext cx="7175062" cy="152400"/>
+          </a:xfrm>
+          <a:prstGeom prst="rect">
+            <a:avLst/>
+          </a:prstGeom>
+          <a:blipFill rotWithShape="1">
+            <a:blip r:embed="rId2"/>
+            <a:srcRect/>
+            <a:tile tx="0" ty="0" sx="100000" sy="100000" flip="none" algn="tl"/>
+          </a:blipFill>
+          <a:ln w="12700" cap="flat">
+            <a:noFill/>
+            <a:miter lim="400000"/>
+          </a:ln>
+          <a:effectLst/>
+          <a:sp3d/>
+        </p:spPr>
+        <p:style>
+          <a:lnRef idx="0">
+            <a:scrgbClr r="0" g="0" b="0"/>
+          </a:lnRef>
+          <a:fillRef idx="0">
+            <a:scrgbClr r="0" g="0" b="0"/>
+          </a:fillRef>
+          <a:effectRef idx="0">
+            <a:scrgbClr r="0" g="0" b="0"/>
+          </a:effectRef>
+          <a:fontRef idx="none"/>
+        </p:style>
+        <p:txBody>
+          <a:bodyPr rot="0" spcFirstLastPara="1" vertOverflow="overflow" horzOverflow="overflow" vert="horz" wrap="square" lIns="50800" tIns="50800" rIns="50800" bIns="50800" numCol="1" spcCol="38100" rtlCol="0" anchor="ctr">
+            <a:spAutoFit/>
+          </a:bodyPr>
+          <a:lstStyle/>
+          <a:p>
+            <a:pPr marL="0" marR="0" indent="0" algn="ctr" defTabSz="584200" rtl="0" fontAlgn="auto" latinLnBrk="0" hangingPunct="0">
+              <a:lnSpc>
+                <a:spcPct val="100000"/>
+              </a:lnSpc>
+              <a:spcBef>
+                <a:spcPts val="0"/>
+              </a:spcBef>
+              <a:spcAft>
+                <a:spcPts val="0"/>
+              </a:spcAft>
+              <a:buClrTx/>
+              <a:buSzTx/>
+              <a:buFontTx/>
+              <a:buNone/>
+              <a:tabLst/>
+            </a:pPr>
+            <a:endParaRPr kumimoji="0" lang="en-US" sz="2600" b="0" i="0" u="none" strike="noStrike" cap="none" spc="0" normalizeH="0" baseline="0">
+              <a:ln>
+                <a:noFill/>
+              </a:ln>
+              <a:solidFill>
+                <a:srgbClr val="FFFFFF"/>
+              </a:solidFill>
+              <a:effectLst/>
+              <a:uFillTx/>
+              <a:latin typeface="+mn-lt"/>
+              <a:ea typeface="+mn-ea"/>
+              <a:cs typeface="+mn-cs"/>
+              <a:sym typeface="Helvetica Light"/>
+            </a:endParaRPr>
+          </a:p>
+        </p:txBody>
+      </p:sp>
     </p:spTree>
     <p:extLst>
       <p:ext uri="{BB962C8B-B14F-4D97-AF65-F5344CB8AC3E}">
@@ -10823,6 +12889,83 @@
           </a:p>
         </p:txBody>
       </p:sp>
+      <p:sp>
+        <p:nvSpPr>
+          <p:cNvPr id="7" name="PB"/>
+          <p:cNvSpPr/>
+          <p:nvPr/>
+        </p:nvSpPr>
+        <p:spPr>
+          <a:xfrm>
+            <a:off x="0" y="9601200"/>
+            <a:ext cx="7399282" cy="152400"/>
+          </a:xfrm>
+          <a:prstGeom prst="rect">
+            <a:avLst/>
+          </a:prstGeom>
+          <a:blipFill rotWithShape="1">
+            <a:blip r:embed="rId2"/>
+            <a:srcRect/>
+            <a:tile tx="0" ty="0" sx="100000" sy="100000" flip="none" algn="tl"/>
+          </a:blipFill>
+          <a:ln w="12700" cap="flat">
+            <a:noFill/>
+            <a:miter lim="400000"/>
+          </a:ln>
+          <a:effectLst/>
+          <a:sp3d/>
+        </p:spPr>
+        <p:style>
+          <a:lnRef idx="0">
+            <a:scrgbClr r="0" g="0" b="0"/>
+          </a:lnRef>
+          <a:fillRef idx="0">
+            <a:scrgbClr r="0" g="0" b="0"/>
+          </a:fillRef>
+          <a:effectRef idx="0">
+            <a:scrgbClr r="0" g="0" b="0"/>
+          </a:effectRef>
+          <a:fontRef idx="none"/>
+        </p:style>
+        <p:txBody>
+          <a:bodyPr rot="0" spcFirstLastPara="1" vertOverflow="overflow" horzOverflow="overflow" vert="horz" wrap="square" lIns="50800" tIns="50800" rIns="50800" bIns="50800" numCol="1" spcCol="38100" rtlCol="0" anchor="ctr">
+            <a:spAutoFit/>
+          </a:bodyPr>
+          <a:lstStyle/>
+          <a:p>
+            <a:pPr marL="0" marR="0" indent="0" algn="ctr" defTabSz="584200" rtl="0" fontAlgn="auto" latinLnBrk="0" hangingPunct="0">
+              <a:lnSpc>
+                <a:spcPct val="100000"/>
+              </a:lnSpc>
+              <a:spcBef>
+                <a:spcPts val="0"/>
+              </a:spcBef>
+              <a:spcAft>
+                <a:spcPts val="0"/>
+              </a:spcAft>
+              <a:buClrTx/>
+              <a:buSzTx/>
+              <a:buFontTx/>
+              <a:buNone/>
+              <a:tabLst/>
+            </a:pPr>
+            <a:endParaRPr kumimoji="0" lang="en-US" sz="2600" b="0" i="0" u="none" strike="noStrike" cap="none" spc="0" normalizeH="0" baseline="0">
+              <a:ln>
+                <a:noFill/>
+              </a:ln>
+              <a:solidFill>
+                <a:srgbClr val="FFFFFF"/>
+              </a:solidFill>
+              <a:effectLst/>
+              <a:uFillTx/>
+              <a:latin typeface="+mn-lt"/>
+              <a:ea typeface="+mn-ea"/>
+              <a:cs typeface="+mn-cs"/>
+              <a:sym typeface="Helvetica Light"/>
+            </a:endParaRPr>
+          </a:p>
+        </p:txBody>
+      </p:sp>
     </p:spTree>
     <p:extLst>
       <p:ext uri="{BB962C8B-B14F-4D97-AF65-F5344CB8AC3E}">
@@ -10928,6 +13071,83 @@
           </a:p>
         </p:txBody>
       </p:sp>
+      <p:sp>
+        <p:nvSpPr>
+          <p:cNvPr id="7" name="PB"/>
+          <p:cNvSpPr/>
+          <p:nvPr/>
+        </p:nvSpPr>
+        <p:spPr>
+          <a:xfrm>
+            <a:off x="0" y="9601200"/>
+            <a:ext cx="7623504" cy="152400"/>
+          </a:xfrm>
+          <a:prstGeom prst="rect">
+            <a:avLst/>
+          </a:prstGeom>
+          <a:blipFill rotWithShape="1">
+            <a:blip r:embed="rId2"/>
+            <a:srcRect/>
+            <a:tile tx="0" ty="0" sx="100000" sy="100000" flip="none" algn="tl"/>
+          </a:blipFill>
+          <a:ln w="12700" cap="flat">
+            <a:noFill/>
+            <a:miter lim="400000"/>
+          </a:ln>
+          <a:effectLst/>
+          <a:sp3d/>
+        </p:spPr>
+        <p:style>
+          <a:lnRef idx="0">
+            <a:scrgbClr r="0" g="0" b="0"/>
+          </a:lnRef>
+          <a:fillRef idx="0">
+            <a:scrgbClr r="0" g="0" b="0"/>
+          </a:fillRef>
+          <a:effectRef idx="0">
+            <a:scrgbClr r="0" g="0" b="0"/>
+          </a:effectRef>
+          <a:fontRef idx="none"/>
+        </p:style>
+        <p:txBody>
+          <a:bodyPr rot="0" spcFirstLastPara="1" vertOverflow="overflow" horzOverflow="overflow" vert="horz" wrap="square" lIns="50800" tIns="50800" rIns="50800" bIns="50800" numCol="1" spcCol="38100" rtlCol="0" anchor="ctr">
+            <a:spAutoFit/>
+          </a:bodyPr>
+          <a:lstStyle/>
+          <a:p>
+            <a:pPr marL="0" marR="0" indent="0" algn="ctr" defTabSz="584200" rtl="0" fontAlgn="auto" latinLnBrk="0" hangingPunct="0">
+              <a:lnSpc>
+                <a:spcPct val="100000"/>
+              </a:lnSpc>
+              <a:spcBef>
+                <a:spcPts val="0"/>
+              </a:spcBef>
+              <a:spcAft>
+                <a:spcPts val="0"/>
+              </a:spcAft>
+              <a:buClrTx/>
+              <a:buSzTx/>
+              <a:buFontTx/>
+              <a:buNone/>
+              <a:tabLst/>
+            </a:pPr>
+            <a:endParaRPr kumimoji="0" lang="en-US" sz="2600" b="0" i="0" u="none" strike="noStrike" cap="none" spc="0" normalizeH="0" baseline="0">
+              <a:ln>
+                <a:noFill/>
+              </a:ln>
+              <a:solidFill>
+                <a:srgbClr val="FFFFFF"/>
+              </a:solidFill>
+              <a:effectLst/>
+              <a:uFillTx/>
+              <a:latin typeface="+mn-lt"/>
+              <a:ea typeface="+mn-ea"/>
+              <a:cs typeface="+mn-cs"/>
+              <a:sym typeface="Helvetica Light"/>
+            </a:endParaRPr>
+          </a:p>
+        </p:txBody>
+      </p:sp>
     </p:spTree>
     <p:extLst>
       <p:ext uri="{BB962C8B-B14F-4D97-AF65-F5344CB8AC3E}">
@@ -11034,6 +13254,83 @@
           </a:p>
         </p:txBody>
       </p:sp>
+      <p:sp>
+        <p:nvSpPr>
+          <p:cNvPr id="7" name="PB"/>
+          <p:cNvSpPr/>
+          <p:nvPr/>
+        </p:nvSpPr>
+        <p:spPr>
+          <a:xfrm>
+            <a:off x="0" y="9601200"/>
+            <a:ext cx="7847724" cy="152400"/>
+          </a:xfrm>
+          <a:prstGeom prst="rect">
+            <a:avLst/>
+          </a:prstGeom>
+          <a:blipFill rotWithShape="1">
+            <a:blip r:embed="rId2"/>
+            <a:srcRect/>
+            <a:tile tx="0" ty="0" sx="100000" sy="100000" flip="none" algn="tl"/>
+          </a:blipFill>
+          <a:ln w="12700" cap="flat">
+            <a:noFill/>
+            <a:miter lim="400000"/>
+          </a:ln>
+          <a:effectLst/>
+          <a:sp3d/>
+        </p:spPr>
+        <p:style>
+          <a:lnRef idx="0">
+            <a:scrgbClr r="0" g="0" b="0"/>
+          </a:lnRef>
+          <a:fillRef idx="0">
+            <a:scrgbClr r="0" g="0" b="0"/>
+          </a:fillRef>
+          <a:effectRef idx="0">
+            <a:scrgbClr r="0" g="0" b="0"/>
+          </a:effectRef>
+          <a:fontRef idx="none"/>
+        </p:style>
+        <p:txBody>
+          <a:bodyPr rot="0" spcFirstLastPara="1" vertOverflow="overflow" horzOverflow="overflow" vert="horz" wrap="square" lIns="50800" tIns="50800" rIns="50800" bIns="50800" numCol="1" spcCol="38100" rtlCol="0" anchor="ctr">
+            <a:spAutoFit/>
+          </a:bodyPr>
+          <a:lstStyle/>
+          <a:p>
+            <a:pPr marL="0" marR="0" indent="0" algn="ctr" defTabSz="584200" rtl="0" fontAlgn="auto" latinLnBrk="0" hangingPunct="0">
+              <a:lnSpc>
+                <a:spcPct val="100000"/>
+              </a:lnSpc>
+              <a:spcBef>
+                <a:spcPts val="0"/>
+              </a:spcBef>
+              <a:spcAft>
+                <a:spcPts val="0"/>
+              </a:spcAft>
+              <a:buClrTx/>
+              <a:buSzTx/>
+              <a:buFontTx/>
+              <a:buNone/>
+              <a:tabLst/>
+            </a:pPr>
+            <a:endParaRPr kumimoji="0" lang="en-US" sz="2600" b="0" i="0" u="none" strike="noStrike" cap="none" spc="0" normalizeH="0" baseline="0">
+              <a:ln>
+                <a:noFill/>
+              </a:ln>
+              <a:solidFill>
+                <a:srgbClr val="FFFFFF"/>
+              </a:solidFill>
+              <a:effectLst/>
+              <a:uFillTx/>
+              <a:latin typeface="+mn-lt"/>
+              <a:ea typeface="+mn-ea"/>
+              <a:cs typeface="+mn-cs"/>
+              <a:sym typeface="Helvetica Light"/>
+            </a:endParaRPr>
+          </a:p>
+        </p:txBody>
+      </p:sp>
     </p:spTree>
     <p:extLst>
       <p:ext uri="{BB962C8B-B14F-4D97-AF65-F5344CB8AC3E}">
@@ -11133,6 +13430,83 @@
           </a:p>
         </p:txBody>
       </p:sp>
+      <p:sp>
+        <p:nvSpPr>
+          <p:cNvPr id="7" name="PB"/>
+          <p:cNvSpPr/>
+          <p:nvPr/>
+        </p:nvSpPr>
+        <p:spPr>
+          <a:xfrm>
+            <a:off x="0" y="9601200"/>
+            <a:ext cx="8071945" cy="152400"/>
+          </a:xfrm>
+          <a:prstGeom prst="rect">
+            <a:avLst/>
+          </a:prstGeom>
+          <a:blipFill rotWithShape="1">
+            <a:blip r:embed="rId2"/>
+            <a:srcRect/>
+            <a:tile tx="0" ty="0" sx="100000" sy="100000" flip="none" algn="tl"/>
+          </a:blipFill>
+          <a:ln w="12700" cap="flat">
+            <a:noFill/>
+            <a:miter lim="400000"/>
+          </a:ln>
+          <a:effectLst/>
+          <a:sp3d/>
+        </p:spPr>
+        <p:style>
+          <a:lnRef idx="0">
+            <a:scrgbClr r="0" g="0" b="0"/>
+          </a:lnRef>
+          <a:fillRef idx="0">
+            <a:scrgbClr r="0" g="0" b="0"/>
+          </a:fillRef>
+          <a:effectRef idx="0">
+            <a:scrgbClr r="0" g="0" b="0"/>
+          </a:effectRef>
+          <a:fontRef idx="none"/>
+        </p:style>
+        <p:txBody>
+          <a:bodyPr rot="0" spcFirstLastPara="1" vertOverflow="overflow" horzOverflow="overflow" vert="horz" wrap="square" lIns="50800" tIns="50800" rIns="50800" bIns="50800" numCol="1" spcCol="38100" rtlCol="0" anchor="ctr">
+            <a:spAutoFit/>
+          </a:bodyPr>
+          <a:lstStyle/>
+          <a:p>
+            <a:pPr marL="0" marR="0" indent="0" algn="ctr" defTabSz="584200" rtl="0" fontAlgn="auto" latinLnBrk="0" hangingPunct="0">
+              <a:lnSpc>
+                <a:spcPct val="100000"/>
+              </a:lnSpc>
+              <a:spcBef>
+                <a:spcPts val="0"/>
+              </a:spcBef>
+              <a:spcAft>
+                <a:spcPts val="0"/>
+              </a:spcAft>
+              <a:buClrTx/>
+              <a:buSzTx/>
+              <a:buFontTx/>
+              <a:buNone/>
+              <a:tabLst/>
+            </a:pPr>
+            <a:endParaRPr kumimoji="0" lang="en-US" sz="2600" b="0" i="0" u="none" strike="noStrike" cap="none" spc="0" normalizeH="0" baseline="0">
+              <a:ln>
+                <a:noFill/>
+              </a:ln>
+              <a:solidFill>
+                <a:srgbClr val="FFFFFF"/>
+              </a:solidFill>
+              <a:effectLst/>
+              <a:uFillTx/>
+              <a:latin typeface="+mn-lt"/>
+              <a:ea typeface="+mn-ea"/>
+              <a:cs typeface="+mn-cs"/>
+              <a:sym typeface="Helvetica Light"/>
+            </a:endParaRPr>
+          </a:p>
+        </p:txBody>
+      </p:sp>
     </p:spTree>
     <p:extLst>
       <p:ext uri="{BB962C8B-B14F-4D97-AF65-F5344CB8AC3E}">
@@ -11237,6 +13611,83 @@
           </a:p>
         </p:txBody>
       </p:sp>
+      <p:sp>
+        <p:nvSpPr>
+          <p:cNvPr id="7" name="PB"/>
+          <p:cNvSpPr/>
+          <p:nvPr/>
+        </p:nvSpPr>
+        <p:spPr>
+          <a:xfrm>
+            <a:off x="0" y="9601200"/>
+            <a:ext cx="8296166" cy="152400"/>
+          </a:xfrm>
+          <a:prstGeom prst="rect">
+            <a:avLst/>
+          </a:prstGeom>
+          <a:blipFill rotWithShape="1">
+            <a:blip r:embed="rId2"/>
+            <a:srcRect/>
+            <a:tile tx="0" ty="0" sx="100000" sy="100000" flip="none" algn="tl"/>
+          </a:blipFill>
+          <a:ln w="12700" cap="flat">
+            <a:noFill/>
+            <a:miter lim="400000"/>
+          </a:ln>
+          <a:effectLst/>
+          <a:sp3d/>
+        </p:spPr>
+        <p:style>
+          <a:lnRef idx="0">
+            <a:scrgbClr r="0" g="0" b="0"/>
+          </a:lnRef>
+          <a:fillRef idx="0">
+            <a:scrgbClr r="0" g="0" b="0"/>
+          </a:fillRef>
+          <a:effectRef idx="0">
+            <a:scrgbClr r="0" g="0" b="0"/>
+          </a:effectRef>
+          <a:fontRef idx="none"/>
+        </p:style>
+        <p:txBody>
+          <a:bodyPr rot="0" spcFirstLastPara="1" vertOverflow="overflow" horzOverflow="overflow" vert="horz" wrap="square" lIns="50800" tIns="50800" rIns="50800" bIns="50800" numCol="1" spcCol="38100" rtlCol="0" anchor="ctr">
+            <a:spAutoFit/>
+          </a:bodyPr>
+          <a:lstStyle/>
+          <a:p>
+            <a:pPr marL="0" marR="0" indent="0" algn="ctr" defTabSz="584200" rtl="0" fontAlgn="auto" latinLnBrk="0" hangingPunct="0">
+              <a:lnSpc>
+                <a:spcPct val="100000"/>
+              </a:lnSpc>
+              <a:spcBef>
+                <a:spcPts val="0"/>
+              </a:spcBef>
+              <a:spcAft>
+                <a:spcPts val="0"/>
+              </a:spcAft>
+              <a:buClrTx/>
+              <a:buSzTx/>
+              <a:buFontTx/>
+              <a:buNone/>
+              <a:tabLst/>
+            </a:pPr>
+            <a:endParaRPr kumimoji="0" lang="en-US" sz="2600" b="0" i="0" u="none" strike="noStrike" cap="none" spc="0" normalizeH="0" baseline="0">
+              <a:ln>
+                <a:noFill/>
+              </a:ln>
+              <a:solidFill>
+                <a:srgbClr val="FFFFFF"/>
+              </a:solidFill>
+              <a:effectLst/>
+              <a:uFillTx/>
+              <a:latin typeface="+mn-lt"/>
+              <a:ea typeface="+mn-ea"/>
+              <a:cs typeface="+mn-cs"/>
+              <a:sym typeface="Helvetica Light"/>
+            </a:endParaRPr>
+          </a:p>
+        </p:txBody>
+      </p:sp>
     </p:spTree>
     <p:extLst>
       <p:ext uri="{BB962C8B-B14F-4D97-AF65-F5344CB8AC3E}">
@@ -11314,6 +13765,83 @@
           </a:p>
         </p:txBody>
       </p:sp>
+      <p:sp>
+        <p:nvSpPr>
+          <p:cNvPr id="7" name="PB"/>
+          <p:cNvSpPr/>
+          <p:nvPr/>
+        </p:nvSpPr>
+        <p:spPr>
+          <a:xfrm>
+            <a:off x="0" y="9601200"/>
+            <a:ext cx="8520386" cy="152400"/>
+          </a:xfrm>
+          <a:prstGeom prst="rect">
+            <a:avLst/>
+          </a:prstGeom>
+          <a:blipFill rotWithShape="1">
+            <a:blip r:embed="rId2"/>
+            <a:srcRect/>
+            <a:tile tx="0" ty="0" sx="100000" sy="100000" flip="none" algn="tl"/>
+          </a:blipFill>
+          <a:ln w="12700" cap="flat">
+            <a:noFill/>
+            <a:miter lim="400000"/>
+          </a:ln>
+          <a:effectLst/>
+          <a:sp3d/>
+        </p:spPr>
+        <p:style>
+          <a:lnRef idx="0">
+            <a:scrgbClr r="0" g="0" b="0"/>
+          </a:lnRef>
+          <a:fillRef idx="0">
+            <a:scrgbClr r="0" g="0" b="0"/>
+          </a:fillRef>
+          <a:effectRef idx="0">
+            <a:scrgbClr r="0" g="0" b="0"/>
+          </a:effectRef>
+          <a:fontRef idx="none"/>
+        </p:style>
+        <p:txBody>
+          <a:bodyPr rot="0" spcFirstLastPara="1" vertOverflow="overflow" horzOverflow="overflow" vert="horz" wrap="square" lIns="50800" tIns="50800" rIns="50800" bIns="50800" numCol="1" spcCol="38100" rtlCol="0" anchor="ctr">
+            <a:spAutoFit/>
+          </a:bodyPr>
+          <a:lstStyle/>
+          <a:p>
+            <a:pPr marL="0" marR="0" indent="0" algn="ctr" defTabSz="584200" rtl="0" fontAlgn="auto" latinLnBrk="0" hangingPunct="0">
+              <a:lnSpc>
+                <a:spcPct val="100000"/>
+              </a:lnSpc>
+              <a:spcBef>
+                <a:spcPts val="0"/>
+              </a:spcBef>
+              <a:spcAft>
+                <a:spcPts val="0"/>
+              </a:spcAft>
+              <a:buClrTx/>
+              <a:buSzTx/>
+              <a:buFontTx/>
+              <a:buNone/>
+              <a:tabLst/>
+            </a:pPr>
+            <a:endParaRPr kumimoji="0" lang="en-US" sz="2600" b="0" i="0" u="none" strike="noStrike" cap="none" spc="0" normalizeH="0" baseline="0">
+              <a:ln>
+                <a:noFill/>
+              </a:ln>
+              <a:solidFill>
+                <a:srgbClr val="FFFFFF"/>
+              </a:solidFill>
+              <a:effectLst/>
+              <a:uFillTx/>
+              <a:latin typeface="+mn-lt"/>
+              <a:ea typeface="+mn-ea"/>
+              <a:cs typeface="+mn-cs"/>
+              <a:sym typeface="Helvetica Light"/>
+            </a:endParaRPr>
+          </a:p>
+        </p:txBody>
+      </p:sp>
     </p:spTree>
     <p:extLst>
       <p:ext uri="{BB962C8B-B14F-4D97-AF65-F5344CB8AC3E}">
@@ -11398,6 +13926,83 @@
               <a:rPr lang="en-US" dirty="0" smtClean="0"/>
               <a:t>Defines the maximum length of characters that can be entered into an input element</a:t>
             </a:r>
+          </a:p>
+        </p:txBody>
+      </p:sp>
+      <p:sp>
+        <p:nvSpPr>
+          <p:cNvPr id="7" name="PB"/>
+          <p:cNvSpPr/>
+          <p:nvPr/>
+        </p:nvSpPr>
+        <p:spPr>
+          <a:xfrm>
+            <a:off x="0" y="9601200"/>
+            <a:ext cx="8744607" cy="152400"/>
+          </a:xfrm>
+          <a:prstGeom prst="rect">
+            <a:avLst/>
+          </a:prstGeom>
+          <a:blipFill rotWithShape="1">
+            <a:blip r:embed="rId2"/>
+            <a:srcRect/>
+            <a:tile tx="0" ty="0" sx="100000" sy="100000" flip="none" algn="tl"/>
+          </a:blipFill>
+          <a:ln w="12700" cap="flat">
+            <a:noFill/>
+            <a:miter lim="400000"/>
+          </a:ln>
+          <a:effectLst/>
+          <a:sp3d/>
+        </p:spPr>
+        <p:style>
+          <a:lnRef idx="0">
+            <a:scrgbClr r="0" g="0" b="0"/>
+          </a:lnRef>
+          <a:fillRef idx="0">
+            <a:scrgbClr r="0" g="0" b="0"/>
+          </a:fillRef>
+          <a:effectRef idx="0">
+            <a:scrgbClr r="0" g="0" b="0"/>
+          </a:effectRef>
+          <a:fontRef idx="none"/>
+        </p:style>
+        <p:txBody>
+          <a:bodyPr rot="0" spcFirstLastPara="1" vertOverflow="overflow" horzOverflow="overflow" vert="horz" wrap="square" lIns="50800" tIns="50800" rIns="50800" bIns="50800" numCol="1" spcCol="38100" rtlCol="0" anchor="ctr">
+            <a:spAutoFit/>
+          </a:bodyPr>
+          <a:lstStyle/>
+          <a:p>
+            <a:pPr marL="0" marR="0" indent="0" algn="ctr" defTabSz="584200" rtl="0" fontAlgn="auto" latinLnBrk="0" hangingPunct="0">
+              <a:lnSpc>
+                <a:spcPct val="100000"/>
+              </a:lnSpc>
+              <a:spcBef>
+                <a:spcPts val="0"/>
+              </a:spcBef>
+              <a:spcAft>
+                <a:spcPts val="0"/>
+              </a:spcAft>
+              <a:buClrTx/>
+              <a:buSzTx/>
+              <a:buFontTx/>
+              <a:buNone/>
+              <a:tabLst/>
+            </a:pPr>
+            <a:endParaRPr kumimoji="0" lang="en-US" sz="2600" b="0" i="0" u="none" strike="noStrike" cap="none" spc="0" normalizeH="0" baseline="0">
+              <a:ln>
+                <a:noFill/>
+              </a:ln>
+              <a:solidFill>
+                <a:srgbClr val="FFFFFF"/>
+              </a:solidFill>
+              <a:effectLst/>
+              <a:uFillTx/>
+              <a:latin typeface="+mn-lt"/>
+              <a:ea typeface="+mn-ea"/>
+              <a:cs typeface="+mn-cs"/>
+              <a:sym typeface="Helvetica Light"/>
+            </a:endParaRPr>
           </a:p>
         </p:txBody>
       </p:sp>
@@ -11477,6 +14082,83 @@
           </a:p>
         </p:txBody>
       </p:sp>
+      <p:sp>
+        <p:nvSpPr>
+          <p:cNvPr id="6" name="PB"/>
+          <p:cNvSpPr/>
+          <p:nvPr/>
+        </p:nvSpPr>
+        <p:spPr>
+          <a:xfrm>
+            <a:off x="0" y="9601200"/>
+            <a:ext cx="896883" cy="152400"/>
+          </a:xfrm>
+          <a:prstGeom prst="rect">
+            <a:avLst/>
+          </a:prstGeom>
+          <a:blipFill rotWithShape="1">
+            <a:blip r:embed="rId3"/>
+            <a:srcRect/>
+            <a:tile tx="0" ty="0" sx="100000" sy="100000" flip="none" algn="tl"/>
+          </a:blipFill>
+          <a:ln w="12700" cap="flat">
+            <a:noFill/>
+            <a:miter lim="400000"/>
+          </a:ln>
+          <a:effectLst/>
+          <a:sp3d/>
+        </p:spPr>
+        <p:style>
+          <a:lnRef idx="0">
+            <a:scrgbClr r="0" g="0" b="0"/>
+          </a:lnRef>
+          <a:fillRef idx="0">
+            <a:scrgbClr r="0" g="0" b="0"/>
+          </a:fillRef>
+          <a:effectRef idx="0">
+            <a:scrgbClr r="0" g="0" b="0"/>
+          </a:effectRef>
+          <a:fontRef idx="none"/>
+        </p:style>
+        <p:txBody>
+          <a:bodyPr rot="0" spcFirstLastPara="1" vertOverflow="overflow" horzOverflow="overflow" vert="horz" wrap="square" lIns="50800" tIns="50800" rIns="50800" bIns="50800" numCol="1" spcCol="38100" rtlCol="0" anchor="ctr">
+            <a:spAutoFit/>
+          </a:bodyPr>
+          <a:lstStyle/>
+          <a:p>
+            <a:pPr marL="0" marR="0" indent="0" algn="ctr" defTabSz="584200" rtl="0" fontAlgn="auto" latinLnBrk="0" hangingPunct="0">
+              <a:lnSpc>
+                <a:spcPct val="100000"/>
+              </a:lnSpc>
+              <a:spcBef>
+                <a:spcPts val="0"/>
+              </a:spcBef>
+              <a:spcAft>
+                <a:spcPts val="0"/>
+              </a:spcAft>
+              <a:buClrTx/>
+              <a:buSzTx/>
+              <a:buFontTx/>
+              <a:buNone/>
+              <a:tabLst/>
+            </a:pPr>
+            <a:endParaRPr kumimoji="0" lang="en-US" sz="2600" b="0" i="0" u="none" strike="noStrike" cap="none" spc="0" normalizeH="0" baseline="0">
+              <a:ln>
+                <a:noFill/>
+              </a:ln>
+              <a:solidFill>
+                <a:srgbClr val="FFFFFF"/>
+              </a:solidFill>
+              <a:effectLst/>
+              <a:uFillTx/>
+              <a:latin typeface="+mn-lt"/>
+              <a:ea typeface="+mn-ea"/>
+              <a:cs typeface="+mn-cs"/>
+              <a:sym typeface="Helvetica Light"/>
+            </a:endParaRPr>
+          </a:p>
+        </p:txBody>
+      </p:sp>
     </p:spTree>
     <p:extLst>
       <p:ext uri="{BB962C8B-B14F-4D97-AF65-F5344CB8AC3E}">
@@ -11573,6 +14255,83 @@
           </a:p>
         </p:txBody>
       </p:sp>
+      <p:sp>
+        <p:nvSpPr>
+          <p:cNvPr id="7" name="PB"/>
+          <p:cNvSpPr/>
+          <p:nvPr/>
+        </p:nvSpPr>
+        <p:spPr>
+          <a:xfrm>
+            <a:off x="0" y="9601200"/>
+            <a:ext cx="8968828" cy="152400"/>
+          </a:xfrm>
+          <a:prstGeom prst="rect">
+            <a:avLst/>
+          </a:prstGeom>
+          <a:blipFill rotWithShape="1">
+            <a:blip r:embed="rId2"/>
+            <a:srcRect/>
+            <a:tile tx="0" ty="0" sx="100000" sy="100000" flip="none" algn="tl"/>
+          </a:blipFill>
+          <a:ln w="12700" cap="flat">
+            <a:noFill/>
+            <a:miter lim="400000"/>
+          </a:ln>
+          <a:effectLst/>
+          <a:sp3d/>
+        </p:spPr>
+        <p:style>
+          <a:lnRef idx="0">
+            <a:scrgbClr r="0" g="0" b="0"/>
+          </a:lnRef>
+          <a:fillRef idx="0">
+            <a:scrgbClr r="0" g="0" b="0"/>
+          </a:fillRef>
+          <a:effectRef idx="0">
+            <a:scrgbClr r="0" g="0" b="0"/>
+          </a:effectRef>
+          <a:fontRef idx="none"/>
+        </p:style>
+        <p:txBody>
+          <a:bodyPr rot="0" spcFirstLastPara="1" vertOverflow="overflow" horzOverflow="overflow" vert="horz" wrap="square" lIns="50800" tIns="50800" rIns="50800" bIns="50800" numCol="1" spcCol="38100" rtlCol="0" anchor="ctr">
+            <a:spAutoFit/>
+          </a:bodyPr>
+          <a:lstStyle/>
+          <a:p>
+            <a:pPr marL="0" marR="0" indent="0" algn="ctr" defTabSz="584200" rtl="0" fontAlgn="auto" latinLnBrk="0" hangingPunct="0">
+              <a:lnSpc>
+                <a:spcPct val="100000"/>
+              </a:lnSpc>
+              <a:spcBef>
+                <a:spcPts val="0"/>
+              </a:spcBef>
+              <a:spcAft>
+                <a:spcPts val="0"/>
+              </a:spcAft>
+              <a:buClrTx/>
+              <a:buSzTx/>
+              <a:buFontTx/>
+              <a:buNone/>
+              <a:tabLst/>
+            </a:pPr>
+            <a:endParaRPr kumimoji="0" lang="en-US" sz="2600" b="0" i="0" u="none" strike="noStrike" cap="none" spc="0" normalizeH="0" baseline="0">
+              <a:ln>
+                <a:noFill/>
+              </a:ln>
+              <a:solidFill>
+                <a:srgbClr val="FFFFFF"/>
+              </a:solidFill>
+              <a:effectLst/>
+              <a:uFillTx/>
+              <a:latin typeface="+mn-lt"/>
+              <a:ea typeface="+mn-ea"/>
+              <a:cs typeface="+mn-cs"/>
+              <a:sym typeface="Helvetica Light"/>
+            </a:endParaRPr>
+          </a:p>
+        </p:txBody>
+      </p:sp>
     </p:spTree>
     <p:extLst>
       <p:ext uri="{BB962C8B-B14F-4D97-AF65-F5344CB8AC3E}">
@@ -11709,6 +14468,83 @@
           </a:p>
         </p:txBody>
       </p:sp>
+      <p:sp>
+        <p:nvSpPr>
+          <p:cNvPr id="7" name="PB"/>
+          <p:cNvSpPr/>
+          <p:nvPr/>
+        </p:nvSpPr>
+        <p:spPr>
+          <a:xfrm>
+            <a:off x="0" y="9601200"/>
+            <a:ext cx="9193048" cy="152400"/>
+          </a:xfrm>
+          <a:prstGeom prst="rect">
+            <a:avLst/>
+          </a:prstGeom>
+          <a:blipFill rotWithShape="1">
+            <a:blip r:embed="rId2"/>
+            <a:srcRect/>
+            <a:tile tx="0" ty="0" sx="100000" sy="100000" flip="none" algn="tl"/>
+          </a:blipFill>
+          <a:ln w="12700" cap="flat">
+            <a:noFill/>
+            <a:miter lim="400000"/>
+          </a:ln>
+          <a:effectLst/>
+          <a:sp3d/>
+        </p:spPr>
+        <p:style>
+          <a:lnRef idx="0">
+            <a:scrgbClr r="0" g="0" b="0"/>
+          </a:lnRef>
+          <a:fillRef idx="0">
+            <a:scrgbClr r="0" g="0" b="0"/>
+          </a:fillRef>
+          <a:effectRef idx="0">
+            <a:scrgbClr r="0" g="0" b="0"/>
+          </a:effectRef>
+          <a:fontRef idx="none"/>
+        </p:style>
+        <p:txBody>
+          <a:bodyPr rot="0" spcFirstLastPara="1" vertOverflow="overflow" horzOverflow="overflow" vert="horz" wrap="square" lIns="50800" tIns="50800" rIns="50800" bIns="50800" numCol="1" spcCol="38100" rtlCol="0" anchor="ctr">
+            <a:spAutoFit/>
+          </a:bodyPr>
+          <a:lstStyle/>
+          <a:p>
+            <a:pPr marL="0" marR="0" indent="0" algn="ctr" defTabSz="584200" rtl="0" fontAlgn="auto" latinLnBrk="0" hangingPunct="0">
+              <a:lnSpc>
+                <a:spcPct val="100000"/>
+              </a:lnSpc>
+              <a:spcBef>
+                <a:spcPts val="0"/>
+              </a:spcBef>
+              <a:spcAft>
+                <a:spcPts val="0"/>
+              </a:spcAft>
+              <a:buClrTx/>
+              <a:buSzTx/>
+              <a:buFontTx/>
+              <a:buNone/>
+              <a:tabLst/>
+            </a:pPr>
+            <a:endParaRPr kumimoji="0" lang="en-US" sz="2600" b="0" i="0" u="none" strike="noStrike" cap="none" spc="0" normalizeH="0" baseline="0">
+              <a:ln>
+                <a:noFill/>
+              </a:ln>
+              <a:solidFill>
+                <a:srgbClr val="FFFFFF"/>
+              </a:solidFill>
+              <a:effectLst/>
+              <a:uFillTx/>
+              <a:latin typeface="+mn-lt"/>
+              <a:ea typeface="+mn-ea"/>
+              <a:cs typeface="+mn-cs"/>
+              <a:sym typeface="Helvetica Light"/>
+            </a:endParaRPr>
+          </a:p>
+        </p:txBody>
+      </p:sp>
     </p:spTree>
     <p:extLst>
       <p:ext uri="{BB962C8B-B14F-4D97-AF65-F5344CB8AC3E}">
@@ -11831,6 +14667,83 @@
           </a:p>
         </p:txBody>
       </p:sp>
+      <p:sp>
+        <p:nvSpPr>
+          <p:cNvPr id="7" name="PB"/>
+          <p:cNvSpPr/>
+          <p:nvPr/>
+        </p:nvSpPr>
+        <p:spPr>
+          <a:xfrm>
+            <a:off x="0" y="9601200"/>
+            <a:ext cx="9417269" cy="152400"/>
+          </a:xfrm>
+          <a:prstGeom prst="rect">
+            <a:avLst/>
+          </a:prstGeom>
+          <a:blipFill rotWithShape="1">
+            <a:blip r:embed="rId3"/>
+            <a:srcRect/>
+            <a:tile tx="0" ty="0" sx="100000" sy="100000" flip="none" algn="tl"/>
+          </a:blipFill>
+          <a:ln w="12700" cap="flat">
+            <a:noFill/>
+            <a:miter lim="400000"/>
+          </a:ln>
+          <a:effectLst/>
+          <a:sp3d/>
+        </p:spPr>
+        <p:style>
+          <a:lnRef idx="0">
+            <a:scrgbClr r="0" g="0" b="0"/>
+          </a:lnRef>
+          <a:fillRef idx="0">
+            <a:scrgbClr r="0" g="0" b="0"/>
+          </a:fillRef>
+          <a:effectRef idx="0">
+            <a:scrgbClr r="0" g="0" b="0"/>
+          </a:effectRef>
+          <a:fontRef idx="none"/>
+        </p:style>
+        <p:txBody>
+          <a:bodyPr rot="0" spcFirstLastPara="1" vertOverflow="overflow" horzOverflow="overflow" vert="horz" wrap="square" lIns="50800" tIns="50800" rIns="50800" bIns="50800" numCol="1" spcCol="38100" rtlCol="0" anchor="ctr">
+            <a:spAutoFit/>
+          </a:bodyPr>
+          <a:lstStyle/>
+          <a:p>
+            <a:pPr marL="0" marR="0" indent="0" algn="ctr" defTabSz="584200" rtl="0" fontAlgn="auto" latinLnBrk="0" hangingPunct="0">
+              <a:lnSpc>
+                <a:spcPct val="100000"/>
+              </a:lnSpc>
+              <a:spcBef>
+                <a:spcPts val="0"/>
+              </a:spcBef>
+              <a:spcAft>
+                <a:spcPts val="0"/>
+              </a:spcAft>
+              <a:buClrTx/>
+              <a:buSzTx/>
+              <a:buFontTx/>
+              <a:buNone/>
+              <a:tabLst/>
+            </a:pPr>
+            <a:endParaRPr kumimoji="0" lang="en-US" sz="2600" b="0" i="0" u="none" strike="noStrike" cap="none" spc="0" normalizeH="0" baseline="0">
+              <a:ln>
+                <a:noFill/>
+              </a:ln>
+              <a:solidFill>
+                <a:srgbClr val="FFFFFF"/>
+              </a:solidFill>
+              <a:effectLst/>
+              <a:uFillTx/>
+              <a:latin typeface="+mn-lt"/>
+              <a:ea typeface="+mn-ea"/>
+              <a:cs typeface="+mn-cs"/>
+              <a:sym typeface="Helvetica Light"/>
+            </a:endParaRPr>
+          </a:p>
+        </p:txBody>
+      </p:sp>
     </p:spTree>
     <p:extLst>
       <p:ext uri="{BB962C8B-B14F-4D97-AF65-F5344CB8AC3E}">
@@ -11997,6 +14910,83 @@
           </a:p>
         </p:txBody>
       </p:sp>
+      <p:sp>
+        <p:nvSpPr>
+          <p:cNvPr id="7" name="PB"/>
+          <p:cNvSpPr/>
+          <p:nvPr/>
+        </p:nvSpPr>
+        <p:spPr>
+          <a:xfrm>
+            <a:off x="0" y="9601200"/>
+            <a:ext cx="9641490" cy="152400"/>
+          </a:xfrm>
+          <a:prstGeom prst="rect">
+            <a:avLst/>
+          </a:prstGeom>
+          <a:blipFill rotWithShape="1">
+            <a:blip r:embed="rId3"/>
+            <a:srcRect/>
+            <a:tile tx="0" ty="0" sx="100000" sy="100000" flip="none" algn="tl"/>
+          </a:blipFill>
+          <a:ln w="12700" cap="flat">
+            <a:noFill/>
+            <a:miter lim="400000"/>
+          </a:ln>
+          <a:effectLst/>
+          <a:sp3d/>
+        </p:spPr>
+        <p:style>
+          <a:lnRef idx="0">
+            <a:scrgbClr r="0" g="0" b="0"/>
+          </a:lnRef>
+          <a:fillRef idx="0">
+            <a:scrgbClr r="0" g="0" b="0"/>
+          </a:fillRef>
+          <a:effectRef idx="0">
+            <a:scrgbClr r="0" g="0" b="0"/>
+          </a:effectRef>
+          <a:fontRef idx="none"/>
+        </p:style>
+        <p:txBody>
+          <a:bodyPr rot="0" spcFirstLastPara="1" vertOverflow="overflow" horzOverflow="overflow" vert="horz" wrap="square" lIns="50800" tIns="50800" rIns="50800" bIns="50800" numCol="1" spcCol="38100" rtlCol="0" anchor="ctr">
+            <a:spAutoFit/>
+          </a:bodyPr>
+          <a:lstStyle/>
+          <a:p>
+            <a:pPr marL="0" marR="0" indent="0" algn="ctr" defTabSz="584200" rtl="0" fontAlgn="auto" latinLnBrk="0" hangingPunct="0">
+              <a:lnSpc>
+                <a:spcPct val="100000"/>
+              </a:lnSpc>
+              <a:spcBef>
+                <a:spcPts val="0"/>
+              </a:spcBef>
+              <a:spcAft>
+                <a:spcPts val="0"/>
+              </a:spcAft>
+              <a:buClrTx/>
+              <a:buSzTx/>
+              <a:buFontTx/>
+              <a:buNone/>
+              <a:tabLst/>
+            </a:pPr>
+            <a:endParaRPr kumimoji="0" lang="en-US" sz="2600" b="0" i="0" u="none" strike="noStrike" cap="none" spc="0" normalizeH="0" baseline="0">
+              <a:ln>
+                <a:noFill/>
+              </a:ln>
+              <a:solidFill>
+                <a:srgbClr val="FFFFFF"/>
+              </a:solidFill>
+              <a:effectLst/>
+              <a:uFillTx/>
+              <a:latin typeface="+mn-lt"/>
+              <a:ea typeface="+mn-ea"/>
+              <a:cs typeface="+mn-cs"/>
+              <a:sym typeface="Helvetica Light"/>
+            </a:endParaRPr>
+          </a:p>
+        </p:txBody>
+      </p:sp>
     </p:spTree>
     <p:extLst>
       <p:ext uri="{BB962C8B-B14F-4D97-AF65-F5344CB8AC3E}">
@@ -12090,6 +15080,83 @@
           </a:p>
         </p:txBody>
       </p:sp>
+      <p:sp>
+        <p:nvSpPr>
+          <p:cNvPr id="7" name="PB"/>
+          <p:cNvSpPr/>
+          <p:nvPr/>
+        </p:nvSpPr>
+        <p:spPr>
+          <a:xfrm>
+            <a:off x="0" y="9601200"/>
+            <a:ext cx="9865710" cy="152400"/>
+          </a:xfrm>
+          <a:prstGeom prst="rect">
+            <a:avLst/>
+          </a:prstGeom>
+          <a:blipFill rotWithShape="1">
+            <a:blip r:embed="rId2"/>
+            <a:srcRect/>
+            <a:tile tx="0" ty="0" sx="100000" sy="100000" flip="none" algn="tl"/>
+          </a:blipFill>
+          <a:ln w="12700" cap="flat">
+            <a:noFill/>
+            <a:miter lim="400000"/>
+          </a:ln>
+          <a:effectLst/>
+          <a:sp3d/>
+        </p:spPr>
+        <p:style>
+          <a:lnRef idx="0">
+            <a:scrgbClr r="0" g="0" b="0"/>
+          </a:lnRef>
+          <a:fillRef idx="0">
+            <a:scrgbClr r="0" g="0" b="0"/>
+          </a:fillRef>
+          <a:effectRef idx="0">
+            <a:scrgbClr r="0" g="0" b="0"/>
+          </a:effectRef>
+          <a:fontRef idx="none"/>
+        </p:style>
+        <p:txBody>
+          <a:bodyPr rot="0" spcFirstLastPara="1" vertOverflow="overflow" horzOverflow="overflow" vert="horz" wrap="square" lIns="50800" tIns="50800" rIns="50800" bIns="50800" numCol="1" spcCol="38100" rtlCol="0" anchor="ctr">
+            <a:spAutoFit/>
+          </a:bodyPr>
+          <a:lstStyle/>
+          <a:p>
+            <a:pPr marL="0" marR="0" indent="0" algn="ctr" defTabSz="584200" rtl="0" fontAlgn="auto" latinLnBrk="0" hangingPunct="0">
+              <a:lnSpc>
+                <a:spcPct val="100000"/>
+              </a:lnSpc>
+              <a:spcBef>
+                <a:spcPts val="0"/>
+              </a:spcBef>
+              <a:spcAft>
+                <a:spcPts val="0"/>
+              </a:spcAft>
+              <a:buClrTx/>
+              <a:buSzTx/>
+              <a:buFontTx/>
+              <a:buNone/>
+              <a:tabLst/>
+            </a:pPr>
+            <a:endParaRPr kumimoji="0" lang="en-US" sz="2600" b="0" i="0" u="none" strike="noStrike" cap="none" spc="0" normalizeH="0" baseline="0">
+              <a:ln>
+                <a:noFill/>
+              </a:ln>
+              <a:solidFill>
+                <a:srgbClr val="FFFFFF"/>
+              </a:solidFill>
+              <a:effectLst/>
+              <a:uFillTx/>
+              <a:latin typeface="+mn-lt"/>
+              <a:ea typeface="+mn-ea"/>
+              <a:cs typeface="+mn-cs"/>
+              <a:sym typeface="Helvetica Light"/>
+            </a:endParaRPr>
+          </a:p>
+        </p:txBody>
+      </p:sp>
     </p:spTree>
     <p:extLst>
       <p:ext uri="{BB962C8B-B14F-4D97-AF65-F5344CB8AC3E}">
@@ -12427,6 +15494,83 @@
           </a:p>
         </p:txBody>
       </p:sp>
+      <p:sp>
+        <p:nvSpPr>
+          <p:cNvPr id="7" name="PB"/>
+          <p:cNvSpPr/>
+          <p:nvPr/>
+        </p:nvSpPr>
+        <p:spPr>
+          <a:xfrm>
+            <a:off x="0" y="9601200"/>
+            <a:ext cx="10089931" cy="152400"/>
+          </a:xfrm>
+          <a:prstGeom prst="rect">
+            <a:avLst/>
+          </a:prstGeom>
+          <a:blipFill rotWithShape="1">
+            <a:blip r:embed="rId3"/>
+            <a:srcRect/>
+            <a:tile tx="0" ty="0" sx="100000" sy="100000" flip="none" algn="tl"/>
+          </a:blipFill>
+          <a:ln w="12700" cap="flat">
+            <a:noFill/>
+            <a:miter lim="400000"/>
+          </a:ln>
+          <a:effectLst/>
+          <a:sp3d/>
+        </p:spPr>
+        <p:style>
+          <a:lnRef idx="0">
+            <a:scrgbClr r="0" g="0" b="0"/>
+          </a:lnRef>
+          <a:fillRef idx="0">
+            <a:scrgbClr r="0" g="0" b="0"/>
+          </a:fillRef>
+          <a:effectRef idx="0">
+            <a:scrgbClr r="0" g="0" b="0"/>
+          </a:effectRef>
+          <a:fontRef idx="none"/>
+        </p:style>
+        <p:txBody>
+          <a:bodyPr rot="0" spcFirstLastPara="1" vertOverflow="overflow" horzOverflow="overflow" vert="horz" wrap="square" lIns="50800" tIns="50800" rIns="50800" bIns="50800" numCol="1" spcCol="38100" rtlCol="0" anchor="ctr">
+            <a:spAutoFit/>
+          </a:bodyPr>
+          <a:lstStyle/>
+          <a:p>
+            <a:pPr marL="0" marR="0" indent="0" algn="ctr" defTabSz="584200" rtl="0" fontAlgn="auto" latinLnBrk="0" hangingPunct="0">
+              <a:lnSpc>
+                <a:spcPct val="100000"/>
+              </a:lnSpc>
+              <a:spcBef>
+                <a:spcPts val="0"/>
+              </a:spcBef>
+              <a:spcAft>
+                <a:spcPts val="0"/>
+              </a:spcAft>
+              <a:buClrTx/>
+              <a:buSzTx/>
+              <a:buFontTx/>
+              <a:buNone/>
+              <a:tabLst/>
+            </a:pPr>
+            <a:endParaRPr kumimoji="0" lang="en-US" sz="2600" b="0" i="0" u="none" strike="noStrike" cap="none" spc="0" normalizeH="0" baseline="0">
+              <a:ln>
+                <a:noFill/>
+              </a:ln>
+              <a:solidFill>
+                <a:srgbClr val="FFFFFF"/>
+              </a:solidFill>
+              <a:effectLst/>
+              <a:uFillTx/>
+              <a:latin typeface="+mn-lt"/>
+              <a:ea typeface="+mn-ea"/>
+              <a:cs typeface="+mn-cs"/>
+              <a:sym typeface="Helvetica Light"/>
+            </a:endParaRPr>
+          </a:p>
+        </p:txBody>
+      </p:sp>
     </p:spTree>
     <p:extLst>
       <p:ext uri="{BB962C8B-B14F-4D97-AF65-F5344CB8AC3E}">
@@ -12534,6 +15678,83 @@
           </a:p>
           <a:p>
             <a:endParaRPr lang="en-US" dirty="0"/>
+          </a:p>
+        </p:txBody>
+      </p:sp>
+      <p:sp>
+        <p:nvSpPr>
+          <p:cNvPr id="7" name="PB"/>
+          <p:cNvSpPr/>
+          <p:nvPr/>
+        </p:nvSpPr>
+        <p:spPr>
+          <a:xfrm>
+            <a:off x="0" y="9601200"/>
+            <a:ext cx="10314152" cy="152400"/>
+          </a:xfrm>
+          <a:prstGeom prst="rect">
+            <a:avLst/>
+          </a:prstGeom>
+          <a:blipFill rotWithShape="1">
+            <a:blip r:embed="rId3"/>
+            <a:srcRect/>
+            <a:tile tx="0" ty="0" sx="100000" sy="100000" flip="none" algn="tl"/>
+          </a:blipFill>
+          <a:ln w="12700" cap="flat">
+            <a:noFill/>
+            <a:miter lim="400000"/>
+          </a:ln>
+          <a:effectLst/>
+          <a:sp3d/>
+        </p:spPr>
+        <p:style>
+          <a:lnRef idx="0">
+            <a:scrgbClr r="0" g="0" b="0"/>
+          </a:lnRef>
+          <a:fillRef idx="0">
+            <a:scrgbClr r="0" g="0" b="0"/>
+          </a:fillRef>
+          <a:effectRef idx="0">
+            <a:scrgbClr r="0" g="0" b="0"/>
+          </a:effectRef>
+          <a:fontRef idx="none"/>
+        </p:style>
+        <p:txBody>
+          <a:bodyPr rot="0" spcFirstLastPara="1" vertOverflow="overflow" horzOverflow="overflow" vert="horz" wrap="square" lIns="50800" tIns="50800" rIns="50800" bIns="50800" numCol="1" spcCol="38100" rtlCol="0" anchor="ctr">
+            <a:spAutoFit/>
+          </a:bodyPr>
+          <a:lstStyle/>
+          <a:p>
+            <a:pPr marL="0" marR="0" indent="0" algn="ctr" defTabSz="584200" rtl="0" fontAlgn="auto" latinLnBrk="0" hangingPunct="0">
+              <a:lnSpc>
+                <a:spcPct val="100000"/>
+              </a:lnSpc>
+              <a:spcBef>
+                <a:spcPts val="0"/>
+              </a:spcBef>
+              <a:spcAft>
+                <a:spcPts val="0"/>
+              </a:spcAft>
+              <a:buClrTx/>
+              <a:buSzTx/>
+              <a:buFontTx/>
+              <a:buNone/>
+              <a:tabLst/>
+            </a:pPr>
+            <a:endParaRPr kumimoji="0" lang="en-US" sz="2600" b="0" i="0" u="none" strike="noStrike" cap="none" spc="0" normalizeH="0" baseline="0">
+              <a:ln>
+                <a:noFill/>
+              </a:ln>
+              <a:solidFill>
+                <a:srgbClr val="FFFFFF"/>
+              </a:solidFill>
+              <a:effectLst/>
+              <a:uFillTx/>
+              <a:latin typeface="+mn-lt"/>
+              <a:ea typeface="+mn-ea"/>
+              <a:cs typeface="+mn-cs"/>
+              <a:sym typeface="Helvetica Light"/>
+            </a:endParaRPr>
           </a:p>
         </p:txBody>
       </p:sp>
@@ -12802,6 +16023,83 @@
           </a:p>
         </p:txBody>
       </p:sp>
+      <p:sp>
+        <p:nvSpPr>
+          <p:cNvPr id="7" name="PB"/>
+          <p:cNvSpPr/>
+          <p:nvPr/>
+        </p:nvSpPr>
+        <p:spPr>
+          <a:xfrm>
+            <a:off x="0" y="9601200"/>
+            <a:ext cx="10538372" cy="152400"/>
+          </a:xfrm>
+          <a:prstGeom prst="rect">
+            <a:avLst/>
+          </a:prstGeom>
+          <a:blipFill rotWithShape="1">
+            <a:blip r:embed="rId4"/>
+            <a:srcRect/>
+            <a:tile tx="0" ty="0" sx="100000" sy="100000" flip="none" algn="tl"/>
+          </a:blipFill>
+          <a:ln w="12700" cap="flat">
+            <a:noFill/>
+            <a:miter lim="400000"/>
+          </a:ln>
+          <a:effectLst/>
+          <a:sp3d/>
+        </p:spPr>
+        <p:style>
+          <a:lnRef idx="0">
+            <a:scrgbClr r="0" g="0" b="0"/>
+          </a:lnRef>
+          <a:fillRef idx="0">
+            <a:scrgbClr r="0" g="0" b="0"/>
+          </a:fillRef>
+          <a:effectRef idx="0">
+            <a:scrgbClr r="0" g="0" b="0"/>
+          </a:effectRef>
+          <a:fontRef idx="none"/>
+        </p:style>
+        <p:txBody>
+          <a:bodyPr rot="0" spcFirstLastPara="1" vertOverflow="overflow" horzOverflow="overflow" vert="horz" wrap="square" lIns="50800" tIns="50800" rIns="50800" bIns="50800" numCol="1" spcCol="38100" rtlCol="0" anchor="ctr">
+            <a:spAutoFit/>
+          </a:bodyPr>
+          <a:lstStyle/>
+          <a:p>
+            <a:pPr marL="0" marR="0" indent="0" algn="ctr" defTabSz="584200" rtl="0" fontAlgn="auto" latinLnBrk="0" hangingPunct="0">
+              <a:lnSpc>
+                <a:spcPct val="100000"/>
+              </a:lnSpc>
+              <a:spcBef>
+                <a:spcPts val="0"/>
+              </a:spcBef>
+              <a:spcAft>
+                <a:spcPts val="0"/>
+              </a:spcAft>
+              <a:buClrTx/>
+              <a:buSzTx/>
+              <a:buFontTx/>
+              <a:buNone/>
+              <a:tabLst/>
+            </a:pPr>
+            <a:endParaRPr kumimoji="0" lang="en-US" sz="2600" b="0" i="0" u="none" strike="noStrike" cap="none" spc="0" normalizeH="0" baseline="0">
+              <a:ln>
+                <a:noFill/>
+              </a:ln>
+              <a:solidFill>
+                <a:srgbClr val="FFFFFF"/>
+              </a:solidFill>
+              <a:effectLst/>
+              <a:uFillTx/>
+              <a:latin typeface="+mn-lt"/>
+              <a:ea typeface="+mn-ea"/>
+              <a:cs typeface="+mn-cs"/>
+              <a:sym typeface="Helvetica Light"/>
+            </a:endParaRPr>
+          </a:p>
+        </p:txBody>
+      </p:sp>
     </p:spTree>
     <p:extLst>
       <p:ext uri="{BB962C8B-B14F-4D97-AF65-F5344CB8AC3E}">
@@ -12942,6 +16240,83 @@
           </a:p>
         </p:txBody>
       </p:sp>
+      <p:sp>
+        <p:nvSpPr>
+          <p:cNvPr id="6" name="PB"/>
+          <p:cNvSpPr/>
+          <p:nvPr/>
+        </p:nvSpPr>
+        <p:spPr>
+          <a:xfrm>
+            <a:off x="0" y="9601200"/>
+            <a:ext cx="10762593" cy="152400"/>
+          </a:xfrm>
+          <a:prstGeom prst="rect">
+            <a:avLst/>
+          </a:prstGeom>
+          <a:blipFill rotWithShape="1">
+            <a:blip r:embed="rId2"/>
+            <a:srcRect/>
+            <a:tile tx="0" ty="0" sx="100000" sy="100000" flip="none" algn="tl"/>
+          </a:blipFill>
+          <a:ln w="12700" cap="flat">
+            <a:noFill/>
+            <a:miter lim="400000"/>
+          </a:ln>
+          <a:effectLst/>
+          <a:sp3d/>
+        </p:spPr>
+        <p:style>
+          <a:lnRef idx="0">
+            <a:scrgbClr r="0" g="0" b="0"/>
+          </a:lnRef>
+          <a:fillRef idx="0">
+            <a:scrgbClr r="0" g="0" b="0"/>
+          </a:fillRef>
+          <a:effectRef idx="0">
+            <a:scrgbClr r="0" g="0" b="0"/>
+          </a:effectRef>
+          <a:fontRef idx="none"/>
+        </p:style>
+        <p:txBody>
+          <a:bodyPr rot="0" spcFirstLastPara="1" vertOverflow="overflow" horzOverflow="overflow" vert="horz" wrap="square" lIns="50800" tIns="50800" rIns="50800" bIns="50800" numCol="1" spcCol="38100" rtlCol="0" anchor="ctr">
+            <a:spAutoFit/>
+          </a:bodyPr>
+          <a:lstStyle/>
+          <a:p>
+            <a:pPr marL="0" marR="0" indent="0" algn="ctr" defTabSz="584200" rtl="0" fontAlgn="auto" latinLnBrk="0" hangingPunct="0">
+              <a:lnSpc>
+                <a:spcPct val="100000"/>
+              </a:lnSpc>
+              <a:spcBef>
+                <a:spcPts val="0"/>
+              </a:spcBef>
+              <a:spcAft>
+                <a:spcPts val="0"/>
+              </a:spcAft>
+              <a:buClrTx/>
+              <a:buSzTx/>
+              <a:buFontTx/>
+              <a:buNone/>
+              <a:tabLst/>
+            </a:pPr>
+            <a:endParaRPr kumimoji="0" lang="en-US" sz="2600" b="0" i="0" u="none" strike="noStrike" cap="none" spc="0" normalizeH="0" baseline="0">
+              <a:ln>
+                <a:noFill/>
+              </a:ln>
+              <a:solidFill>
+                <a:srgbClr val="FFFFFF"/>
+              </a:solidFill>
+              <a:effectLst/>
+              <a:uFillTx/>
+              <a:latin typeface="+mn-lt"/>
+              <a:ea typeface="+mn-ea"/>
+              <a:cs typeface="+mn-cs"/>
+              <a:sym typeface="Helvetica Light"/>
+            </a:endParaRPr>
+          </a:p>
+        </p:txBody>
+      </p:sp>
     </p:spTree>
     <p:extLst>
       <p:ext uri="{BB962C8B-B14F-4D97-AF65-F5344CB8AC3E}">
@@ -13046,6 +16421,83 @@
           </a:p>
         </p:txBody>
       </p:sp>
+      <p:sp>
+        <p:nvSpPr>
+          <p:cNvPr id="7" name="PB"/>
+          <p:cNvSpPr/>
+          <p:nvPr/>
+        </p:nvSpPr>
+        <p:spPr>
+          <a:xfrm>
+            <a:off x="0" y="9601200"/>
+            <a:ext cx="10986814" cy="152400"/>
+          </a:xfrm>
+          <a:prstGeom prst="rect">
+            <a:avLst/>
+          </a:prstGeom>
+          <a:blipFill rotWithShape="1">
+            <a:blip r:embed="rId2"/>
+            <a:srcRect/>
+            <a:tile tx="0" ty="0" sx="100000" sy="100000" flip="none" algn="tl"/>
+          </a:blipFill>
+          <a:ln w="12700" cap="flat">
+            <a:noFill/>
+            <a:miter lim="400000"/>
+          </a:ln>
+          <a:effectLst/>
+          <a:sp3d/>
+        </p:spPr>
+        <p:style>
+          <a:lnRef idx="0">
+            <a:scrgbClr r="0" g="0" b="0"/>
+          </a:lnRef>
+          <a:fillRef idx="0">
+            <a:scrgbClr r="0" g="0" b="0"/>
+          </a:fillRef>
+          <a:effectRef idx="0">
+            <a:scrgbClr r="0" g="0" b="0"/>
+          </a:effectRef>
+          <a:fontRef idx="none"/>
+        </p:style>
+        <p:txBody>
+          <a:bodyPr rot="0" spcFirstLastPara="1" vertOverflow="overflow" horzOverflow="overflow" vert="horz" wrap="square" lIns="50800" tIns="50800" rIns="50800" bIns="50800" numCol="1" spcCol="38100" rtlCol="0" anchor="ctr">
+            <a:spAutoFit/>
+          </a:bodyPr>
+          <a:lstStyle/>
+          <a:p>
+            <a:pPr marL="0" marR="0" indent="0" algn="ctr" defTabSz="584200" rtl="0" fontAlgn="auto" latinLnBrk="0" hangingPunct="0">
+              <a:lnSpc>
+                <a:spcPct val="100000"/>
+              </a:lnSpc>
+              <a:spcBef>
+                <a:spcPts val="0"/>
+              </a:spcBef>
+              <a:spcAft>
+                <a:spcPts val="0"/>
+              </a:spcAft>
+              <a:buClrTx/>
+              <a:buSzTx/>
+              <a:buFontTx/>
+              <a:buNone/>
+              <a:tabLst/>
+            </a:pPr>
+            <a:endParaRPr kumimoji="0" lang="en-US" sz="2600" b="0" i="0" u="none" strike="noStrike" cap="none" spc="0" normalizeH="0" baseline="0">
+              <a:ln>
+                <a:noFill/>
+              </a:ln>
+              <a:solidFill>
+                <a:srgbClr val="FFFFFF"/>
+              </a:solidFill>
+              <a:effectLst/>
+              <a:uFillTx/>
+              <a:latin typeface="+mn-lt"/>
+              <a:ea typeface="+mn-ea"/>
+              <a:cs typeface="+mn-cs"/>
+              <a:sym typeface="Helvetica Light"/>
+            </a:endParaRPr>
+          </a:p>
+        </p:txBody>
+      </p:sp>
     </p:spTree>
     <p:extLst>
       <p:ext uri="{BB962C8B-B14F-4D97-AF65-F5344CB8AC3E}">
@@ -13136,6 +16588,83 @@
           </a:p>
         </p:txBody>
       </p:sp>
+      <p:sp>
+        <p:nvSpPr>
+          <p:cNvPr id="7" name="PB"/>
+          <p:cNvSpPr/>
+          <p:nvPr/>
+        </p:nvSpPr>
+        <p:spPr>
+          <a:xfrm>
+            <a:off x="0" y="9601200"/>
+            <a:ext cx="1121103" cy="152400"/>
+          </a:xfrm>
+          <a:prstGeom prst="rect">
+            <a:avLst/>
+          </a:prstGeom>
+          <a:blipFill rotWithShape="1">
+            <a:blip r:embed="rId2"/>
+            <a:srcRect/>
+            <a:tile tx="0" ty="0" sx="100000" sy="100000" flip="none" algn="tl"/>
+          </a:blipFill>
+          <a:ln w="12700" cap="flat">
+            <a:noFill/>
+            <a:miter lim="400000"/>
+          </a:ln>
+          <a:effectLst/>
+          <a:sp3d/>
+        </p:spPr>
+        <p:style>
+          <a:lnRef idx="0">
+            <a:scrgbClr r="0" g="0" b="0"/>
+          </a:lnRef>
+          <a:fillRef idx="0">
+            <a:scrgbClr r="0" g="0" b="0"/>
+          </a:fillRef>
+          <a:effectRef idx="0">
+            <a:scrgbClr r="0" g="0" b="0"/>
+          </a:effectRef>
+          <a:fontRef idx="none"/>
+        </p:style>
+        <p:txBody>
+          <a:bodyPr rot="0" spcFirstLastPara="1" vertOverflow="overflow" horzOverflow="overflow" vert="horz" wrap="square" lIns="50800" tIns="50800" rIns="50800" bIns="50800" numCol="1" spcCol="38100" rtlCol="0" anchor="ctr">
+            <a:spAutoFit/>
+          </a:bodyPr>
+          <a:lstStyle/>
+          <a:p>
+            <a:pPr marL="0" marR="0" indent="0" algn="ctr" defTabSz="584200" rtl="0" fontAlgn="auto" latinLnBrk="0" hangingPunct="0">
+              <a:lnSpc>
+                <a:spcPct val="100000"/>
+              </a:lnSpc>
+              <a:spcBef>
+                <a:spcPts val="0"/>
+              </a:spcBef>
+              <a:spcAft>
+                <a:spcPts val="0"/>
+              </a:spcAft>
+              <a:buClrTx/>
+              <a:buSzTx/>
+              <a:buFontTx/>
+              <a:buNone/>
+              <a:tabLst/>
+            </a:pPr>
+            <a:endParaRPr kumimoji="0" lang="en-US" sz="2600" b="0" i="0" u="none" strike="noStrike" cap="none" spc="0" normalizeH="0" baseline="0">
+              <a:ln>
+                <a:noFill/>
+              </a:ln>
+              <a:solidFill>
+                <a:srgbClr val="FFFFFF"/>
+              </a:solidFill>
+              <a:effectLst/>
+              <a:uFillTx/>
+              <a:latin typeface="+mn-lt"/>
+              <a:ea typeface="+mn-ea"/>
+              <a:cs typeface="+mn-cs"/>
+              <a:sym typeface="Helvetica Light"/>
+            </a:endParaRPr>
+          </a:p>
+        </p:txBody>
+      </p:sp>
     </p:spTree>
     <p:extLst>
       <p:ext uri="{BB962C8B-B14F-4D97-AF65-F5344CB8AC3E}">
@@ -13147,6 +16676,13 @@
     <a:masterClrMapping/>
   </p:clrMapOvr>
   <p:transition xmlns:p14="http://schemas.microsoft.com/office/powerpoint/2010/main" spd="med"/>
+  <p:timing>
+    <p:tnLst>
+      <p:par>
+        <p:cTn xmlns:p14="http://schemas.microsoft.com/office/powerpoint/2010/main" id="1" dur="indefinite" restart="never" nodeType="tmRoot"/>
+      </p:par>
+    </p:tnLst>
+  </p:timing>
 </p:sld>
 </file>
 
@@ -13337,6 +16873,83 @@
                   <a:lumOff val="40000"/>
                 </a:schemeClr>
               </a:solidFill>
+            </a:endParaRPr>
+          </a:p>
+        </p:txBody>
+      </p:sp>
+      <p:sp>
+        <p:nvSpPr>
+          <p:cNvPr id="7" name="PB"/>
+          <p:cNvSpPr/>
+          <p:nvPr/>
+        </p:nvSpPr>
+        <p:spPr>
+          <a:xfrm>
+            <a:off x="0" y="9601200"/>
+            <a:ext cx="11211034" cy="152400"/>
+          </a:xfrm>
+          <a:prstGeom prst="rect">
+            <a:avLst/>
+          </a:prstGeom>
+          <a:blipFill rotWithShape="1">
+            <a:blip r:embed="rId3"/>
+            <a:srcRect/>
+            <a:tile tx="0" ty="0" sx="100000" sy="100000" flip="none" algn="tl"/>
+          </a:blipFill>
+          <a:ln w="12700" cap="flat">
+            <a:noFill/>
+            <a:miter lim="400000"/>
+          </a:ln>
+          <a:effectLst/>
+          <a:sp3d/>
+        </p:spPr>
+        <p:style>
+          <a:lnRef idx="0">
+            <a:scrgbClr r="0" g="0" b="0"/>
+          </a:lnRef>
+          <a:fillRef idx="0">
+            <a:scrgbClr r="0" g="0" b="0"/>
+          </a:fillRef>
+          <a:effectRef idx="0">
+            <a:scrgbClr r="0" g="0" b="0"/>
+          </a:effectRef>
+          <a:fontRef idx="none"/>
+        </p:style>
+        <p:txBody>
+          <a:bodyPr rot="0" spcFirstLastPara="1" vertOverflow="overflow" horzOverflow="overflow" vert="horz" wrap="square" lIns="50800" tIns="50800" rIns="50800" bIns="50800" numCol="1" spcCol="38100" rtlCol="0" anchor="ctr">
+            <a:spAutoFit/>
+          </a:bodyPr>
+          <a:lstStyle/>
+          <a:p>
+            <a:pPr marL="0" marR="0" indent="0" algn="ctr" defTabSz="584200" rtl="0" fontAlgn="auto" latinLnBrk="0" hangingPunct="0">
+              <a:lnSpc>
+                <a:spcPct val="100000"/>
+              </a:lnSpc>
+              <a:spcBef>
+                <a:spcPts val="0"/>
+              </a:spcBef>
+              <a:spcAft>
+                <a:spcPts val="0"/>
+              </a:spcAft>
+              <a:buClrTx/>
+              <a:buSzTx/>
+              <a:buFontTx/>
+              <a:buNone/>
+              <a:tabLst/>
+            </a:pPr>
+            <a:endParaRPr kumimoji="0" lang="en-US" sz="2600" b="0" i="0" u="none" strike="noStrike" cap="none" spc="0" normalizeH="0" baseline="0">
+              <a:ln>
+                <a:noFill/>
+              </a:ln>
+              <a:solidFill>
+                <a:srgbClr val="FFFFFF"/>
+              </a:solidFill>
+              <a:effectLst/>
+              <a:uFillTx/>
+              <a:latin typeface="+mn-lt"/>
+              <a:ea typeface="+mn-ea"/>
+              <a:cs typeface="+mn-cs"/>
+              <a:sym typeface="Helvetica Light"/>
             </a:endParaRPr>
           </a:p>
         </p:txBody>
@@ -13434,6 +17047,83 @@
               <a:t>/ is down a folder</a:t>
             </a:r>
             <a:endParaRPr lang="en-US" dirty="0"/>
+          </a:p>
+        </p:txBody>
+      </p:sp>
+      <p:sp>
+        <p:nvSpPr>
+          <p:cNvPr id="7" name="PB"/>
+          <p:cNvSpPr/>
+          <p:nvPr/>
+        </p:nvSpPr>
+        <p:spPr>
+          <a:xfrm>
+            <a:off x="0" y="9601200"/>
+            <a:ext cx="11435255" cy="152400"/>
+          </a:xfrm>
+          <a:prstGeom prst="rect">
+            <a:avLst/>
+          </a:prstGeom>
+          <a:blipFill rotWithShape="1">
+            <a:blip r:embed="rId2"/>
+            <a:srcRect/>
+            <a:tile tx="0" ty="0" sx="100000" sy="100000" flip="none" algn="tl"/>
+          </a:blipFill>
+          <a:ln w="12700" cap="flat">
+            <a:noFill/>
+            <a:miter lim="400000"/>
+          </a:ln>
+          <a:effectLst/>
+          <a:sp3d/>
+        </p:spPr>
+        <p:style>
+          <a:lnRef idx="0">
+            <a:scrgbClr r="0" g="0" b="0"/>
+          </a:lnRef>
+          <a:fillRef idx="0">
+            <a:scrgbClr r="0" g="0" b="0"/>
+          </a:fillRef>
+          <a:effectRef idx="0">
+            <a:scrgbClr r="0" g="0" b="0"/>
+          </a:effectRef>
+          <a:fontRef idx="none"/>
+        </p:style>
+        <p:txBody>
+          <a:bodyPr rot="0" spcFirstLastPara="1" vertOverflow="overflow" horzOverflow="overflow" vert="horz" wrap="square" lIns="50800" tIns="50800" rIns="50800" bIns="50800" numCol="1" spcCol="38100" rtlCol="0" anchor="ctr">
+            <a:spAutoFit/>
+          </a:bodyPr>
+          <a:lstStyle/>
+          <a:p>
+            <a:pPr marL="0" marR="0" indent="0" algn="ctr" defTabSz="584200" rtl="0" fontAlgn="auto" latinLnBrk="0" hangingPunct="0">
+              <a:lnSpc>
+                <a:spcPct val="100000"/>
+              </a:lnSpc>
+              <a:spcBef>
+                <a:spcPts val="0"/>
+              </a:spcBef>
+              <a:spcAft>
+                <a:spcPts val="0"/>
+              </a:spcAft>
+              <a:buClrTx/>
+              <a:buSzTx/>
+              <a:buFontTx/>
+              <a:buNone/>
+              <a:tabLst/>
+            </a:pPr>
+            <a:endParaRPr kumimoji="0" lang="en-US" sz="2600" b="0" i="0" u="none" strike="noStrike" cap="none" spc="0" normalizeH="0" baseline="0">
+              <a:ln>
+                <a:noFill/>
+              </a:ln>
+              <a:solidFill>
+                <a:srgbClr val="FFFFFF"/>
+              </a:solidFill>
+              <a:effectLst/>
+              <a:uFillTx/>
+              <a:latin typeface="+mn-lt"/>
+              <a:ea typeface="+mn-ea"/>
+              <a:cs typeface="+mn-cs"/>
+              <a:sym typeface="Helvetica Light"/>
+            </a:endParaRPr>
           </a:p>
         </p:txBody>
       </p:sp>
@@ -13751,6 +17441,83 @@
           </a:p>
         </p:txBody>
       </p:sp>
+      <p:sp>
+        <p:nvSpPr>
+          <p:cNvPr id="8" name="PB"/>
+          <p:cNvSpPr/>
+          <p:nvPr/>
+        </p:nvSpPr>
+        <p:spPr>
+          <a:xfrm>
+            <a:off x="0" y="9601200"/>
+            <a:ext cx="11659476" cy="152400"/>
+          </a:xfrm>
+          <a:prstGeom prst="rect">
+            <a:avLst/>
+          </a:prstGeom>
+          <a:blipFill rotWithShape="1">
+            <a:blip r:embed="rId3"/>
+            <a:srcRect/>
+            <a:tile tx="0" ty="0" sx="100000" sy="100000" flip="none" algn="tl"/>
+          </a:blipFill>
+          <a:ln w="12700" cap="flat">
+            <a:noFill/>
+            <a:miter lim="400000"/>
+          </a:ln>
+          <a:effectLst/>
+          <a:sp3d/>
+        </p:spPr>
+        <p:style>
+          <a:lnRef idx="0">
+            <a:scrgbClr r="0" g="0" b="0"/>
+          </a:lnRef>
+          <a:fillRef idx="0">
+            <a:scrgbClr r="0" g="0" b="0"/>
+          </a:fillRef>
+          <a:effectRef idx="0">
+            <a:scrgbClr r="0" g="0" b="0"/>
+          </a:effectRef>
+          <a:fontRef idx="none"/>
+        </p:style>
+        <p:txBody>
+          <a:bodyPr rot="0" spcFirstLastPara="1" vertOverflow="overflow" horzOverflow="overflow" vert="horz" wrap="square" lIns="50800" tIns="50800" rIns="50800" bIns="50800" numCol="1" spcCol="38100" rtlCol="0" anchor="ctr">
+            <a:spAutoFit/>
+          </a:bodyPr>
+          <a:lstStyle/>
+          <a:p>
+            <a:pPr marL="0" marR="0" indent="0" algn="ctr" defTabSz="584200" rtl="0" fontAlgn="auto" latinLnBrk="0" hangingPunct="0">
+              <a:lnSpc>
+                <a:spcPct val="100000"/>
+              </a:lnSpc>
+              <a:spcBef>
+                <a:spcPts val="0"/>
+              </a:spcBef>
+              <a:spcAft>
+                <a:spcPts val="0"/>
+              </a:spcAft>
+              <a:buClrTx/>
+              <a:buSzTx/>
+              <a:buFontTx/>
+              <a:buNone/>
+              <a:tabLst/>
+            </a:pPr>
+            <a:endParaRPr kumimoji="0" lang="en-US" sz="2600" b="0" i="0" u="none" strike="noStrike" cap="none" spc="0" normalizeH="0" baseline="0">
+              <a:ln>
+                <a:noFill/>
+              </a:ln>
+              <a:solidFill>
+                <a:srgbClr val="FFFFFF"/>
+              </a:solidFill>
+              <a:effectLst/>
+              <a:uFillTx/>
+              <a:latin typeface="+mn-lt"/>
+              <a:ea typeface="+mn-ea"/>
+              <a:cs typeface="+mn-cs"/>
+              <a:sym typeface="Helvetica Light"/>
+            </a:endParaRPr>
+          </a:p>
+        </p:txBody>
+      </p:sp>
     </p:spTree>
     <p:extLst>
       <p:ext uri="{BB962C8B-B14F-4D97-AF65-F5344CB8AC3E}">
@@ -13855,6 +17622,83 @@
               <a:t>”</a:t>
             </a:r>
             <a:endParaRPr lang="en-US" b="1" dirty="0"/>
+          </a:p>
+        </p:txBody>
+      </p:sp>
+      <p:sp>
+        <p:nvSpPr>
+          <p:cNvPr id="7" name="PB"/>
+          <p:cNvSpPr/>
+          <p:nvPr/>
+        </p:nvSpPr>
+        <p:spPr>
+          <a:xfrm>
+            <a:off x="0" y="9601200"/>
+            <a:ext cx="11883696" cy="152400"/>
+          </a:xfrm>
+          <a:prstGeom prst="rect">
+            <a:avLst/>
+          </a:prstGeom>
+          <a:blipFill rotWithShape="1">
+            <a:blip r:embed="rId2"/>
+            <a:srcRect/>
+            <a:tile tx="0" ty="0" sx="100000" sy="100000" flip="none" algn="tl"/>
+          </a:blipFill>
+          <a:ln w="12700" cap="flat">
+            <a:noFill/>
+            <a:miter lim="400000"/>
+          </a:ln>
+          <a:effectLst/>
+          <a:sp3d/>
+        </p:spPr>
+        <p:style>
+          <a:lnRef idx="0">
+            <a:scrgbClr r="0" g="0" b="0"/>
+          </a:lnRef>
+          <a:fillRef idx="0">
+            <a:scrgbClr r="0" g="0" b="0"/>
+          </a:fillRef>
+          <a:effectRef idx="0">
+            <a:scrgbClr r="0" g="0" b="0"/>
+          </a:effectRef>
+          <a:fontRef idx="none"/>
+        </p:style>
+        <p:txBody>
+          <a:bodyPr rot="0" spcFirstLastPara="1" vertOverflow="overflow" horzOverflow="overflow" vert="horz" wrap="square" lIns="50800" tIns="50800" rIns="50800" bIns="50800" numCol="1" spcCol="38100" rtlCol="0" anchor="ctr">
+            <a:spAutoFit/>
+          </a:bodyPr>
+          <a:lstStyle/>
+          <a:p>
+            <a:pPr marL="0" marR="0" indent="0" algn="ctr" defTabSz="584200" rtl="0" fontAlgn="auto" latinLnBrk="0" hangingPunct="0">
+              <a:lnSpc>
+                <a:spcPct val="100000"/>
+              </a:lnSpc>
+              <a:spcBef>
+                <a:spcPts val="0"/>
+              </a:spcBef>
+              <a:spcAft>
+                <a:spcPts val="0"/>
+              </a:spcAft>
+              <a:buClrTx/>
+              <a:buSzTx/>
+              <a:buFontTx/>
+              <a:buNone/>
+              <a:tabLst/>
+            </a:pPr>
+            <a:endParaRPr kumimoji="0" lang="en-US" sz="2600" b="0" i="0" u="none" strike="noStrike" cap="none" spc="0" normalizeH="0" baseline="0">
+              <a:ln>
+                <a:noFill/>
+              </a:ln>
+              <a:solidFill>
+                <a:srgbClr val="FFFFFF"/>
+              </a:solidFill>
+              <a:effectLst/>
+              <a:uFillTx/>
+              <a:latin typeface="+mn-lt"/>
+              <a:ea typeface="+mn-ea"/>
+              <a:cs typeface="+mn-cs"/>
+              <a:sym typeface="Helvetica Light"/>
+            </a:endParaRPr>
           </a:p>
         </p:txBody>
       </p:sp>
@@ -14071,6 +17915,83 @@
           </a:extLst>
         </p:spPr>
       </p:pic>
+      <p:sp>
+        <p:nvSpPr>
+          <p:cNvPr id="8" name="PB"/>
+          <p:cNvSpPr/>
+          <p:nvPr/>
+        </p:nvSpPr>
+        <p:spPr>
+          <a:xfrm>
+            <a:off x="0" y="9601200"/>
+            <a:ext cx="12107918" cy="152400"/>
+          </a:xfrm>
+          <a:prstGeom prst="rect">
+            <a:avLst/>
+          </a:prstGeom>
+          <a:blipFill rotWithShape="1">
+            <a:blip r:embed="rId3"/>
+            <a:srcRect/>
+            <a:tile tx="0" ty="0" sx="100000" sy="100000" flip="none" algn="tl"/>
+          </a:blipFill>
+          <a:ln w="12700" cap="flat">
+            <a:noFill/>
+            <a:miter lim="400000"/>
+          </a:ln>
+          <a:effectLst/>
+          <a:sp3d/>
+        </p:spPr>
+        <p:style>
+          <a:lnRef idx="0">
+            <a:scrgbClr r="0" g="0" b="0"/>
+          </a:lnRef>
+          <a:fillRef idx="0">
+            <a:scrgbClr r="0" g="0" b="0"/>
+          </a:fillRef>
+          <a:effectRef idx="0">
+            <a:scrgbClr r="0" g="0" b="0"/>
+          </a:effectRef>
+          <a:fontRef idx="none"/>
+        </p:style>
+        <p:txBody>
+          <a:bodyPr rot="0" spcFirstLastPara="1" vertOverflow="overflow" horzOverflow="overflow" vert="horz" wrap="square" lIns="50800" tIns="50800" rIns="50800" bIns="50800" numCol="1" spcCol="38100" rtlCol="0" anchor="ctr">
+            <a:spAutoFit/>
+          </a:bodyPr>
+          <a:lstStyle/>
+          <a:p>
+            <a:pPr marL="0" marR="0" indent="0" algn="ctr" defTabSz="584200" rtl="0" fontAlgn="auto" latinLnBrk="0" hangingPunct="0">
+              <a:lnSpc>
+                <a:spcPct val="100000"/>
+              </a:lnSpc>
+              <a:spcBef>
+                <a:spcPts val="0"/>
+              </a:spcBef>
+              <a:spcAft>
+                <a:spcPts val="0"/>
+              </a:spcAft>
+              <a:buClrTx/>
+              <a:buSzTx/>
+              <a:buFontTx/>
+              <a:buNone/>
+              <a:tabLst/>
+            </a:pPr>
+            <a:endParaRPr kumimoji="0" lang="en-US" sz="2600" b="0" i="0" u="none" strike="noStrike" cap="none" spc="0" normalizeH="0" baseline="0">
+              <a:ln>
+                <a:noFill/>
+              </a:ln>
+              <a:solidFill>
+                <a:srgbClr val="FFFFFF"/>
+              </a:solidFill>
+              <a:effectLst/>
+              <a:uFillTx/>
+              <a:latin typeface="+mn-lt"/>
+              <a:ea typeface="+mn-ea"/>
+              <a:cs typeface="+mn-cs"/>
+              <a:sym typeface="Helvetica Light"/>
+            </a:endParaRPr>
+          </a:p>
+        </p:txBody>
+      </p:sp>
     </p:spTree>
     <p:extLst>
       <p:ext uri="{BB962C8B-B14F-4D97-AF65-F5344CB8AC3E}">
@@ -14180,6 +18101,83 @@
           </a:p>
         </p:txBody>
       </p:sp>
+      <p:sp>
+        <p:nvSpPr>
+          <p:cNvPr id="7" name="PB"/>
+          <p:cNvSpPr/>
+          <p:nvPr/>
+        </p:nvSpPr>
+        <p:spPr>
+          <a:xfrm>
+            <a:off x="0" y="9601200"/>
+            <a:ext cx="12332138" cy="152400"/>
+          </a:xfrm>
+          <a:prstGeom prst="rect">
+            <a:avLst/>
+          </a:prstGeom>
+          <a:blipFill rotWithShape="1">
+            <a:blip r:embed="rId2"/>
+            <a:srcRect/>
+            <a:tile tx="0" ty="0" sx="100000" sy="100000" flip="none" algn="tl"/>
+          </a:blipFill>
+          <a:ln w="12700" cap="flat">
+            <a:noFill/>
+            <a:miter lim="400000"/>
+          </a:ln>
+          <a:effectLst/>
+          <a:sp3d/>
+        </p:spPr>
+        <p:style>
+          <a:lnRef idx="0">
+            <a:scrgbClr r="0" g="0" b="0"/>
+          </a:lnRef>
+          <a:fillRef idx="0">
+            <a:scrgbClr r="0" g="0" b="0"/>
+          </a:fillRef>
+          <a:effectRef idx="0">
+            <a:scrgbClr r="0" g="0" b="0"/>
+          </a:effectRef>
+          <a:fontRef idx="none"/>
+        </p:style>
+        <p:txBody>
+          <a:bodyPr rot="0" spcFirstLastPara="1" vertOverflow="overflow" horzOverflow="overflow" vert="horz" wrap="square" lIns="50800" tIns="50800" rIns="50800" bIns="50800" numCol="1" spcCol="38100" rtlCol="0" anchor="ctr">
+            <a:spAutoFit/>
+          </a:bodyPr>
+          <a:lstStyle/>
+          <a:p>
+            <a:pPr marL="0" marR="0" indent="0" algn="ctr" defTabSz="584200" rtl="0" fontAlgn="auto" latinLnBrk="0" hangingPunct="0">
+              <a:lnSpc>
+                <a:spcPct val="100000"/>
+              </a:lnSpc>
+              <a:spcBef>
+                <a:spcPts val="0"/>
+              </a:spcBef>
+              <a:spcAft>
+                <a:spcPts val="0"/>
+              </a:spcAft>
+              <a:buClrTx/>
+              <a:buSzTx/>
+              <a:buFontTx/>
+              <a:buNone/>
+              <a:tabLst/>
+            </a:pPr>
+            <a:endParaRPr kumimoji="0" lang="en-US" sz="2600" b="0" i="0" u="none" strike="noStrike" cap="none" spc="0" normalizeH="0" baseline="0">
+              <a:ln>
+                <a:noFill/>
+              </a:ln>
+              <a:solidFill>
+                <a:srgbClr val="FFFFFF"/>
+              </a:solidFill>
+              <a:effectLst/>
+              <a:uFillTx/>
+              <a:latin typeface="+mn-lt"/>
+              <a:ea typeface="+mn-ea"/>
+              <a:cs typeface="+mn-cs"/>
+              <a:sym typeface="Helvetica Light"/>
+            </a:endParaRPr>
+          </a:p>
+        </p:txBody>
+      </p:sp>
     </p:spTree>
     <p:extLst>
       <p:ext uri="{BB962C8B-B14F-4D97-AF65-F5344CB8AC3E}">
@@ -14235,7 +18233,7 @@
           <a:p>
             <a:r>
               <a:rPr lang="en-US" dirty="0" smtClean="0"/>
-              <a:t>Dev Complete</a:t>
+              <a:t>Huddle</a:t>
             </a:r>
             <a:endParaRPr lang="en-US" dirty="0"/>
           </a:p>
@@ -14243,19 +18241,81 @@
       </p:sp>
       <p:sp>
         <p:nvSpPr>
-          <p:cNvPr id="6" name="TextBox 5"/>
-          <p:cNvSpPr txBox="1"/>
-          <p:nvPr/>
+          <p:cNvPr id="9" name="Text Placeholder 2"/>
+          <p:cNvSpPr>
+            <a:spLocks noGrp="1"/>
+          </p:cNvSpPr>
+          <p:nvPr>
+            <p:ph type="body" idx="1"/>
+          </p:nvPr>
         </p:nvSpPr>
         <p:spPr>
           <a:xfrm>
-            <a:off x="5126559" y="8281892"/>
-            <a:ext cx="7463295" cy="656590"/>
+            <a:off x="952500" y="2590799"/>
+            <a:ext cx="11099800" cy="4993341"/>
+          </a:xfrm>
+        </p:spPr>
+        <p:txBody>
+          <a:bodyPr anchor="t">
+            <a:normAutofit lnSpcReduction="10000"/>
+          </a:bodyPr>
+          <a:lstStyle/>
+          <a:p>
+            <a:r>
+              <a:rPr lang="en-US" strike="sngStrike" dirty="0"/>
+              <a:t>HTML Semantics</a:t>
+            </a:r>
+          </a:p>
+          <a:p>
+            <a:r>
+              <a:rPr lang="en-US" strike="sngStrike" dirty="0"/>
+              <a:t>Iterative Development</a:t>
+            </a:r>
+          </a:p>
+          <a:p>
+            <a:r>
+              <a:rPr lang="en-US" strike="sngStrike" dirty="0"/>
+              <a:t>Images</a:t>
+            </a:r>
+          </a:p>
+          <a:p>
+            <a:r>
+              <a:rPr lang="en-US" strike="sngStrike" dirty="0"/>
+              <a:t>Input and Buttons</a:t>
+            </a:r>
+          </a:p>
+          <a:p>
+            <a:r>
+              <a:rPr lang="en-US" strike="sngStrike" dirty="0"/>
+              <a:t>Page </a:t>
+            </a:r>
+            <a:r>
+              <a:rPr lang="en-US" strike="sngStrike" dirty="0" smtClean="0"/>
+              <a:t>Navigation</a:t>
+            </a:r>
+            <a:endParaRPr lang="en-US" strike="sngStrike" dirty="0"/>
+          </a:p>
+        </p:txBody>
+      </p:sp>
+      <p:sp>
+        <p:nvSpPr>
+          <p:cNvPr id="6" name="PB"/>
+          <p:cNvSpPr/>
+          <p:nvPr/>
+        </p:nvSpPr>
+        <p:spPr>
+          <a:xfrm>
+            <a:off x="0" y="9601200"/>
+            <a:ext cx="12556358" cy="152400"/>
           </a:xfrm>
           <a:prstGeom prst="rect">
             <a:avLst/>
           </a:prstGeom>
-          <a:noFill/>
+          <a:blipFill rotWithShape="1">
+            <a:blip r:embed="rId3"/>
+            <a:srcRect/>
+            <a:tile tx="0" ty="0" sx="100000" sy="100000" flip="none" algn="tl"/>
+          </a:blipFill>
           <a:ln w="12700" cap="flat">
             <a:noFill/>
             <a:miter lim="400000"/>
@@ -14297,24 +18357,7 @@
               <a:buNone/>
               <a:tabLst/>
             </a:pPr>
-            <a:r>
-              <a:rPr kumimoji="0" lang="en-US" sz="3600" b="0" i="0" u="none" strike="noStrike" cap="none" spc="0" normalizeH="0" baseline="0" dirty="0" smtClean="0">
-                <a:ln>
-                  <a:noFill/>
-                </a:ln>
-                <a:solidFill>
-                  <a:srgbClr val="FFFFFF"/>
-                </a:solidFill>
-                <a:effectLst/>
-                <a:uFillTx/>
-                <a:latin typeface="+mn-lt"/>
-                <a:ea typeface="+mn-ea"/>
-                <a:cs typeface="+mn-cs"/>
-                <a:sym typeface="Helvetica Light"/>
-              </a:rPr>
-              <a:t>Testing… testing… 123</a:t>
-            </a:r>
-            <a:endParaRPr kumimoji="0" lang="en-US" sz="3600" b="0" i="0" u="none" strike="noStrike" cap="none" spc="0" normalizeH="0" baseline="0" dirty="0">
+            <a:endParaRPr kumimoji="0" lang="en-US" sz="2600" b="0" i="0" u="none" strike="noStrike" cap="none" spc="0" normalizeH="0" baseline="0">
               <a:ln>
                 <a:noFill/>
               </a:ln>
@@ -14328,64 +18371,6 @@
               <a:cs typeface="+mn-cs"/>
               <a:sym typeface="Helvetica Light"/>
             </a:endParaRPr>
-          </a:p>
-        </p:txBody>
-      </p:sp>
-      <p:sp>
-        <p:nvSpPr>
-          <p:cNvPr id="9" name="Text Placeholder 2"/>
-          <p:cNvSpPr>
-            <a:spLocks noGrp="1"/>
-          </p:cNvSpPr>
-          <p:nvPr>
-            <p:ph type="body" idx="1"/>
-          </p:nvPr>
-        </p:nvSpPr>
-        <p:spPr>
-          <a:xfrm>
-            <a:off x="952500" y="2590799"/>
-            <a:ext cx="11099800" cy="4993341"/>
-          </a:xfrm>
-        </p:spPr>
-        <p:txBody>
-          <a:bodyPr anchor="t">
-            <a:normAutofit lnSpcReduction="10000"/>
-          </a:bodyPr>
-          <a:lstStyle/>
-          <a:p>
-            <a:r>
-              <a:rPr lang="en-US" strike="sngStrike" dirty="0"/>
-              <a:t>HTML Semantics</a:t>
-            </a:r>
-          </a:p>
-          <a:p>
-            <a:r>
-              <a:rPr lang="en-US" strike="sngStrike" dirty="0"/>
-              <a:t>Iterative Development</a:t>
-            </a:r>
-          </a:p>
-          <a:p>
-            <a:r>
-              <a:rPr lang="en-US" strike="sngStrike" dirty="0"/>
-              <a:t>Images</a:t>
-            </a:r>
-          </a:p>
-          <a:p>
-            <a:r>
-              <a:rPr lang="en-US" strike="sngStrike" dirty="0"/>
-              <a:t>Input and Buttons</a:t>
-            </a:r>
-          </a:p>
-          <a:p>
-            <a:r>
-              <a:rPr lang="en-US" strike="sngStrike" dirty="0"/>
-              <a:t>Page </a:t>
-            </a:r>
-            <a:r>
-              <a:rPr lang="en-US" strike="sngStrike" dirty="0" smtClean="0"/>
-              <a:t>Navigation</a:t>
-            </a:r>
-            <a:endParaRPr lang="en-US" strike="sngStrike" dirty="0"/>
           </a:p>
         </p:txBody>
       </p:sp>
@@ -14456,88 +18441,6 @@
                             </p:childTnLst>
                           </p:cTn>
                         </p:par>
-                        <p:par>
-                          <p:cTn id="7" fill="hold">
-                            <p:stCondLst>
-                              <p:cond delay="350"/>
-                            </p:stCondLst>
-                            <p:childTnLst>
-                              <p:par>
-                                <p:cTn id="8" presetID="2" presetClass="entr" presetSubtype="2" fill="hold" grpId="0" nodeType="afterEffect">
-                                  <p:stCondLst>
-                                    <p:cond delay="0"/>
-                                  </p:stCondLst>
-                                  <p:childTnLst>
-                                    <p:set>
-                                      <p:cBhvr>
-                                        <p:cTn id="9" dur="1" fill="hold">
-                                          <p:stCondLst>
-                                            <p:cond delay="0"/>
-                                          </p:stCondLst>
-                                        </p:cTn>
-                                        <p:tgtEl>
-                                          <p:spTgt spid="6"/>
-                                        </p:tgtEl>
-                                        <p:attrNameLst>
-                                          <p:attrName>style.visibility</p:attrName>
-                                        </p:attrNameLst>
-                                      </p:cBhvr>
-                                      <p:to>
-                                        <p:strVal val="visible"/>
-                                      </p:to>
-                                    </p:set>
-                                    <p:anim calcmode="lin" valueType="num">
-                                      <p:cBhvr additive="base">
-                                        <p:cTn id="10" dur="500" fill="hold"/>
-                                        <p:tgtEl>
-                                          <p:spTgt spid="6"/>
-                                        </p:tgtEl>
-                                        <p:attrNameLst>
-                                          <p:attrName>ppt_x</p:attrName>
-                                        </p:attrNameLst>
-                                      </p:cBhvr>
-                                      <p:tavLst>
-                                        <p:tav tm="0">
-                                          <p:val>
-                                            <p:strVal val="1+#ppt_w/2"/>
-                                          </p:val>
-                                        </p:tav>
-                                        <p:tav tm="100000">
-                                          <p:val>
-                                            <p:strVal val="#ppt_x"/>
-                                          </p:val>
-                                        </p:tav>
-                                      </p:tavLst>
-                                    </p:anim>
-                                    <p:anim calcmode="lin" valueType="num">
-                                      <p:cBhvr additive="base">
-                                        <p:cTn id="11" dur="500" fill="hold"/>
-                                        <p:tgtEl>
-                                          <p:spTgt spid="6"/>
-                                        </p:tgtEl>
-                                        <p:attrNameLst>
-                                          <p:attrName>ppt_y</p:attrName>
-                                        </p:attrNameLst>
-                                      </p:cBhvr>
-                                      <p:tavLst>
-                                        <p:tav tm="0">
-                                          <p:val>
-                                            <p:strVal val="#ppt_y"/>
-                                          </p:val>
-                                        </p:tav>
-                                        <p:tav tm="100000">
-                                          <p:val>
-                                            <p:strVal val="#ppt_y"/>
-                                          </p:val>
-                                        </p:tav>
-                                      </p:tavLst>
-                                    </p:anim>
-                                  </p:childTnLst>
-                                </p:cTn>
-                              </p:par>
-                            </p:childTnLst>
-                          </p:cTn>
-                        </p:par>
                       </p:childTnLst>
                     </p:cTn>
                   </p:par>
@@ -14562,9 +18465,6 @@
         </p:cTn>
       </p:par>
     </p:tnLst>
-    <p:bldLst>
-      <p:bldP spid="6" grpId="0"/>
-    </p:bldLst>
   </p:timing>
 </p:sld>
 </file>
@@ -14709,6 +18609,83 @@
               </a:rPr>
               <a:t>}</a:t>
             </a:r>
+          </a:p>
+        </p:txBody>
+      </p:sp>
+      <p:sp>
+        <p:nvSpPr>
+          <p:cNvPr id="6" name="PB"/>
+          <p:cNvSpPr/>
+          <p:nvPr/>
+        </p:nvSpPr>
+        <p:spPr>
+          <a:xfrm>
+            <a:off x="0" y="9601200"/>
+            <a:ext cx="12780580" cy="152400"/>
+          </a:xfrm>
+          <a:prstGeom prst="rect">
+            <a:avLst/>
+          </a:prstGeom>
+          <a:blipFill rotWithShape="1">
+            <a:blip r:embed="rId3"/>
+            <a:srcRect/>
+            <a:tile tx="0" ty="0" sx="100000" sy="100000" flip="none" algn="tl"/>
+          </a:blipFill>
+          <a:ln w="12700" cap="flat">
+            <a:noFill/>
+            <a:miter lim="400000"/>
+          </a:ln>
+          <a:effectLst/>
+          <a:sp3d/>
+        </p:spPr>
+        <p:style>
+          <a:lnRef idx="0">
+            <a:scrgbClr r="0" g="0" b="0"/>
+          </a:lnRef>
+          <a:fillRef idx="0">
+            <a:scrgbClr r="0" g="0" b="0"/>
+          </a:fillRef>
+          <a:effectRef idx="0">
+            <a:scrgbClr r="0" g="0" b="0"/>
+          </a:effectRef>
+          <a:fontRef idx="none"/>
+        </p:style>
+        <p:txBody>
+          <a:bodyPr rot="0" spcFirstLastPara="1" vertOverflow="overflow" horzOverflow="overflow" vert="horz" wrap="square" lIns="50800" tIns="50800" rIns="50800" bIns="50800" numCol="1" spcCol="38100" rtlCol="0" anchor="ctr">
+            <a:spAutoFit/>
+          </a:bodyPr>
+          <a:lstStyle/>
+          <a:p>
+            <a:pPr marL="0" marR="0" indent="0" algn="ctr" defTabSz="584200" rtl="0" fontAlgn="auto" latinLnBrk="0" hangingPunct="0">
+              <a:lnSpc>
+                <a:spcPct val="100000"/>
+              </a:lnSpc>
+              <a:spcBef>
+                <a:spcPts val="0"/>
+              </a:spcBef>
+              <a:spcAft>
+                <a:spcPts val="0"/>
+              </a:spcAft>
+              <a:buClrTx/>
+              <a:buSzTx/>
+              <a:buFontTx/>
+              <a:buNone/>
+              <a:tabLst/>
+            </a:pPr>
+            <a:endParaRPr kumimoji="0" lang="en-US" sz="2600" b="0" i="0" u="none" strike="noStrike" cap="none" spc="0" normalizeH="0" baseline="0">
+              <a:ln>
+                <a:noFill/>
+              </a:ln>
+              <a:solidFill>
+                <a:srgbClr val="FFFFFF"/>
+              </a:solidFill>
+              <a:effectLst/>
+              <a:uFillTx/>
+              <a:latin typeface="+mn-lt"/>
+              <a:ea typeface="+mn-ea"/>
+              <a:cs typeface="+mn-cs"/>
+              <a:sym typeface="Helvetica Light"/>
+            </a:endParaRPr>
           </a:p>
         </p:txBody>
       </p:sp>
@@ -14935,6 +18912,83 @@
               <a:t>Navigation</a:t>
             </a:r>
             <a:endParaRPr lang="en-US" strike="sngStrike" dirty="0"/>
+          </a:p>
+        </p:txBody>
+      </p:sp>
+      <p:sp>
+        <p:nvSpPr>
+          <p:cNvPr id="7" name="PB"/>
+          <p:cNvSpPr/>
+          <p:nvPr/>
+        </p:nvSpPr>
+        <p:spPr>
+          <a:xfrm>
+            <a:off x="0" y="9601200"/>
+            <a:ext cx="13004800" cy="152400"/>
+          </a:xfrm>
+          <a:prstGeom prst="rect">
+            <a:avLst/>
+          </a:prstGeom>
+          <a:blipFill rotWithShape="1">
+            <a:blip r:embed="rId3"/>
+            <a:srcRect/>
+            <a:tile tx="0" ty="0" sx="100000" sy="100000" flip="none" algn="tl"/>
+          </a:blipFill>
+          <a:ln w="12700" cap="flat">
+            <a:noFill/>
+            <a:miter lim="400000"/>
+          </a:ln>
+          <a:effectLst/>
+          <a:sp3d/>
+        </p:spPr>
+        <p:style>
+          <a:lnRef idx="0">
+            <a:scrgbClr r="0" g="0" b="0"/>
+          </a:lnRef>
+          <a:fillRef idx="0">
+            <a:scrgbClr r="0" g="0" b="0"/>
+          </a:fillRef>
+          <a:effectRef idx="0">
+            <a:scrgbClr r="0" g="0" b="0"/>
+          </a:effectRef>
+          <a:fontRef idx="none"/>
+        </p:style>
+        <p:txBody>
+          <a:bodyPr rot="0" spcFirstLastPara="1" vertOverflow="overflow" horzOverflow="overflow" vert="horz" wrap="square" lIns="50800" tIns="50800" rIns="50800" bIns="50800" numCol="1" spcCol="38100" rtlCol="0" anchor="ctr">
+            <a:spAutoFit/>
+          </a:bodyPr>
+          <a:lstStyle/>
+          <a:p>
+            <a:pPr marL="0" marR="0" indent="0" algn="ctr" defTabSz="584200" rtl="0" fontAlgn="auto" latinLnBrk="0" hangingPunct="0">
+              <a:lnSpc>
+                <a:spcPct val="100000"/>
+              </a:lnSpc>
+              <a:spcBef>
+                <a:spcPts val="0"/>
+              </a:spcBef>
+              <a:spcAft>
+                <a:spcPts val="0"/>
+              </a:spcAft>
+              <a:buClrTx/>
+              <a:buSzTx/>
+              <a:buFontTx/>
+              <a:buNone/>
+              <a:tabLst/>
+            </a:pPr>
+            <a:endParaRPr kumimoji="0" lang="en-US" sz="2600" b="0" i="0" u="none" strike="noStrike" cap="none" spc="0" normalizeH="0" baseline="0">
+              <a:ln>
+                <a:noFill/>
+              </a:ln>
+              <a:solidFill>
+                <a:srgbClr val="FFFFFF"/>
+              </a:solidFill>
+              <a:effectLst/>
+              <a:uFillTx/>
+              <a:latin typeface="+mn-lt"/>
+              <a:ea typeface="+mn-ea"/>
+              <a:cs typeface="+mn-cs"/>
+              <a:sym typeface="Helvetica Light"/>
+            </a:endParaRPr>
           </a:p>
         </p:txBody>
       </p:sp>
@@ -15175,6 +19229,83 @@
           </a:p>
         </p:txBody>
       </p:sp>
+      <p:sp>
+        <p:nvSpPr>
+          <p:cNvPr id="7" name="PB"/>
+          <p:cNvSpPr/>
+          <p:nvPr/>
+        </p:nvSpPr>
+        <p:spPr>
+          <a:xfrm>
+            <a:off x="0" y="9601200"/>
+            <a:ext cx="1345324" cy="152400"/>
+          </a:xfrm>
+          <a:prstGeom prst="rect">
+            <a:avLst/>
+          </a:prstGeom>
+          <a:blipFill rotWithShape="1">
+            <a:blip r:embed="rId2"/>
+            <a:srcRect/>
+            <a:tile tx="0" ty="0" sx="100000" sy="100000" flip="none" algn="tl"/>
+          </a:blipFill>
+          <a:ln w="12700" cap="flat">
+            <a:noFill/>
+            <a:miter lim="400000"/>
+          </a:ln>
+          <a:effectLst/>
+          <a:sp3d/>
+        </p:spPr>
+        <p:style>
+          <a:lnRef idx="0">
+            <a:scrgbClr r="0" g="0" b="0"/>
+          </a:lnRef>
+          <a:fillRef idx="0">
+            <a:scrgbClr r="0" g="0" b="0"/>
+          </a:fillRef>
+          <a:effectRef idx="0">
+            <a:scrgbClr r="0" g="0" b="0"/>
+          </a:effectRef>
+          <a:fontRef idx="none"/>
+        </p:style>
+        <p:txBody>
+          <a:bodyPr rot="0" spcFirstLastPara="1" vertOverflow="overflow" horzOverflow="overflow" vert="horz" wrap="square" lIns="50800" tIns="50800" rIns="50800" bIns="50800" numCol="1" spcCol="38100" rtlCol="0" anchor="ctr">
+            <a:spAutoFit/>
+          </a:bodyPr>
+          <a:lstStyle/>
+          <a:p>
+            <a:pPr marL="0" marR="0" indent="0" algn="ctr" defTabSz="584200" rtl="0" fontAlgn="auto" latinLnBrk="0" hangingPunct="0">
+              <a:lnSpc>
+                <a:spcPct val="100000"/>
+              </a:lnSpc>
+              <a:spcBef>
+                <a:spcPts val="0"/>
+              </a:spcBef>
+              <a:spcAft>
+                <a:spcPts val="0"/>
+              </a:spcAft>
+              <a:buClrTx/>
+              <a:buSzTx/>
+              <a:buFontTx/>
+              <a:buNone/>
+              <a:tabLst/>
+            </a:pPr>
+            <a:endParaRPr kumimoji="0" lang="en-US" sz="2600" b="0" i="0" u="none" strike="noStrike" cap="none" spc="0" normalizeH="0" baseline="0">
+              <a:ln>
+                <a:noFill/>
+              </a:ln>
+              <a:solidFill>
+                <a:srgbClr val="FFFFFF"/>
+              </a:solidFill>
+              <a:effectLst/>
+              <a:uFillTx/>
+              <a:latin typeface="+mn-lt"/>
+              <a:ea typeface="+mn-ea"/>
+              <a:cs typeface="+mn-cs"/>
+              <a:sym typeface="Helvetica Light"/>
+            </a:endParaRPr>
+          </a:p>
+        </p:txBody>
+      </p:sp>
     </p:spTree>
     <p:extLst>
       <p:ext uri="{BB962C8B-B14F-4D97-AF65-F5344CB8AC3E}">
@@ -15240,6 +19371,83 @@
           </a:p>
         </p:txBody>
       </p:sp>
+      <p:sp>
+        <p:nvSpPr>
+          <p:cNvPr id="6" name="PB"/>
+          <p:cNvSpPr/>
+          <p:nvPr/>
+        </p:nvSpPr>
+        <p:spPr>
+          <a:xfrm>
+            <a:off x="0" y="9601200"/>
+            <a:ext cx="1569545" cy="152400"/>
+          </a:xfrm>
+          <a:prstGeom prst="rect">
+            <a:avLst/>
+          </a:prstGeom>
+          <a:blipFill rotWithShape="1">
+            <a:blip r:embed="rId3"/>
+            <a:srcRect/>
+            <a:tile tx="0" ty="0" sx="100000" sy="100000" flip="none" algn="tl"/>
+          </a:blipFill>
+          <a:ln w="12700" cap="flat">
+            <a:noFill/>
+            <a:miter lim="400000"/>
+          </a:ln>
+          <a:effectLst/>
+          <a:sp3d/>
+        </p:spPr>
+        <p:style>
+          <a:lnRef idx="0">
+            <a:scrgbClr r="0" g="0" b="0"/>
+          </a:lnRef>
+          <a:fillRef idx="0">
+            <a:scrgbClr r="0" g="0" b="0"/>
+          </a:fillRef>
+          <a:effectRef idx="0">
+            <a:scrgbClr r="0" g="0" b="0"/>
+          </a:effectRef>
+          <a:fontRef idx="none"/>
+        </p:style>
+        <p:txBody>
+          <a:bodyPr rot="0" spcFirstLastPara="1" vertOverflow="overflow" horzOverflow="overflow" vert="horz" wrap="square" lIns="50800" tIns="50800" rIns="50800" bIns="50800" numCol="1" spcCol="38100" rtlCol="0" anchor="ctr">
+            <a:spAutoFit/>
+          </a:bodyPr>
+          <a:lstStyle/>
+          <a:p>
+            <a:pPr marL="0" marR="0" indent="0" algn="ctr" defTabSz="584200" rtl="0" fontAlgn="auto" latinLnBrk="0" hangingPunct="0">
+              <a:lnSpc>
+                <a:spcPct val="100000"/>
+              </a:lnSpc>
+              <a:spcBef>
+                <a:spcPts val="0"/>
+              </a:spcBef>
+              <a:spcAft>
+                <a:spcPts val="0"/>
+              </a:spcAft>
+              <a:buClrTx/>
+              <a:buSzTx/>
+              <a:buFontTx/>
+              <a:buNone/>
+              <a:tabLst/>
+            </a:pPr>
+            <a:endParaRPr kumimoji="0" lang="en-US" sz="2600" b="0" i="0" u="none" strike="noStrike" cap="none" spc="0" normalizeH="0" baseline="0">
+              <a:ln>
+                <a:noFill/>
+              </a:ln>
+              <a:solidFill>
+                <a:srgbClr val="FFFFFF"/>
+              </a:solidFill>
+              <a:effectLst/>
+              <a:uFillTx/>
+              <a:latin typeface="+mn-lt"/>
+              <a:ea typeface="+mn-ea"/>
+              <a:cs typeface="+mn-cs"/>
+              <a:sym typeface="Helvetica Light"/>
+            </a:endParaRPr>
+          </a:p>
+        </p:txBody>
+      </p:sp>
     </p:spTree>
     <p:extLst>
       <p:ext uri="{BB962C8B-B14F-4D97-AF65-F5344CB8AC3E}">
@@ -15251,6 +19459,13 @@
     <a:masterClrMapping/>
   </p:clrMapOvr>
   <p:transition xmlns:p14="http://schemas.microsoft.com/office/powerpoint/2010/main" spd="med"/>
+  <p:timing>
+    <p:tnLst>
+      <p:par>
+        <p:cTn xmlns:p14="http://schemas.microsoft.com/office/powerpoint/2010/main" id="1" dur="indefinite" restart="never" nodeType="tmRoot"/>
+      </p:par>
+    </p:tnLst>
+  </p:timing>
 </p:sld>
 </file>
 
@@ -15394,6 +19609,83 @@
           </a:p>
         </p:txBody>
       </p:sp>
+      <p:sp>
+        <p:nvSpPr>
+          <p:cNvPr id="7" name="PB"/>
+          <p:cNvSpPr/>
+          <p:nvPr/>
+        </p:nvSpPr>
+        <p:spPr>
+          <a:xfrm>
+            <a:off x="0" y="9601200"/>
+            <a:ext cx="1793766" cy="152400"/>
+          </a:xfrm>
+          <a:prstGeom prst="rect">
+            <a:avLst/>
+          </a:prstGeom>
+          <a:blipFill rotWithShape="1">
+            <a:blip r:embed="rId3"/>
+            <a:srcRect/>
+            <a:tile tx="0" ty="0" sx="100000" sy="100000" flip="none" algn="tl"/>
+          </a:blipFill>
+          <a:ln w="12700" cap="flat">
+            <a:noFill/>
+            <a:miter lim="400000"/>
+          </a:ln>
+          <a:effectLst/>
+          <a:sp3d/>
+        </p:spPr>
+        <p:style>
+          <a:lnRef idx="0">
+            <a:scrgbClr r="0" g="0" b="0"/>
+          </a:lnRef>
+          <a:fillRef idx="0">
+            <a:scrgbClr r="0" g="0" b="0"/>
+          </a:fillRef>
+          <a:effectRef idx="0">
+            <a:scrgbClr r="0" g="0" b="0"/>
+          </a:effectRef>
+          <a:fontRef idx="none"/>
+        </p:style>
+        <p:txBody>
+          <a:bodyPr rot="0" spcFirstLastPara="1" vertOverflow="overflow" horzOverflow="overflow" vert="horz" wrap="square" lIns="50800" tIns="50800" rIns="50800" bIns="50800" numCol="1" spcCol="38100" rtlCol="0" anchor="ctr">
+            <a:spAutoFit/>
+          </a:bodyPr>
+          <a:lstStyle/>
+          <a:p>
+            <a:pPr marL="0" marR="0" indent="0" algn="ctr" defTabSz="584200" rtl="0" fontAlgn="auto" latinLnBrk="0" hangingPunct="0">
+              <a:lnSpc>
+                <a:spcPct val="100000"/>
+              </a:lnSpc>
+              <a:spcBef>
+                <a:spcPts val="0"/>
+              </a:spcBef>
+              <a:spcAft>
+                <a:spcPts val="0"/>
+              </a:spcAft>
+              <a:buClrTx/>
+              <a:buSzTx/>
+              <a:buFontTx/>
+              <a:buNone/>
+              <a:tabLst/>
+            </a:pPr>
+            <a:endParaRPr kumimoji="0" lang="en-US" sz="2600" b="0" i="0" u="none" strike="noStrike" cap="none" spc="0" normalizeH="0" baseline="0">
+              <a:ln>
+                <a:noFill/>
+              </a:ln>
+              <a:solidFill>
+                <a:srgbClr val="FFFFFF"/>
+              </a:solidFill>
+              <a:effectLst/>
+              <a:uFillTx/>
+              <a:latin typeface="+mn-lt"/>
+              <a:ea typeface="+mn-ea"/>
+              <a:cs typeface="+mn-cs"/>
+              <a:sym typeface="Helvetica Light"/>
+            </a:endParaRPr>
+          </a:p>
+        </p:txBody>
+      </p:sp>
     </p:spTree>
     <p:extLst>
       <p:ext uri="{BB962C8B-B14F-4D97-AF65-F5344CB8AC3E}">
@@ -15405,6 +19697,13 @@
     <a:masterClrMapping/>
   </p:clrMapOvr>
   <p:transition xmlns:p14="http://schemas.microsoft.com/office/powerpoint/2010/main" spd="med"/>
+  <p:timing>
+    <p:tnLst>
+      <p:par>
+        <p:cTn xmlns:p14="http://schemas.microsoft.com/office/powerpoint/2010/main" id="1" dur="indefinite" restart="never" nodeType="tmRoot"/>
+      </p:par>
+    </p:tnLst>
+  </p:timing>
 </p:sld>
 </file>
 
@@ -15690,6 +19989,83 @@
           </a:p>
         </p:txBody>
       </p:sp>
+      <p:sp>
+        <p:nvSpPr>
+          <p:cNvPr id="8" name="PB"/>
+          <p:cNvSpPr/>
+          <p:nvPr/>
+        </p:nvSpPr>
+        <p:spPr>
+          <a:xfrm>
+            <a:off x="0" y="9601200"/>
+            <a:ext cx="2017986" cy="152400"/>
+          </a:xfrm>
+          <a:prstGeom prst="rect">
+            <a:avLst/>
+          </a:prstGeom>
+          <a:blipFill rotWithShape="1">
+            <a:blip r:embed="rId3"/>
+            <a:srcRect/>
+            <a:tile tx="0" ty="0" sx="100000" sy="100000" flip="none" algn="tl"/>
+          </a:blipFill>
+          <a:ln w="12700" cap="flat">
+            <a:noFill/>
+            <a:miter lim="400000"/>
+          </a:ln>
+          <a:effectLst/>
+          <a:sp3d/>
+        </p:spPr>
+        <p:style>
+          <a:lnRef idx="0">
+            <a:scrgbClr r="0" g="0" b="0"/>
+          </a:lnRef>
+          <a:fillRef idx="0">
+            <a:scrgbClr r="0" g="0" b="0"/>
+          </a:fillRef>
+          <a:effectRef idx="0">
+            <a:scrgbClr r="0" g="0" b="0"/>
+          </a:effectRef>
+          <a:fontRef idx="none"/>
+        </p:style>
+        <p:txBody>
+          <a:bodyPr rot="0" spcFirstLastPara="1" vertOverflow="overflow" horzOverflow="overflow" vert="horz" wrap="square" lIns="50800" tIns="50800" rIns="50800" bIns="50800" numCol="1" spcCol="38100" rtlCol="0" anchor="ctr">
+            <a:spAutoFit/>
+          </a:bodyPr>
+          <a:lstStyle/>
+          <a:p>
+            <a:pPr marL="0" marR="0" indent="0" algn="ctr" defTabSz="584200" rtl="0" fontAlgn="auto" latinLnBrk="0" hangingPunct="0">
+              <a:lnSpc>
+                <a:spcPct val="100000"/>
+              </a:lnSpc>
+              <a:spcBef>
+                <a:spcPts val="0"/>
+              </a:spcBef>
+              <a:spcAft>
+                <a:spcPts val="0"/>
+              </a:spcAft>
+              <a:buClrTx/>
+              <a:buSzTx/>
+              <a:buFontTx/>
+              <a:buNone/>
+              <a:tabLst/>
+            </a:pPr>
+            <a:endParaRPr kumimoji="0" lang="en-US" sz="2600" b="0" i="0" u="none" strike="noStrike" cap="none" spc="0" normalizeH="0" baseline="0">
+              <a:ln>
+                <a:noFill/>
+              </a:ln>
+              <a:solidFill>
+                <a:srgbClr val="FFFFFF"/>
+              </a:solidFill>
+              <a:effectLst/>
+              <a:uFillTx/>
+              <a:latin typeface="+mn-lt"/>
+              <a:ea typeface="+mn-ea"/>
+              <a:cs typeface="+mn-cs"/>
+              <a:sym typeface="Helvetica Light"/>
+            </a:endParaRPr>
+          </a:p>
+        </p:txBody>
+      </p:sp>
     </p:spTree>
     <p:extLst>
       <p:ext uri="{BB962C8B-B14F-4D97-AF65-F5344CB8AC3E}">
@@ -15701,6 +20077,13 @@
     <a:masterClrMapping/>
   </p:clrMapOvr>
   <p:transition xmlns:p14="http://schemas.microsoft.com/office/powerpoint/2010/main" spd="med"/>
+  <p:timing>
+    <p:tnLst>
+      <p:par>
+        <p:cTn xmlns:p14="http://schemas.microsoft.com/office/powerpoint/2010/main" id="1" dur="indefinite" restart="never" nodeType="tmRoot"/>
+      </p:par>
+    </p:tnLst>
+  </p:timing>
 </p:sld>
 </file>
 
@@ -16775,7 +21158,7 @@
   <a:extraClrSchemeLst/>
   <a:extLst>
     <a:ext uri="{05A4C25C-085E-4340-85A3-A5531E510DB2}">
-      <thm15:themeFamily xmlns="" xmlns:thm15="http://schemas.microsoft.com/office/thememl/2012/main" name="Day3 JS Class" id="{D4F05966-464E-784D-BF29-31F7893CCB96}" vid="{C32FFA51-6A7F-6940-8C20-C86CE7F3094E}"/>
+      <thm15:themeFamily xmlns:thm15="http://schemas.microsoft.com/office/thememl/2012/main" xmlns="" name="Day3 JS Class" id="{D4F05966-464E-784D-BF29-31F7893CCB96}" vid="{C32FFA51-6A7F-6940-8C20-C86CE7F3094E}"/>
     </a:ext>
   </a:extLst>
 </a:theme>

--- a/Class Presentations/Day3 JS Class.pptx
+++ b/Class Presentations/Day3 JS Class.pptx
@@ -5771,7 +5771,7 @@
       </p:sp>
       <p:sp>
         <p:nvSpPr>
-          <p:cNvPr id="5" name="PB"/>
+          <p:cNvPr id="6" name="PB"/>
           <p:cNvSpPr/>
           <p:nvPr/>
         </p:nvSpPr>
@@ -5783,11 +5783,9 @@
           <a:prstGeom prst="rect">
             <a:avLst/>
           </a:prstGeom>
-          <a:blipFill rotWithShape="1">
-            <a:blip r:embed="rId2"/>
-            <a:srcRect/>
-            <a:tile tx="0" ty="0" sx="100000" sy="100000" flip="none" algn="tl"/>
-          </a:blipFill>
+          <a:solidFill>
+            <a:srgbClr val="00A6AC"/>
+          </a:solidFill>
           <a:ln w="12700" cap="flat">
             <a:noFill/>
             <a:miter lim="400000"/>
@@ -5968,7 +5966,7 @@
       </p:sp>
       <p:sp>
         <p:nvSpPr>
-          <p:cNvPr id="7" name="PB"/>
+          <p:cNvPr id="8" name="PB"/>
           <p:cNvSpPr/>
           <p:nvPr/>
         </p:nvSpPr>
@@ -5980,11 +5978,9 @@
           <a:prstGeom prst="rect">
             <a:avLst/>
           </a:prstGeom>
-          <a:blipFill rotWithShape="1">
-            <a:blip r:embed="rId3"/>
-            <a:srcRect/>
-            <a:tile tx="0" ty="0" sx="100000" sy="100000" flip="none" algn="tl"/>
-          </a:blipFill>
+          <a:solidFill>
+            <a:srgbClr val="00A6AC"/>
+          </a:solidFill>
           <a:ln w="12700" cap="flat">
             <a:noFill/>
             <a:miter lim="400000"/>
@@ -6242,7 +6238,7 @@
       </p:sp>
       <p:sp>
         <p:nvSpPr>
-          <p:cNvPr id="7" name="PB"/>
+          <p:cNvPr id="8" name="PB"/>
           <p:cNvSpPr/>
           <p:nvPr/>
         </p:nvSpPr>
@@ -6254,11 +6250,9 @@
           <a:prstGeom prst="rect">
             <a:avLst/>
           </a:prstGeom>
-          <a:blipFill rotWithShape="1">
-            <a:blip r:embed="rId3"/>
-            <a:srcRect/>
-            <a:tile tx="0" ty="0" sx="100000" sy="100000" flip="none" algn="tl"/>
-          </a:blipFill>
+          <a:solidFill>
+            <a:srgbClr val="00A6AC"/>
+          </a:solidFill>
           <a:ln w="12700" cap="flat">
             <a:noFill/>
             <a:miter lim="400000"/>
@@ -6605,7 +6599,7 @@
       </p:sp>
       <p:sp>
         <p:nvSpPr>
-          <p:cNvPr id="8" name="PB"/>
+          <p:cNvPr id="9" name="PB"/>
           <p:cNvSpPr/>
           <p:nvPr/>
         </p:nvSpPr>
@@ -6617,11 +6611,9 @@
           <a:prstGeom prst="rect">
             <a:avLst/>
           </a:prstGeom>
-          <a:blipFill rotWithShape="1">
-            <a:blip r:embed="rId3"/>
-            <a:srcRect/>
-            <a:tile tx="0" ty="0" sx="100000" sy="100000" flip="none" algn="tl"/>
-          </a:blipFill>
+          <a:solidFill>
+            <a:srgbClr val="00A6AC"/>
+          </a:solidFill>
           <a:ln w="12700" cap="flat">
             <a:noFill/>
             <a:miter lim="400000"/>
@@ -6912,7 +6904,7 @@
       </p:sp>
       <p:sp>
         <p:nvSpPr>
-          <p:cNvPr id="8" name="PB"/>
+          <p:cNvPr id="9" name="PB"/>
           <p:cNvSpPr/>
           <p:nvPr/>
         </p:nvSpPr>
@@ -6924,11 +6916,9 @@
           <a:prstGeom prst="rect">
             <a:avLst/>
           </a:prstGeom>
-          <a:blipFill rotWithShape="1">
-            <a:blip r:embed="rId3"/>
-            <a:srcRect/>
-            <a:tile tx="0" ty="0" sx="100000" sy="100000" flip="none" algn="tl"/>
-          </a:blipFill>
+          <a:solidFill>
+            <a:srgbClr val="00A6AC"/>
+          </a:solidFill>
           <a:ln w="12700" cap="flat">
             <a:noFill/>
             <a:miter lim="400000"/>
@@ -7194,7 +7184,7 @@
       </p:sp>
       <p:sp>
         <p:nvSpPr>
-          <p:cNvPr id="8" name="PB"/>
+          <p:cNvPr id="9" name="PB"/>
           <p:cNvSpPr/>
           <p:nvPr/>
         </p:nvSpPr>
@@ -7206,11 +7196,9 @@
           <a:prstGeom prst="rect">
             <a:avLst/>
           </a:prstGeom>
-          <a:blipFill rotWithShape="1">
-            <a:blip r:embed="rId3"/>
-            <a:srcRect/>
-            <a:tile tx="0" ty="0" sx="100000" sy="100000" flip="none" algn="tl"/>
-          </a:blipFill>
+          <a:solidFill>
+            <a:srgbClr val="00A6AC"/>
+          </a:solidFill>
           <a:ln w="12700" cap="flat">
             <a:noFill/>
             <a:miter lim="400000"/>
@@ -7466,7 +7454,7 @@
       </p:sp>
       <p:sp>
         <p:nvSpPr>
-          <p:cNvPr id="8" name="PB"/>
+          <p:cNvPr id="9" name="PB"/>
           <p:cNvSpPr/>
           <p:nvPr/>
         </p:nvSpPr>
@@ -7478,11 +7466,9 @@
           <a:prstGeom prst="rect">
             <a:avLst/>
           </a:prstGeom>
-          <a:blipFill rotWithShape="1">
-            <a:blip r:embed="rId3"/>
-            <a:srcRect/>
-            <a:tile tx="0" ty="0" sx="100000" sy="100000" flip="none" algn="tl"/>
-          </a:blipFill>
+          <a:solidFill>
+            <a:srgbClr val="00A6AC"/>
+          </a:solidFill>
           <a:ln w="12700" cap="flat">
             <a:noFill/>
             <a:miter lim="400000"/>
@@ -7780,7 +7766,7 @@
       </p:sp>
       <p:sp>
         <p:nvSpPr>
-          <p:cNvPr id="8" name="PB"/>
+          <p:cNvPr id="9" name="PB"/>
           <p:cNvSpPr/>
           <p:nvPr/>
         </p:nvSpPr>
@@ -7792,11 +7778,9 @@
           <a:prstGeom prst="rect">
             <a:avLst/>
           </a:prstGeom>
-          <a:blipFill rotWithShape="1">
-            <a:blip r:embed="rId3"/>
-            <a:srcRect/>
-            <a:tile tx="0" ty="0" sx="100000" sy="100000" flip="none" algn="tl"/>
-          </a:blipFill>
+          <a:solidFill>
+            <a:srgbClr val="00A6AC"/>
+          </a:solidFill>
           <a:ln w="12700" cap="flat">
             <a:noFill/>
             <a:miter lim="400000"/>
@@ -8150,7 +8134,7 @@
       </p:sp>
       <p:sp>
         <p:nvSpPr>
-          <p:cNvPr id="8" name="PB"/>
+          <p:cNvPr id="9" name="PB"/>
           <p:cNvSpPr/>
           <p:nvPr/>
         </p:nvSpPr>
@@ -8162,11 +8146,9 @@
           <a:prstGeom prst="rect">
             <a:avLst/>
           </a:prstGeom>
-          <a:blipFill rotWithShape="1">
-            <a:blip r:embed="rId3"/>
-            <a:srcRect/>
-            <a:tile tx="0" ty="0" sx="100000" sy="100000" flip="none" algn="tl"/>
-          </a:blipFill>
+          <a:solidFill>
+            <a:srgbClr val="00A6AC"/>
+          </a:solidFill>
           <a:ln w="12700" cap="flat">
             <a:noFill/>
             <a:miter lim="400000"/>
@@ -8546,7 +8528,7 @@
       </p:sp>
       <p:sp>
         <p:nvSpPr>
-          <p:cNvPr id="8" name="PB"/>
+          <p:cNvPr id="9" name="PB"/>
           <p:cNvSpPr/>
           <p:nvPr/>
         </p:nvSpPr>
@@ -8558,11 +8540,9 @@
           <a:prstGeom prst="rect">
             <a:avLst/>
           </a:prstGeom>
-          <a:blipFill rotWithShape="1">
-            <a:blip r:embed="rId3"/>
-            <a:srcRect/>
-            <a:tile tx="0" ty="0" sx="100000" sy="100000" flip="none" algn="tl"/>
-          </a:blipFill>
+          <a:solidFill>
+            <a:srgbClr val="00A6AC"/>
+          </a:solidFill>
           <a:ln w="12700" cap="flat">
             <a:noFill/>
             <a:miter lim="400000"/>
@@ -8761,7 +8741,7 @@
       </p:sp>
       <p:sp>
         <p:nvSpPr>
-          <p:cNvPr id="7" name="PB"/>
+          <p:cNvPr id="8" name="PB"/>
           <p:cNvSpPr/>
           <p:nvPr/>
         </p:nvSpPr>
@@ -8773,11 +8753,9 @@
           <a:prstGeom prst="rect">
             <a:avLst/>
           </a:prstGeom>
-          <a:blipFill rotWithShape="1">
-            <a:blip r:embed="rId3"/>
-            <a:srcRect/>
-            <a:tile tx="0" ty="0" sx="100000" sy="100000" flip="none" algn="tl"/>
-          </a:blipFill>
+          <a:solidFill>
+            <a:srgbClr val="00A6AC"/>
+          </a:solidFill>
           <a:ln w="12700" cap="flat">
             <a:noFill/>
             <a:miter lim="400000"/>
@@ -8902,7 +8880,7 @@
       </p:sp>
       <p:sp>
         <p:nvSpPr>
-          <p:cNvPr id="5" name="PB"/>
+          <p:cNvPr id="6" name="PB"/>
           <p:cNvSpPr/>
           <p:nvPr/>
         </p:nvSpPr>
@@ -8914,11 +8892,9 @@
           <a:prstGeom prst="rect">
             <a:avLst/>
           </a:prstGeom>
-          <a:blipFill rotWithShape="1">
-            <a:blip r:embed="rId2"/>
-            <a:srcRect/>
-            <a:tile tx="0" ty="0" sx="100000" sy="100000" flip="none" algn="tl"/>
-          </a:blipFill>
+          <a:solidFill>
+            <a:srgbClr val="00A6AC"/>
+          </a:solidFill>
           <a:ln w="12700" cap="flat">
             <a:noFill/>
             <a:miter lim="400000"/>
@@ -9107,7 +9083,7 @@
       </p:sp>
       <p:sp>
         <p:nvSpPr>
-          <p:cNvPr id="7" name="PB"/>
+          <p:cNvPr id="8" name="PB"/>
           <p:cNvSpPr/>
           <p:nvPr/>
         </p:nvSpPr>
@@ -9119,11 +9095,9 @@
           <a:prstGeom prst="rect">
             <a:avLst/>
           </a:prstGeom>
-          <a:blipFill rotWithShape="1">
-            <a:blip r:embed="rId3"/>
-            <a:srcRect/>
-            <a:tile tx="0" ty="0" sx="100000" sy="100000" flip="none" algn="tl"/>
-          </a:blipFill>
+          <a:solidFill>
+            <a:srgbClr val="00A6AC"/>
+          </a:solidFill>
           <a:ln w="12700" cap="flat">
             <a:noFill/>
             <a:miter lim="400000"/>
@@ -9461,7 +9435,7 @@
       </p:sp>
       <p:sp>
         <p:nvSpPr>
-          <p:cNvPr id="8" name="PB"/>
+          <p:cNvPr id="9" name="PB"/>
           <p:cNvSpPr/>
           <p:nvPr/>
         </p:nvSpPr>
@@ -9473,11 +9447,9 @@
           <a:prstGeom prst="rect">
             <a:avLst/>
           </a:prstGeom>
-          <a:blipFill rotWithShape="1">
-            <a:blip r:embed="rId3"/>
-            <a:srcRect/>
-            <a:tile tx="0" ty="0" sx="100000" sy="100000" flip="none" algn="tl"/>
-          </a:blipFill>
+          <a:solidFill>
+            <a:srgbClr val="00A6AC"/>
+          </a:solidFill>
           <a:ln w="12700" cap="flat">
             <a:noFill/>
             <a:miter lim="400000"/>
@@ -9648,7 +9620,7 @@
       </p:sp>
       <p:sp>
         <p:nvSpPr>
-          <p:cNvPr id="7" name="PB"/>
+          <p:cNvPr id="8" name="PB"/>
           <p:cNvSpPr/>
           <p:nvPr/>
         </p:nvSpPr>
@@ -9660,11 +9632,9 @@
           <a:prstGeom prst="rect">
             <a:avLst/>
           </a:prstGeom>
-          <a:blipFill rotWithShape="1">
-            <a:blip r:embed="rId3"/>
-            <a:srcRect/>
-            <a:tile tx="0" ty="0" sx="100000" sy="100000" flip="none" algn="tl"/>
-          </a:blipFill>
+          <a:solidFill>
+            <a:srgbClr val="00A6AC"/>
+          </a:solidFill>
           <a:ln w="12700" cap="flat">
             <a:noFill/>
             <a:miter lim="400000"/>
@@ -10000,7 +9970,7 @@
       </p:sp>
       <p:sp>
         <p:nvSpPr>
-          <p:cNvPr id="5" name="PB"/>
+          <p:cNvPr id="6" name="PB"/>
           <p:cNvSpPr/>
           <p:nvPr/>
         </p:nvSpPr>
@@ -10012,11 +9982,9 @@
           <a:prstGeom prst="rect">
             <a:avLst/>
           </a:prstGeom>
-          <a:blipFill rotWithShape="1">
-            <a:blip r:embed="rId2"/>
-            <a:srcRect/>
-            <a:tile tx="0" ty="0" sx="100000" sy="100000" flip="none" algn="tl"/>
-          </a:blipFill>
+          <a:solidFill>
+            <a:srgbClr val="00A6AC"/>
+          </a:solidFill>
           <a:ln w="12700" cap="flat">
             <a:noFill/>
             <a:miter lim="400000"/>
@@ -10081,6 +10049,13 @@
     <a:masterClrMapping/>
   </p:clrMapOvr>
   <p:transition xmlns:p14="http://schemas.microsoft.com/office/powerpoint/2010/main" spd="slow"/>
+  <p:timing>
+    <p:tnLst>
+      <p:par>
+        <p:cTn xmlns:p14="http://schemas.microsoft.com/office/powerpoint/2010/main" id="1" dur="indefinite" restart="never" nodeType="tmRoot"/>
+      </p:par>
+    </p:tnLst>
+  </p:timing>
 </p:sld>
 </file>
 
@@ -10454,7 +10429,7 @@
       </p:sp>
       <p:sp>
         <p:nvSpPr>
-          <p:cNvPr id="8" name="PB"/>
+          <p:cNvPr id="9" name="PB"/>
           <p:cNvSpPr/>
           <p:nvPr/>
         </p:nvSpPr>
@@ -10466,11 +10441,9 @@
           <a:prstGeom prst="rect">
             <a:avLst/>
           </a:prstGeom>
-          <a:blipFill rotWithShape="1">
-            <a:blip r:embed="rId2"/>
-            <a:srcRect/>
-            <a:tile tx="0" ty="0" sx="100000" sy="100000" flip="none" algn="tl"/>
-          </a:blipFill>
+          <a:solidFill>
+            <a:srgbClr val="00A6AC"/>
+          </a:solidFill>
           <a:ln w="12700" cap="flat">
             <a:noFill/>
             <a:miter lim="400000"/>
@@ -10540,6 +10513,13 @@
     <a:masterClrMapping/>
   </p:clrMapOvr>
   <p:transition xmlns:p14="http://schemas.microsoft.com/office/powerpoint/2010/main" spd="med"/>
+  <p:timing>
+    <p:tnLst>
+      <p:par>
+        <p:cTn xmlns:p14="http://schemas.microsoft.com/office/powerpoint/2010/main" id="1" dur="indefinite" restart="never" nodeType="tmRoot"/>
+      </p:par>
+    </p:tnLst>
+  </p:timing>
 </p:sld>
 </file>
 
@@ -10642,7 +10622,7 @@
       </p:sp>
       <p:sp>
         <p:nvSpPr>
-          <p:cNvPr id="7" name="PB"/>
+          <p:cNvPr id="8" name="PB"/>
           <p:cNvSpPr/>
           <p:nvPr/>
         </p:nvSpPr>
@@ -10654,11 +10634,9 @@
           <a:prstGeom prst="rect">
             <a:avLst/>
           </a:prstGeom>
-          <a:blipFill rotWithShape="1">
-            <a:blip r:embed="rId2"/>
-            <a:srcRect/>
-            <a:tile tx="0" ty="0" sx="100000" sy="100000" flip="none" algn="tl"/>
-          </a:blipFill>
+          <a:solidFill>
+            <a:srgbClr val="00A6AC"/>
+          </a:solidFill>
           <a:ln w="12700" cap="flat">
             <a:noFill/>
             <a:miter lim="400000"/>
@@ -10728,6 +10706,13 @@
     <a:masterClrMapping/>
   </p:clrMapOvr>
   <p:transition xmlns:p14="http://schemas.microsoft.com/office/powerpoint/2010/main" spd="med"/>
+  <p:timing>
+    <p:tnLst>
+      <p:par>
+        <p:cTn xmlns:p14="http://schemas.microsoft.com/office/powerpoint/2010/main" id="1" dur="indefinite" restart="never" nodeType="tmRoot"/>
+      </p:par>
+    </p:tnLst>
+  </p:timing>
 </p:sld>
 </file>
 
@@ -10855,7 +10840,7 @@
       </p:sp>
       <p:sp>
         <p:nvSpPr>
-          <p:cNvPr id="7" name="PB"/>
+          <p:cNvPr id="8" name="PB"/>
           <p:cNvSpPr/>
           <p:nvPr/>
         </p:nvSpPr>
@@ -10867,11 +10852,9 @@
           <a:prstGeom prst="rect">
             <a:avLst/>
           </a:prstGeom>
-          <a:blipFill rotWithShape="1">
-            <a:blip r:embed="rId3"/>
-            <a:srcRect/>
-            <a:tile tx="0" ty="0" sx="100000" sy="100000" flip="none" algn="tl"/>
-          </a:blipFill>
+          <a:solidFill>
+            <a:srgbClr val="00A6AC"/>
+          </a:solidFill>
           <a:ln w="12700" cap="flat">
             <a:noFill/>
             <a:miter lim="400000"/>
@@ -10941,6 +10924,13 @@
     <a:masterClrMapping/>
   </p:clrMapOvr>
   <p:transition xmlns:p14="http://schemas.microsoft.com/office/powerpoint/2010/main" spd="med"/>
+  <p:timing>
+    <p:tnLst>
+      <p:par>
+        <p:cTn xmlns:p14="http://schemas.microsoft.com/office/powerpoint/2010/main" id="1" dur="indefinite" restart="never" nodeType="tmRoot"/>
+      </p:par>
+    </p:tnLst>
+  </p:timing>
 </p:sld>
 </file>
 
@@ -11054,7 +11044,7 @@
       </p:sp>
       <p:sp>
         <p:nvSpPr>
-          <p:cNvPr id="7" name="PB"/>
+          <p:cNvPr id="8" name="PB"/>
           <p:cNvSpPr/>
           <p:nvPr/>
         </p:nvSpPr>
@@ -11066,11 +11056,9 @@
           <a:prstGeom prst="rect">
             <a:avLst/>
           </a:prstGeom>
-          <a:blipFill rotWithShape="1">
-            <a:blip r:embed="rId2"/>
-            <a:srcRect/>
-            <a:tile tx="0" ty="0" sx="100000" sy="100000" flip="none" algn="tl"/>
-          </a:blipFill>
+          <a:solidFill>
+            <a:srgbClr val="00A6AC"/>
+          </a:solidFill>
           <a:ln w="12700" cap="flat">
             <a:noFill/>
             <a:miter lim="400000"/>
@@ -11140,6 +11128,13 @@
     <a:masterClrMapping/>
   </p:clrMapOvr>
   <p:transition xmlns:p14="http://schemas.microsoft.com/office/powerpoint/2010/main" spd="med"/>
+  <p:timing>
+    <p:tnLst>
+      <p:par>
+        <p:cTn xmlns:p14="http://schemas.microsoft.com/office/powerpoint/2010/main" id="1" dur="indefinite" restart="never" nodeType="tmRoot"/>
+      </p:par>
+    </p:tnLst>
+  </p:timing>
 </p:sld>
 </file>
 
@@ -11279,7 +11274,7 @@
       </p:sp>
       <p:sp>
         <p:nvSpPr>
-          <p:cNvPr id="7" name="PB"/>
+          <p:cNvPr id="8" name="PB"/>
           <p:cNvSpPr/>
           <p:nvPr/>
         </p:nvSpPr>
@@ -11291,11 +11286,9 @@
           <a:prstGeom prst="rect">
             <a:avLst/>
           </a:prstGeom>
-          <a:blipFill rotWithShape="1">
-            <a:blip r:embed="rId3"/>
-            <a:srcRect/>
-            <a:tile tx="0" ty="0" sx="100000" sy="100000" flip="none" algn="tl"/>
-          </a:blipFill>
+          <a:solidFill>
+            <a:srgbClr val="00A6AC"/>
+          </a:solidFill>
           <a:ln w="12700" cap="flat">
             <a:noFill/>
             <a:miter lim="400000"/>
@@ -11865,7 +11858,7 @@
       </p:sp>
       <p:sp>
         <p:nvSpPr>
-          <p:cNvPr id="8" name="PB"/>
+          <p:cNvPr id="9" name="PB"/>
           <p:cNvSpPr/>
           <p:nvPr/>
         </p:nvSpPr>
@@ -11877,11 +11870,9 @@
           <a:prstGeom prst="rect">
             <a:avLst/>
           </a:prstGeom>
-          <a:blipFill rotWithShape="1">
-            <a:blip r:embed="rId3"/>
-            <a:srcRect/>
-            <a:tile tx="0" ty="0" sx="100000" sy="100000" flip="none" algn="tl"/>
-          </a:blipFill>
+          <a:solidFill>
+            <a:srgbClr val="00A6AC"/>
+          </a:solidFill>
           <a:ln w="12700" cap="flat">
             <a:noFill/>
             <a:miter lim="400000"/>
@@ -12061,7 +12052,7 @@
       </p:sp>
       <p:sp>
         <p:nvSpPr>
-          <p:cNvPr id="6" name="PB"/>
+          <p:cNvPr id="7" name="PB"/>
           <p:cNvSpPr/>
           <p:nvPr/>
         </p:nvSpPr>
@@ -12073,11 +12064,9 @@
           <a:prstGeom prst="rect">
             <a:avLst/>
           </a:prstGeom>
-          <a:blipFill rotWithShape="1">
-            <a:blip r:embed="rId3"/>
-            <a:srcRect/>
-            <a:tile tx="0" ty="0" sx="100000" sy="100000" flip="none" algn="tl"/>
-          </a:blipFill>
+          <a:solidFill>
+            <a:srgbClr val="00A6AC"/>
+          </a:solidFill>
           <a:ln w="12700" cap="flat">
             <a:noFill/>
             <a:miter lim="400000"/>
@@ -12322,7 +12311,7 @@
       </p:sp>
       <p:sp>
         <p:nvSpPr>
-          <p:cNvPr id="7" name="PB"/>
+          <p:cNvPr id="8" name="PB"/>
           <p:cNvSpPr/>
           <p:nvPr/>
         </p:nvSpPr>
@@ -12334,11 +12323,9 @@
           <a:prstGeom prst="rect">
             <a:avLst/>
           </a:prstGeom>
-          <a:blipFill rotWithShape="1">
-            <a:blip r:embed="rId3"/>
-            <a:srcRect/>
-            <a:tile tx="0" ty="0" sx="100000" sy="100000" flip="none" algn="tl"/>
-          </a:blipFill>
+          <a:solidFill>
+            <a:srgbClr val="00A6AC"/>
+          </a:solidFill>
           <a:ln w="12700" cap="flat">
             <a:noFill/>
             <a:miter lim="400000"/>
@@ -12534,7 +12521,7 @@
       </p:sp>
       <p:sp>
         <p:nvSpPr>
-          <p:cNvPr id="6" name="PB"/>
+          <p:cNvPr id="7" name="PB"/>
           <p:cNvSpPr/>
           <p:nvPr/>
         </p:nvSpPr>
@@ -12546,11 +12533,9 @@
           <a:prstGeom prst="rect">
             <a:avLst/>
           </a:prstGeom>
-          <a:blipFill rotWithShape="1">
-            <a:blip r:embed="rId2"/>
-            <a:srcRect/>
-            <a:tile tx="0" ty="0" sx="100000" sy="100000" flip="none" algn="tl"/>
-          </a:blipFill>
+          <a:solidFill>
+            <a:srgbClr val="00A6AC"/>
+          </a:solidFill>
           <a:ln w="12700" cap="flat">
             <a:noFill/>
             <a:miter lim="400000"/>
@@ -12713,7 +12698,7 @@
       </p:sp>
       <p:sp>
         <p:nvSpPr>
-          <p:cNvPr id="7" name="PB"/>
+          <p:cNvPr id="8" name="PB"/>
           <p:cNvSpPr/>
           <p:nvPr/>
         </p:nvSpPr>
@@ -12725,11 +12710,9 @@
           <a:prstGeom prst="rect">
             <a:avLst/>
           </a:prstGeom>
-          <a:blipFill rotWithShape="1">
-            <a:blip r:embed="rId2"/>
-            <a:srcRect/>
-            <a:tile tx="0" ty="0" sx="100000" sy="100000" flip="none" algn="tl"/>
-          </a:blipFill>
+          <a:solidFill>
+            <a:srgbClr val="00A6AC"/>
+          </a:solidFill>
           <a:ln w="12700" cap="flat">
             <a:noFill/>
             <a:miter lim="400000"/>
@@ -12799,6 +12782,13 @@
     <a:masterClrMapping/>
   </p:clrMapOvr>
   <p:transition xmlns:p14="http://schemas.microsoft.com/office/powerpoint/2010/main" spd="med"/>
+  <p:timing>
+    <p:tnLst>
+      <p:par>
+        <p:cTn xmlns:p14="http://schemas.microsoft.com/office/powerpoint/2010/main" id="1" dur="indefinite" restart="never" nodeType="tmRoot"/>
+      </p:par>
+    </p:tnLst>
+  </p:timing>
 </p:sld>
 </file>
 
@@ -12891,7 +12881,7 @@
       </p:sp>
       <p:sp>
         <p:nvSpPr>
-          <p:cNvPr id="7" name="PB"/>
+          <p:cNvPr id="8" name="PB"/>
           <p:cNvSpPr/>
           <p:nvPr/>
         </p:nvSpPr>
@@ -12903,11 +12893,9 @@
           <a:prstGeom prst="rect">
             <a:avLst/>
           </a:prstGeom>
-          <a:blipFill rotWithShape="1">
-            <a:blip r:embed="rId2"/>
-            <a:srcRect/>
-            <a:tile tx="0" ty="0" sx="100000" sy="100000" flip="none" algn="tl"/>
-          </a:blipFill>
+          <a:solidFill>
+            <a:srgbClr val="00A6AC"/>
+          </a:solidFill>
           <a:ln w="12700" cap="flat">
             <a:noFill/>
             <a:miter lim="400000"/>
@@ -12977,6 +12965,13 @@
     <a:masterClrMapping/>
   </p:clrMapOvr>
   <p:transition xmlns:p14="http://schemas.microsoft.com/office/powerpoint/2010/main" spd="med"/>
+  <p:timing>
+    <p:tnLst>
+      <p:par>
+        <p:cTn xmlns:p14="http://schemas.microsoft.com/office/powerpoint/2010/main" id="1" dur="indefinite" restart="never" nodeType="tmRoot"/>
+      </p:par>
+    </p:tnLst>
+  </p:timing>
 </p:sld>
 </file>
 
@@ -13073,7 +13068,7 @@
       </p:sp>
       <p:sp>
         <p:nvSpPr>
-          <p:cNvPr id="7" name="PB"/>
+          <p:cNvPr id="8" name="PB"/>
           <p:cNvSpPr/>
           <p:nvPr/>
         </p:nvSpPr>
@@ -13085,11 +13080,9 @@
           <a:prstGeom prst="rect">
             <a:avLst/>
           </a:prstGeom>
-          <a:blipFill rotWithShape="1">
-            <a:blip r:embed="rId2"/>
-            <a:srcRect/>
-            <a:tile tx="0" ty="0" sx="100000" sy="100000" flip="none" algn="tl"/>
-          </a:blipFill>
+          <a:solidFill>
+            <a:srgbClr val="00A6AC"/>
+          </a:solidFill>
           <a:ln w="12700" cap="flat">
             <a:noFill/>
             <a:miter lim="400000"/>
@@ -13159,6 +13152,13 @@
     <a:masterClrMapping/>
   </p:clrMapOvr>
   <p:transition xmlns:p14="http://schemas.microsoft.com/office/powerpoint/2010/main" spd="med"/>
+  <p:timing>
+    <p:tnLst>
+      <p:par>
+        <p:cTn xmlns:p14="http://schemas.microsoft.com/office/powerpoint/2010/main" id="1" dur="indefinite" restart="never" nodeType="tmRoot"/>
+      </p:par>
+    </p:tnLst>
+  </p:timing>
 </p:sld>
 </file>
 
@@ -13256,7 +13256,7 @@
       </p:sp>
       <p:sp>
         <p:nvSpPr>
-          <p:cNvPr id="7" name="PB"/>
+          <p:cNvPr id="8" name="PB"/>
           <p:cNvSpPr/>
           <p:nvPr/>
         </p:nvSpPr>
@@ -13268,11 +13268,9 @@
           <a:prstGeom prst="rect">
             <a:avLst/>
           </a:prstGeom>
-          <a:blipFill rotWithShape="1">
-            <a:blip r:embed="rId2"/>
-            <a:srcRect/>
-            <a:tile tx="0" ty="0" sx="100000" sy="100000" flip="none" algn="tl"/>
-          </a:blipFill>
+          <a:solidFill>
+            <a:srgbClr val="00A6AC"/>
+          </a:solidFill>
           <a:ln w="12700" cap="flat">
             <a:noFill/>
             <a:miter lim="400000"/>
@@ -13342,6 +13340,13 @@
     <a:masterClrMapping/>
   </p:clrMapOvr>
   <p:transition xmlns:p14="http://schemas.microsoft.com/office/powerpoint/2010/main" spd="med"/>
+  <p:timing>
+    <p:tnLst>
+      <p:par>
+        <p:cTn xmlns:p14="http://schemas.microsoft.com/office/powerpoint/2010/main" id="1" dur="indefinite" restart="never" nodeType="tmRoot"/>
+      </p:par>
+    </p:tnLst>
+  </p:timing>
 </p:sld>
 </file>
 
@@ -13432,7 +13437,7 @@
       </p:sp>
       <p:sp>
         <p:nvSpPr>
-          <p:cNvPr id="7" name="PB"/>
+          <p:cNvPr id="8" name="PB"/>
           <p:cNvSpPr/>
           <p:nvPr/>
         </p:nvSpPr>
@@ -13444,11 +13449,9 @@
           <a:prstGeom prst="rect">
             <a:avLst/>
           </a:prstGeom>
-          <a:blipFill rotWithShape="1">
-            <a:blip r:embed="rId2"/>
-            <a:srcRect/>
-            <a:tile tx="0" ty="0" sx="100000" sy="100000" flip="none" algn="tl"/>
-          </a:blipFill>
+          <a:solidFill>
+            <a:srgbClr val="00A6AC"/>
+          </a:solidFill>
           <a:ln w="12700" cap="flat">
             <a:noFill/>
             <a:miter lim="400000"/>
@@ -13518,6 +13521,13 @@
     <a:masterClrMapping/>
   </p:clrMapOvr>
   <p:transition xmlns:p14="http://schemas.microsoft.com/office/powerpoint/2010/main" spd="med"/>
+  <p:timing>
+    <p:tnLst>
+      <p:par>
+        <p:cTn xmlns:p14="http://schemas.microsoft.com/office/powerpoint/2010/main" id="1" dur="indefinite" restart="never" nodeType="tmRoot"/>
+      </p:par>
+    </p:tnLst>
+  </p:timing>
 </p:sld>
 </file>
 
@@ -13613,7 +13623,7 @@
       </p:sp>
       <p:sp>
         <p:nvSpPr>
-          <p:cNvPr id="7" name="PB"/>
+          <p:cNvPr id="8" name="PB"/>
           <p:cNvSpPr/>
           <p:nvPr/>
         </p:nvSpPr>
@@ -13625,11 +13635,9 @@
           <a:prstGeom prst="rect">
             <a:avLst/>
           </a:prstGeom>
-          <a:blipFill rotWithShape="1">
-            <a:blip r:embed="rId2"/>
-            <a:srcRect/>
-            <a:tile tx="0" ty="0" sx="100000" sy="100000" flip="none" algn="tl"/>
-          </a:blipFill>
+          <a:solidFill>
+            <a:srgbClr val="00A6AC"/>
+          </a:solidFill>
           <a:ln w="12700" cap="flat">
             <a:noFill/>
             <a:miter lim="400000"/>
@@ -13699,6 +13707,13 @@
     <a:masterClrMapping/>
   </p:clrMapOvr>
   <p:transition xmlns:p14="http://schemas.microsoft.com/office/powerpoint/2010/main" spd="med"/>
+  <p:timing>
+    <p:tnLst>
+      <p:par>
+        <p:cTn xmlns:p14="http://schemas.microsoft.com/office/powerpoint/2010/main" id="1" dur="indefinite" restart="never" nodeType="tmRoot"/>
+      </p:par>
+    </p:tnLst>
+  </p:timing>
 </p:sld>
 </file>
 
@@ -13767,7 +13782,7 @@
       </p:sp>
       <p:sp>
         <p:nvSpPr>
-          <p:cNvPr id="7" name="PB"/>
+          <p:cNvPr id="8" name="PB"/>
           <p:cNvSpPr/>
           <p:nvPr/>
         </p:nvSpPr>
@@ -13779,11 +13794,9 @@
           <a:prstGeom prst="rect">
             <a:avLst/>
           </a:prstGeom>
-          <a:blipFill rotWithShape="1">
-            <a:blip r:embed="rId2"/>
-            <a:srcRect/>
-            <a:tile tx="0" ty="0" sx="100000" sy="100000" flip="none" algn="tl"/>
-          </a:blipFill>
+          <a:solidFill>
+            <a:srgbClr val="00A6AC"/>
+          </a:solidFill>
           <a:ln w="12700" cap="flat">
             <a:noFill/>
             <a:miter lim="400000"/>
@@ -13853,6 +13866,13 @@
     <a:masterClrMapping/>
   </p:clrMapOvr>
   <p:transition xmlns:p14="http://schemas.microsoft.com/office/powerpoint/2010/main" spd="med"/>
+  <p:timing>
+    <p:tnLst>
+      <p:par>
+        <p:cTn xmlns:p14="http://schemas.microsoft.com/office/powerpoint/2010/main" id="1" dur="indefinite" restart="never" nodeType="tmRoot"/>
+      </p:par>
+    </p:tnLst>
+  </p:timing>
 </p:sld>
 </file>
 
@@ -13931,7 +13951,7 @@
       </p:sp>
       <p:sp>
         <p:nvSpPr>
-          <p:cNvPr id="7" name="PB"/>
+          <p:cNvPr id="8" name="PB"/>
           <p:cNvSpPr/>
           <p:nvPr/>
         </p:nvSpPr>
@@ -13943,11 +13963,9 @@
           <a:prstGeom prst="rect">
             <a:avLst/>
           </a:prstGeom>
-          <a:blipFill rotWithShape="1">
-            <a:blip r:embed="rId2"/>
-            <a:srcRect/>
-            <a:tile tx="0" ty="0" sx="100000" sy="100000" flip="none" algn="tl"/>
-          </a:blipFill>
+          <a:solidFill>
+            <a:srgbClr val="00A6AC"/>
+          </a:solidFill>
           <a:ln w="12700" cap="flat">
             <a:noFill/>
             <a:miter lim="400000"/>
@@ -14084,7 +14102,7 @@
       </p:sp>
       <p:sp>
         <p:nvSpPr>
-          <p:cNvPr id="6" name="PB"/>
+          <p:cNvPr id="7" name="PB"/>
           <p:cNvSpPr/>
           <p:nvPr/>
         </p:nvSpPr>
@@ -14096,11 +14114,9 @@
           <a:prstGeom prst="rect">
             <a:avLst/>
           </a:prstGeom>
-          <a:blipFill rotWithShape="1">
-            <a:blip r:embed="rId3"/>
-            <a:srcRect/>
-            <a:tile tx="0" ty="0" sx="100000" sy="100000" flip="none" algn="tl"/>
-          </a:blipFill>
+          <a:solidFill>
+            <a:srgbClr val="00A6AC"/>
+          </a:solidFill>
           <a:ln w="12700" cap="flat">
             <a:noFill/>
             <a:miter lim="400000"/>
@@ -14257,7 +14273,7 @@
       </p:sp>
       <p:sp>
         <p:nvSpPr>
-          <p:cNvPr id="7" name="PB"/>
+          <p:cNvPr id="8" name="PB"/>
           <p:cNvSpPr/>
           <p:nvPr/>
         </p:nvSpPr>
@@ -14269,11 +14285,9 @@
           <a:prstGeom prst="rect">
             <a:avLst/>
           </a:prstGeom>
-          <a:blipFill rotWithShape="1">
-            <a:blip r:embed="rId2"/>
-            <a:srcRect/>
-            <a:tile tx="0" ty="0" sx="100000" sy="100000" flip="none" algn="tl"/>
-          </a:blipFill>
+          <a:solidFill>
+            <a:srgbClr val="00A6AC"/>
+          </a:solidFill>
           <a:ln w="12700" cap="flat">
             <a:noFill/>
             <a:miter lim="400000"/>
@@ -14470,7 +14484,7 @@
       </p:sp>
       <p:sp>
         <p:nvSpPr>
-          <p:cNvPr id="7" name="PB"/>
+          <p:cNvPr id="8" name="PB"/>
           <p:cNvSpPr/>
           <p:nvPr/>
         </p:nvSpPr>
@@ -14482,11 +14496,9 @@
           <a:prstGeom prst="rect">
             <a:avLst/>
           </a:prstGeom>
-          <a:blipFill rotWithShape="1">
-            <a:blip r:embed="rId2"/>
-            <a:srcRect/>
-            <a:tile tx="0" ty="0" sx="100000" sy="100000" flip="none" algn="tl"/>
-          </a:blipFill>
+          <a:solidFill>
+            <a:srgbClr val="00A6AC"/>
+          </a:solidFill>
           <a:ln w="12700" cap="flat">
             <a:noFill/>
             <a:miter lim="400000"/>
@@ -14669,7 +14681,7 @@
       </p:sp>
       <p:sp>
         <p:nvSpPr>
-          <p:cNvPr id="7" name="PB"/>
+          <p:cNvPr id="8" name="PB"/>
           <p:cNvSpPr/>
           <p:nvPr/>
         </p:nvSpPr>
@@ -14681,11 +14693,9 @@
           <a:prstGeom prst="rect">
             <a:avLst/>
           </a:prstGeom>
-          <a:blipFill rotWithShape="1">
-            <a:blip r:embed="rId3"/>
-            <a:srcRect/>
-            <a:tile tx="0" ty="0" sx="100000" sy="100000" flip="none" algn="tl"/>
-          </a:blipFill>
+          <a:solidFill>
+            <a:srgbClr val="00A6AC"/>
+          </a:solidFill>
           <a:ln w="12700" cap="flat">
             <a:noFill/>
             <a:miter lim="400000"/>
@@ -14912,7 +14922,7 @@
       </p:sp>
       <p:sp>
         <p:nvSpPr>
-          <p:cNvPr id="7" name="PB"/>
+          <p:cNvPr id="8" name="PB"/>
           <p:cNvSpPr/>
           <p:nvPr/>
         </p:nvSpPr>
@@ -14924,11 +14934,9 @@
           <a:prstGeom prst="rect">
             <a:avLst/>
           </a:prstGeom>
-          <a:blipFill rotWithShape="1">
-            <a:blip r:embed="rId3"/>
-            <a:srcRect/>
-            <a:tile tx="0" ty="0" sx="100000" sy="100000" flip="none" algn="tl"/>
-          </a:blipFill>
+          <a:solidFill>
+            <a:srgbClr val="00A6AC"/>
+          </a:solidFill>
           <a:ln w="12700" cap="flat">
             <a:noFill/>
             <a:miter lim="400000"/>
@@ -15082,7 +15090,7 @@
       </p:sp>
       <p:sp>
         <p:nvSpPr>
-          <p:cNvPr id="7" name="PB"/>
+          <p:cNvPr id="8" name="PB"/>
           <p:cNvSpPr/>
           <p:nvPr/>
         </p:nvSpPr>
@@ -15094,11 +15102,9 @@
           <a:prstGeom prst="rect">
             <a:avLst/>
           </a:prstGeom>
-          <a:blipFill rotWithShape="1">
-            <a:blip r:embed="rId2"/>
-            <a:srcRect/>
-            <a:tile tx="0" ty="0" sx="100000" sy="100000" flip="none" algn="tl"/>
-          </a:blipFill>
+          <a:solidFill>
+            <a:srgbClr val="00A6AC"/>
+          </a:solidFill>
           <a:ln w="12700" cap="flat">
             <a:noFill/>
             <a:miter lim="400000"/>
@@ -15496,7 +15502,7 @@
       </p:sp>
       <p:sp>
         <p:nvSpPr>
-          <p:cNvPr id="7" name="PB"/>
+          <p:cNvPr id="8" name="PB"/>
           <p:cNvSpPr/>
           <p:nvPr/>
         </p:nvSpPr>
@@ -15508,11 +15514,9 @@
           <a:prstGeom prst="rect">
             <a:avLst/>
           </a:prstGeom>
-          <a:blipFill rotWithShape="1">
-            <a:blip r:embed="rId3"/>
-            <a:srcRect/>
-            <a:tile tx="0" ty="0" sx="100000" sy="100000" flip="none" algn="tl"/>
-          </a:blipFill>
+          <a:solidFill>
+            <a:srgbClr val="00A6AC"/>
+          </a:solidFill>
           <a:ln w="12700" cap="flat">
             <a:noFill/>
             <a:miter lim="400000"/>
@@ -15683,7 +15687,7 @@
       </p:sp>
       <p:sp>
         <p:nvSpPr>
-          <p:cNvPr id="7" name="PB"/>
+          <p:cNvPr id="8" name="PB"/>
           <p:cNvSpPr/>
           <p:nvPr/>
         </p:nvSpPr>
@@ -15695,11 +15699,9 @@
           <a:prstGeom prst="rect">
             <a:avLst/>
           </a:prstGeom>
-          <a:blipFill rotWithShape="1">
-            <a:blip r:embed="rId3"/>
-            <a:srcRect/>
-            <a:tile tx="0" ty="0" sx="100000" sy="100000" flip="none" algn="tl"/>
-          </a:blipFill>
+          <a:solidFill>
+            <a:srgbClr val="00A6AC"/>
+          </a:solidFill>
           <a:ln w="12700" cap="flat">
             <a:noFill/>
             <a:miter lim="400000"/>
@@ -16025,7 +16027,7 @@
       </p:sp>
       <p:sp>
         <p:nvSpPr>
-          <p:cNvPr id="7" name="PB"/>
+          <p:cNvPr id="8" name="PB"/>
           <p:cNvSpPr/>
           <p:nvPr/>
         </p:nvSpPr>
@@ -16037,11 +16039,9 @@
           <a:prstGeom prst="rect">
             <a:avLst/>
           </a:prstGeom>
-          <a:blipFill rotWithShape="1">
-            <a:blip r:embed="rId4"/>
-            <a:srcRect/>
-            <a:tile tx="0" ty="0" sx="100000" sy="100000" flip="none" algn="tl"/>
-          </a:blipFill>
+          <a:solidFill>
+            <a:srgbClr val="00A6AC"/>
+          </a:solidFill>
           <a:ln w="12700" cap="flat">
             <a:noFill/>
             <a:miter lim="400000"/>
@@ -16242,7 +16242,7 @@
       </p:sp>
       <p:sp>
         <p:nvSpPr>
-          <p:cNvPr id="6" name="PB"/>
+          <p:cNvPr id="7" name="PB"/>
           <p:cNvSpPr/>
           <p:nvPr/>
         </p:nvSpPr>
@@ -16254,11 +16254,9 @@
           <a:prstGeom prst="rect">
             <a:avLst/>
           </a:prstGeom>
-          <a:blipFill rotWithShape="1">
-            <a:blip r:embed="rId2"/>
-            <a:srcRect/>
-            <a:tile tx="0" ty="0" sx="100000" sy="100000" flip="none" algn="tl"/>
-          </a:blipFill>
+          <a:solidFill>
+            <a:srgbClr val="00A6AC"/>
+          </a:solidFill>
           <a:ln w="12700" cap="flat">
             <a:noFill/>
             <a:miter lim="400000"/>
@@ -16423,7 +16421,7 @@
       </p:sp>
       <p:sp>
         <p:nvSpPr>
-          <p:cNvPr id="7" name="PB"/>
+          <p:cNvPr id="8" name="PB"/>
           <p:cNvSpPr/>
           <p:nvPr/>
         </p:nvSpPr>
@@ -16435,11 +16433,9 @@
           <a:prstGeom prst="rect">
             <a:avLst/>
           </a:prstGeom>
-          <a:blipFill rotWithShape="1">
-            <a:blip r:embed="rId2"/>
-            <a:srcRect/>
-            <a:tile tx="0" ty="0" sx="100000" sy="100000" flip="none" algn="tl"/>
-          </a:blipFill>
+          <a:solidFill>
+            <a:srgbClr val="00A6AC"/>
+          </a:solidFill>
           <a:ln w="12700" cap="flat">
             <a:noFill/>
             <a:miter lim="400000"/>
@@ -16590,7 +16586,7 @@
       </p:sp>
       <p:sp>
         <p:nvSpPr>
-          <p:cNvPr id="7" name="PB"/>
+          <p:cNvPr id="8" name="PB"/>
           <p:cNvSpPr/>
           <p:nvPr/>
         </p:nvSpPr>
@@ -16602,11 +16598,9 @@
           <a:prstGeom prst="rect">
             <a:avLst/>
           </a:prstGeom>
-          <a:blipFill rotWithShape="1">
-            <a:blip r:embed="rId2"/>
-            <a:srcRect/>
-            <a:tile tx="0" ty="0" sx="100000" sy="100000" flip="none" algn="tl"/>
-          </a:blipFill>
+          <a:solidFill>
+            <a:srgbClr val="00A6AC"/>
+          </a:solidFill>
           <a:ln w="12700" cap="flat">
             <a:noFill/>
             <a:miter lim="400000"/>
@@ -16879,7 +16873,7 @@
       </p:sp>
       <p:sp>
         <p:nvSpPr>
-          <p:cNvPr id="7" name="PB"/>
+          <p:cNvPr id="8" name="PB"/>
           <p:cNvSpPr/>
           <p:nvPr/>
         </p:nvSpPr>
@@ -16891,11 +16885,9 @@
           <a:prstGeom prst="rect">
             <a:avLst/>
           </a:prstGeom>
-          <a:blipFill rotWithShape="1">
-            <a:blip r:embed="rId3"/>
-            <a:srcRect/>
-            <a:tile tx="0" ty="0" sx="100000" sy="100000" flip="none" algn="tl"/>
-          </a:blipFill>
+          <a:solidFill>
+            <a:srgbClr val="00A6AC"/>
+          </a:solidFill>
           <a:ln w="12700" cap="flat">
             <a:noFill/>
             <a:miter lim="400000"/>
@@ -17052,7 +17044,7 @@
       </p:sp>
       <p:sp>
         <p:nvSpPr>
-          <p:cNvPr id="7" name="PB"/>
+          <p:cNvPr id="8" name="PB"/>
           <p:cNvSpPr/>
           <p:nvPr/>
         </p:nvSpPr>
@@ -17064,11 +17056,9 @@
           <a:prstGeom prst="rect">
             <a:avLst/>
           </a:prstGeom>
-          <a:blipFill rotWithShape="1">
-            <a:blip r:embed="rId2"/>
-            <a:srcRect/>
-            <a:tile tx="0" ty="0" sx="100000" sy="100000" flip="none" algn="tl"/>
-          </a:blipFill>
+          <a:solidFill>
+            <a:srgbClr val="00A6AC"/>
+          </a:solidFill>
           <a:ln w="12700" cap="flat">
             <a:noFill/>
             <a:miter lim="400000"/>
@@ -17443,7 +17433,7 @@
       </p:sp>
       <p:sp>
         <p:nvSpPr>
-          <p:cNvPr id="8" name="PB"/>
+          <p:cNvPr id="9" name="PB"/>
           <p:cNvSpPr/>
           <p:nvPr/>
         </p:nvSpPr>
@@ -17455,11 +17445,9 @@
           <a:prstGeom prst="rect">
             <a:avLst/>
           </a:prstGeom>
-          <a:blipFill rotWithShape="1">
-            <a:blip r:embed="rId3"/>
-            <a:srcRect/>
-            <a:tile tx="0" ty="0" sx="100000" sy="100000" flip="none" algn="tl"/>
-          </a:blipFill>
+          <a:solidFill>
+            <a:srgbClr val="00A6AC"/>
+          </a:solidFill>
           <a:ln w="12700" cap="flat">
             <a:noFill/>
             <a:miter lim="400000"/>
@@ -17627,7 +17615,7 @@
       </p:sp>
       <p:sp>
         <p:nvSpPr>
-          <p:cNvPr id="7" name="PB"/>
+          <p:cNvPr id="8" name="PB"/>
           <p:cNvSpPr/>
           <p:nvPr/>
         </p:nvSpPr>
@@ -17639,11 +17627,9 @@
           <a:prstGeom prst="rect">
             <a:avLst/>
           </a:prstGeom>
-          <a:blipFill rotWithShape="1">
-            <a:blip r:embed="rId2"/>
-            <a:srcRect/>
-            <a:tile tx="0" ty="0" sx="100000" sy="100000" flip="none" algn="tl"/>
-          </a:blipFill>
+          <a:solidFill>
+            <a:srgbClr val="00A6AC"/>
+          </a:solidFill>
           <a:ln w="12700" cap="flat">
             <a:noFill/>
             <a:miter lim="400000"/>
@@ -17917,7 +17903,7 @@
       </p:pic>
       <p:sp>
         <p:nvSpPr>
-          <p:cNvPr id="8" name="PB"/>
+          <p:cNvPr id="9" name="PB"/>
           <p:cNvSpPr/>
           <p:nvPr/>
         </p:nvSpPr>
@@ -17929,11 +17915,9 @@
           <a:prstGeom prst="rect">
             <a:avLst/>
           </a:prstGeom>
-          <a:blipFill rotWithShape="1">
-            <a:blip r:embed="rId3"/>
-            <a:srcRect/>
-            <a:tile tx="0" ty="0" sx="100000" sy="100000" flip="none" algn="tl"/>
-          </a:blipFill>
+          <a:solidFill>
+            <a:srgbClr val="00A6AC"/>
+          </a:solidFill>
           <a:ln w="12700" cap="flat">
             <a:noFill/>
             <a:miter lim="400000"/>
@@ -18103,7 +18087,7 @@
       </p:sp>
       <p:sp>
         <p:nvSpPr>
-          <p:cNvPr id="7" name="PB"/>
+          <p:cNvPr id="8" name="PB"/>
           <p:cNvSpPr/>
           <p:nvPr/>
         </p:nvSpPr>
@@ -18115,11 +18099,9 @@
           <a:prstGeom prst="rect">
             <a:avLst/>
           </a:prstGeom>
-          <a:blipFill rotWithShape="1">
-            <a:blip r:embed="rId2"/>
-            <a:srcRect/>
-            <a:tile tx="0" ty="0" sx="100000" sy="100000" flip="none" algn="tl"/>
-          </a:blipFill>
+          <a:solidFill>
+            <a:srgbClr val="00A6AC"/>
+          </a:solidFill>
           <a:ln w="12700" cap="flat">
             <a:noFill/>
             <a:miter lim="400000"/>
@@ -18299,7 +18281,7 @@
       </p:sp>
       <p:sp>
         <p:nvSpPr>
-          <p:cNvPr id="6" name="PB"/>
+          <p:cNvPr id="7" name="PB"/>
           <p:cNvSpPr/>
           <p:nvPr/>
         </p:nvSpPr>
@@ -18311,11 +18293,9 @@
           <a:prstGeom prst="rect">
             <a:avLst/>
           </a:prstGeom>
-          <a:blipFill rotWithShape="1">
-            <a:blip r:embed="rId3"/>
-            <a:srcRect/>
-            <a:tile tx="0" ty="0" sx="100000" sy="100000" flip="none" algn="tl"/>
-          </a:blipFill>
+          <a:solidFill>
+            <a:srgbClr val="00A6AC"/>
+          </a:solidFill>
           <a:ln w="12700" cap="flat">
             <a:noFill/>
             <a:miter lim="400000"/>
@@ -18614,7 +18594,7 @@
       </p:sp>
       <p:sp>
         <p:nvSpPr>
-          <p:cNvPr id="6" name="PB"/>
+          <p:cNvPr id="7" name="PB"/>
           <p:cNvSpPr/>
           <p:nvPr/>
         </p:nvSpPr>
@@ -18626,11 +18606,9 @@
           <a:prstGeom prst="rect">
             <a:avLst/>
           </a:prstGeom>
-          <a:blipFill rotWithShape="1">
-            <a:blip r:embed="rId3"/>
-            <a:srcRect/>
-            <a:tile tx="0" ty="0" sx="100000" sy="100000" flip="none" algn="tl"/>
-          </a:blipFill>
+          <a:solidFill>
+            <a:srgbClr val="00A6AC"/>
+          </a:solidFill>
           <a:ln w="12700" cap="flat">
             <a:noFill/>
             <a:miter lim="400000"/>
@@ -18917,7 +18895,7 @@
       </p:sp>
       <p:sp>
         <p:nvSpPr>
-          <p:cNvPr id="7" name="PB"/>
+          <p:cNvPr id="8" name="PB"/>
           <p:cNvSpPr/>
           <p:nvPr/>
         </p:nvSpPr>
@@ -18929,11 +18907,9 @@
           <a:prstGeom prst="rect">
             <a:avLst/>
           </a:prstGeom>
-          <a:blipFill rotWithShape="1">
-            <a:blip r:embed="rId3"/>
-            <a:srcRect/>
-            <a:tile tx="0" ty="0" sx="100000" sy="100000" flip="none" algn="tl"/>
-          </a:blipFill>
+          <a:solidFill>
+            <a:srgbClr val="00A6AC"/>
+          </a:solidFill>
           <a:ln w="12700" cap="flat">
             <a:noFill/>
             <a:miter lim="400000"/>
@@ -19231,7 +19207,7 @@
       </p:sp>
       <p:sp>
         <p:nvSpPr>
-          <p:cNvPr id="7" name="PB"/>
+          <p:cNvPr id="8" name="PB"/>
           <p:cNvSpPr/>
           <p:nvPr/>
         </p:nvSpPr>
@@ -19243,11 +19219,9 @@
           <a:prstGeom prst="rect">
             <a:avLst/>
           </a:prstGeom>
-          <a:blipFill rotWithShape="1">
-            <a:blip r:embed="rId2"/>
-            <a:srcRect/>
-            <a:tile tx="0" ty="0" sx="100000" sy="100000" flip="none" algn="tl"/>
-          </a:blipFill>
+          <a:solidFill>
+            <a:srgbClr val="00A6AC"/>
+          </a:solidFill>
           <a:ln w="12700" cap="flat">
             <a:noFill/>
             <a:miter lim="400000"/>
@@ -19373,7 +19347,7 @@
       </p:sp>
       <p:sp>
         <p:nvSpPr>
-          <p:cNvPr id="6" name="PB"/>
+          <p:cNvPr id="7" name="PB"/>
           <p:cNvSpPr/>
           <p:nvPr/>
         </p:nvSpPr>
@@ -19385,11 +19359,9 @@
           <a:prstGeom prst="rect">
             <a:avLst/>
           </a:prstGeom>
-          <a:blipFill rotWithShape="1">
-            <a:blip r:embed="rId3"/>
-            <a:srcRect/>
-            <a:tile tx="0" ty="0" sx="100000" sy="100000" flip="none" algn="tl"/>
-          </a:blipFill>
+          <a:solidFill>
+            <a:srgbClr val="00A6AC"/>
+          </a:solidFill>
           <a:ln w="12700" cap="flat">
             <a:noFill/>
             <a:miter lim="400000"/>
@@ -19611,7 +19583,7 @@
       </p:sp>
       <p:sp>
         <p:nvSpPr>
-          <p:cNvPr id="7" name="PB"/>
+          <p:cNvPr id="8" name="PB"/>
           <p:cNvSpPr/>
           <p:nvPr/>
         </p:nvSpPr>
@@ -19623,11 +19595,9 @@
           <a:prstGeom prst="rect">
             <a:avLst/>
           </a:prstGeom>
-          <a:blipFill rotWithShape="1">
-            <a:blip r:embed="rId3"/>
-            <a:srcRect/>
-            <a:tile tx="0" ty="0" sx="100000" sy="100000" flip="none" algn="tl"/>
-          </a:blipFill>
+          <a:solidFill>
+            <a:srgbClr val="00A6AC"/>
+          </a:solidFill>
           <a:ln w="12700" cap="flat">
             <a:noFill/>
             <a:miter lim="400000"/>
@@ -19991,7 +19961,7 @@
       </p:sp>
       <p:sp>
         <p:nvSpPr>
-          <p:cNvPr id="8" name="PB"/>
+          <p:cNvPr id="9" name="PB"/>
           <p:cNvSpPr/>
           <p:nvPr/>
         </p:nvSpPr>
@@ -20003,11 +19973,9 @@
           <a:prstGeom prst="rect">
             <a:avLst/>
           </a:prstGeom>
-          <a:blipFill rotWithShape="1">
-            <a:blip r:embed="rId3"/>
-            <a:srcRect/>
-            <a:tile tx="0" ty="0" sx="100000" sy="100000" flip="none" algn="tl"/>
-          </a:blipFill>
+          <a:solidFill>
+            <a:srgbClr val="00A6AC"/>
+          </a:solidFill>
           <a:ln w="12700" cap="flat">
             <a:noFill/>
             <a:miter lim="400000"/>
